--- a/1팀_공유모빌리티_설계_v1.0_20210713.pptx
+++ b/1팀_공유모빌리티_설계_v1.0_20210713.pptx
@@ -20,7 +20,7 @@
     <p:sldId id="306" r:id="rId14"/>
     <p:sldId id="307" r:id="rId15"/>
     <p:sldId id="302" r:id="rId16"/>
-    <p:sldId id="303" r:id="rId17"/>
+    <p:sldId id="308" r:id="rId17"/>
     <p:sldId id="304" r:id="rId18"/>
     <p:sldId id="305" r:id="rId19"/>
   </p:sldIdLst>
@@ -270,7 +270,7 @@
           <a:p>
             <a:fld id="{654931E1-3547-5F4D-A496-A8982F82D872}" type="datetimeFigureOut">
               <a:rPr kumimoji="1" lang="ko-KR" altLang="en-US" smtClean="0"/>
-              <a:t>2021-07-13</a:t>
+              <a:t>2021-09-07</a:t>
             </a:fld>
             <a:endParaRPr kumimoji="1" lang="ko-KR" altLang="en-US"/>
           </a:p>
@@ -438,7 +438,7 @@
           <a:p>
             <a:fld id="{654931E1-3547-5F4D-A496-A8982F82D872}" type="datetimeFigureOut">
               <a:rPr kumimoji="1" lang="ko-KR" altLang="en-US" smtClean="0"/>
-              <a:t>2021-07-13</a:t>
+              <a:t>2021-09-07</a:t>
             </a:fld>
             <a:endParaRPr kumimoji="1" lang="ko-KR" altLang="en-US"/>
           </a:p>
@@ -616,7 +616,7 @@
           <a:p>
             <a:fld id="{654931E1-3547-5F4D-A496-A8982F82D872}" type="datetimeFigureOut">
               <a:rPr kumimoji="1" lang="ko-KR" altLang="en-US" smtClean="0"/>
-              <a:t>2021-07-13</a:t>
+              <a:t>2021-09-07</a:t>
             </a:fld>
             <a:endParaRPr kumimoji="1" lang="ko-KR" altLang="en-US"/>
           </a:p>
@@ -784,7 +784,7 @@
           <a:p>
             <a:fld id="{654931E1-3547-5F4D-A496-A8982F82D872}" type="datetimeFigureOut">
               <a:rPr kumimoji="1" lang="ko-KR" altLang="en-US" smtClean="0"/>
-              <a:t>2021-07-13</a:t>
+              <a:t>2021-09-07</a:t>
             </a:fld>
             <a:endParaRPr kumimoji="1" lang="ko-KR" altLang="en-US"/>
           </a:p>
@@ -1029,7 +1029,7 @@
           <a:p>
             <a:fld id="{654931E1-3547-5F4D-A496-A8982F82D872}" type="datetimeFigureOut">
               <a:rPr kumimoji="1" lang="ko-KR" altLang="en-US" smtClean="0"/>
-              <a:t>2021-07-13</a:t>
+              <a:t>2021-09-07</a:t>
             </a:fld>
             <a:endParaRPr kumimoji="1" lang="ko-KR" altLang="en-US"/>
           </a:p>
@@ -1258,7 +1258,7 @@
           <a:p>
             <a:fld id="{654931E1-3547-5F4D-A496-A8982F82D872}" type="datetimeFigureOut">
               <a:rPr kumimoji="1" lang="ko-KR" altLang="en-US" smtClean="0"/>
-              <a:t>2021-07-13</a:t>
+              <a:t>2021-09-07</a:t>
             </a:fld>
             <a:endParaRPr kumimoji="1" lang="ko-KR" altLang="en-US"/>
           </a:p>
@@ -1622,7 +1622,7 @@
           <a:p>
             <a:fld id="{654931E1-3547-5F4D-A496-A8982F82D872}" type="datetimeFigureOut">
               <a:rPr kumimoji="1" lang="ko-KR" altLang="en-US" smtClean="0"/>
-              <a:t>2021-07-13</a:t>
+              <a:t>2021-09-07</a:t>
             </a:fld>
             <a:endParaRPr kumimoji="1" lang="ko-KR" altLang="en-US"/>
           </a:p>
@@ -1739,7 +1739,7 @@
           <a:p>
             <a:fld id="{654931E1-3547-5F4D-A496-A8982F82D872}" type="datetimeFigureOut">
               <a:rPr kumimoji="1" lang="ko-KR" altLang="en-US" smtClean="0"/>
-              <a:t>2021-07-13</a:t>
+              <a:t>2021-09-07</a:t>
             </a:fld>
             <a:endParaRPr kumimoji="1" lang="ko-KR" altLang="en-US"/>
           </a:p>
@@ -1834,7 +1834,7 @@
           <a:p>
             <a:fld id="{654931E1-3547-5F4D-A496-A8982F82D872}" type="datetimeFigureOut">
               <a:rPr kumimoji="1" lang="ko-KR" altLang="en-US" smtClean="0"/>
-              <a:t>2021-07-13</a:t>
+              <a:t>2021-09-07</a:t>
             </a:fld>
             <a:endParaRPr kumimoji="1" lang="ko-KR" altLang="en-US"/>
           </a:p>
@@ -2109,7 +2109,7 @@
           <a:p>
             <a:fld id="{654931E1-3547-5F4D-A496-A8982F82D872}" type="datetimeFigureOut">
               <a:rPr kumimoji="1" lang="ko-KR" altLang="en-US" smtClean="0"/>
-              <a:t>2021-07-13</a:t>
+              <a:t>2021-09-07</a:t>
             </a:fld>
             <a:endParaRPr kumimoji="1" lang="ko-KR" altLang="en-US"/>
           </a:p>
@@ -2361,7 +2361,7 @@
           <a:p>
             <a:fld id="{654931E1-3547-5F4D-A496-A8982F82D872}" type="datetimeFigureOut">
               <a:rPr kumimoji="1" lang="ko-KR" altLang="en-US" smtClean="0"/>
-              <a:t>2021-07-13</a:t>
+              <a:t>2021-09-07</a:t>
             </a:fld>
             <a:endParaRPr kumimoji="1" lang="ko-KR" altLang="en-US"/>
           </a:p>
@@ -2572,7 +2572,7 @@
           <a:p>
             <a:fld id="{654931E1-3547-5F4D-A496-A8982F82D872}" type="datetimeFigureOut">
               <a:rPr kumimoji="1" lang="ko-KR" altLang="en-US" smtClean="0"/>
-              <a:t>2021-07-13</a:t>
+              <a:t>2021-09-07</a:t>
             </a:fld>
             <a:endParaRPr kumimoji="1" lang="ko-KR" altLang="en-US"/>
           </a:p>
@@ -3860,7 +3860,7 @@
         </p:nvSpPr>
         <p:spPr>
           <a:xfrm>
-            <a:off x="6527441" y="4773203"/>
+            <a:off x="6378000" y="4444957"/>
             <a:ext cx="1082829" cy="760031"/>
           </a:xfrm>
           <a:prstGeom prst="rect">
@@ -3919,7 +3919,7 @@
         </p:nvSpPr>
         <p:spPr>
           <a:xfrm>
-            <a:off x="5082046" y="4980627"/>
+            <a:off x="4932605" y="4652381"/>
             <a:ext cx="946400" cy="760031"/>
           </a:xfrm>
           <a:prstGeom prst="rect">
@@ -3978,7 +3978,7 @@
         </p:nvSpPr>
         <p:spPr>
           <a:xfrm>
-            <a:off x="6481741" y="5747323"/>
+            <a:off x="6332300" y="5419077"/>
             <a:ext cx="1082829" cy="760031"/>
           </a:xfrm>
           <a:prstGeom prst="rect">
@@ -4037,7 +4037,7 @@
         </p:nvSpPr>
         <p:spPr>
           <a:xfrm>
-            <a:off x="5897066" y="5272611"/>
+            <a:off x="5747625" y="4944365"/>
             <a:ext cx="786709" cy="760031"/>
           </a:xfrm>
           <a:prstGeom prst="rect">
@@ -4112,7 +4112,7 @@
         </p:nvSpPr>
         <p:spPr>
           <a:xfrm>
-            <a:off x="5919683" y="3064302"/>
+            <a:off x="6191460" y="2715140"/>
             <a:ext cx="1110080" cy="604243"/>
           </a:xfrm>
           <a:prstGeom prst="rect">
@@ -4171,7 +4171,7 @@
         </p:nvSpPr>
         <p:spPr>
           <a:xfrm>
-            <a:off x="5919682" y="2168076"/>
+            <a:off x="6191459" y="1818914"/>
             <a:ext cx="1110080" cy="604243"/>
           </a:xfrm>
           <a:prstGeom prst="rect">
@@ -4230,7 +4230,7 @@
         </p:nvSpPr>
         <p:spPr>
           <a:xfrm>
-            <a:off x="5294067" y="2555384"/>
+            <a:off x="5565844" y="2206222"/>
             <a:ext cx="786709" cy="604243"/>
           </a:xfrm>
           <a:prstGeom prst="rect">
@@ -4325,12 +4325,12 @@
           <a:p>
             <a:pPr algn="ctr"/>
             <a:r>
-              <a:rPr kumimoji="1" lang="en-US" altLang="ko-KR" sz="1400" dirty="0" err="1">
+              <a:rPr kumimoji="1" lang="en-US" altLang="ko-KR" sz="1400" dirty="0">
                 <a:solidFill>
                   <a:schemeClr val="tx1"/>
                 </a:solidFill>
               </a:rPr>
-              <a:t>revervation</a:t>
+              <a:t>reservation</a:t>
             </a:r>
             <a:endParaRPr kumimoji="1" lang="ko-KR" altLang="en-US" sz="1400" dirty="0">
               <a:solidFill>
@@ -4354,7 +4354,7 @@
         </p:nvSpPr>
         <p:spPr>
           <a:xfrm>
-            <a:off x="5063201" y="1782684"/>
+            <a:off x="5334978" y="1433522"/>
             <a:ext cx="2271669" cy="2160149"/>
           </a:xfrm>
           <a:prstGeom prst="rect">
@@ -4419,7 +4419,7 @@
         </p:nvSpPr>
         <p:spPr>
           <a:xfrm>
-            <a:off x="4798937" y="4356910"/>
+            <a:off x="4649496" y="4028664"/>
             <a:ext cx="3042245" cy="2366578"/>
           </a:xfrm>
           <a:prstGeom prst="rect">
@@ -4484,7 +4484,7 @@
         </p:nvSpPr>
         <p:spPr>
           <a:xfrm>
-            <a:off x="10186059" y="2562667"/>
+            <a:off x="10457836" y="2213505"/>
             <a:ext cx="958648" cy="742792"/>
           </a:xfrm>
           <a:prstGeom prst="rect">
@@ -4543,7 +4543,7 @@
         </p:nvSpPr>
         <p:spPr>
           <a:xfrm>
-            <a:off x="8834930" y="2849976"/>
+            <a:off x="9106707" y="2500814"/>
             <a:ext cx="958648" cy="742792"/>
           </a:xfrm>
           <a:prstGeom prst="rect">
@@ -4602,7 +4602,7 @@
         </p:nvGrpSpPr>
         <p:grpSpPr>
           <a:xfrm>
-            <a:off x="8188513" y="2590259"/>
+            <a:off x="8460290" y="2241097"/>
             <a:ext cx="814952" cy="923599"/>
             <a:chOff x="194792" y="1921761"/>
             <a:chExt cx="1300163" cy="1257300"/>
@@ -4900,7 +4900,7 @@
         </p:nvSpPr>
         <p:spPr>
           <a:xfrm>
-            <a:off x="10217184" y="3540468"/>
+            <a:off x="10488961" y="3191306"/>
             <a:ext cx="958648" cy="742792"/>
           </a:xfrm>
           <a:prstGeom prst="rect">
@@ -4959,7 +4959,7 @@
         </p:nvSpPr>
         <p:spPr>
           <a:xfrm>
-            <a:off x="9621529" y="3099285"/>
+            <a:off x="9893306" y="2750123"/>
             <a:ext cx="786709" cy="742792"/>
           </a:xfrm>
           <a:prstGeom prst="rect">
@@ -5034,7 +5034,7 @@
         </p:nvSpPr>
         <p:spPr>
           <a:xfrm>
-            <a:off x="8048324" y="1952406"/>
+            <a:off x="8320101" y="1603244"/>
             <a:ext cx="3270535" cy="2527701"/>
           </a:xfrm>
           <a:prstGeom prst="rect">
@@ -5076,6 +5076,215 @@
                 </a:solidFill>
               </a:rPr>
               <a:t>rent</a:t>
+            </a:r>
+            <a:endParaRPr kumimoji="1" lang="ko-KR" altLang="en-US" sz="1400" dirty="0">
+              <a:solidFill>
+                <a:schemeClr val="tx1"/>
+              </a:solidFill>
+            </a:endParaRPr>
+          </a:p>
+        </p:txBody>
+      </p:sp>
+      <p:sp>
+        <p:nvSpPr>
+          <p:cNvPr id="40" name="직사각형 39">
+            <a:extLst>
+              <a:ext uri="{FF2B5EF4-FFF2-40B4-BE49-F238E27FC236}">
+                <a16:creationId xmlns:a16="http://schemas.microsoft.com/office/drawing/2014/main" id="{44B80E7B-03DE-4B33-AAC3-9F69031F96D9}"/>
+              </a:ext>
+            </a:extLst>
+          </p:cNvPr>
+          <p:cNvSpPr/>
+          <p:nvPr/>
+        </p:nvSpPr>
+        <p:spPr>
+          <a:xfrm>
+            <a:off x="9481515" y="4944365"/>
+            <a:ext cx="1110080" cy="604243"/>
+          </a:xfrm>
+          <a:prstGeom prst="rect">
+            <a:avLst/>
+          </a:prstGeom>
+          <a:solidFill>
+            <a:srgbClr val="F1A746"/>
+          </a:solidFill>
+          <a:ln>
+            <a:noFill/>
+          </a:ln>
+        </p:spPr>
+        <p:style>
+          <a:lnRef idx="2">
+            <a:schemeClr val="accent1">
+              <a:shade val="50000"/>
+            </a:schemeClr>
+          </a:lnRef>
+          <a:fillRef idx="1">
+            <a:schemeClr val="accent1"/>
+          </a:fillRef>
+          <a:effectRef idx="0">
+            <a:schemeClr val="accent1"/>
+          </a:effectRef>
+          <a:fontRef idx="minor">
+            <a:schemeClr val="lt1"/>
+          </a:fontRef>
+        </p:style>
+        <p:txBody>
+          <a:bodyPr rtlCol="0" anchor="ctr"/>
+          <a:lstStyle/>
+          <a:p>
+            <a:pPr algn="ctr"/>
+            <a:r>
+              <a:rPr kumimoji="1" lang="ko-KR" altLang="en-US" sz="1200" b="1" dirty="0">
+                <a:solidFill>
+                  <a:schemeClr val="tx1"/>
+                </a:solidFill>
+              </a:rPr>
+              <a:t>예약정보 </a:t>
+            </a:r>
+            <a:endParaRPr kumimoji="1" lang="en-US" altLang="ko-KR" sz="1200" b="1" dirty="0">
+              <a:solidFill>
+                <a:schemeClr val="tx1"/>
+              </a:solidFill>
+            </a:endParaRPr>
+          </a:p>
+          <a:p>
+            <a:pPr algn="ctr"/>
+            <a:r>
+              <a:rPr kumimoji="1" lang="ko-KR" altLang="en-US" sz="1200" b="1" dirty="0" err="1">
+                <a:solidFill>
+                  <a:schemeClr val="tx1"/>
+                </a:solidFill>
+              </a:rPr>
+              <a:t>알림됨</a:t>
+            </a:r>
+            <a:endParaRPr kumimoji="1" lang="ko-KR" altLang="en-US" sz="1200" b="1" dirty="0">
+              <a:solidFill>
+                <a:schemeClr val="tx1"/>
+              </a:solidFill>
+            </a:endParaRPr>
+          </a:p>
+        </p:txBody>
+      </p:sp>
+      <p:sp>
+        <p:nvSpPr>
+          <p:cNvPr id="41" name="직사각형 40">
+            <a:extLst>
+              <a:ext uri="{FF2B5EF4-FFF2-40B4-BE49-F238E27FC236}">
+                <a16:creationId xmlns:a16="http://schemas.microsoft.com/office/drawing/2014/main" id="{A87E0E30-BD12-400B-9AAB-50790574473F}"/>
+              </a:ext>
+            </a:extLst>
+          </p:cNvPr>
+          <p:cNvSpPr/>
+          <p:nvPr/>
+        </p:nvSpPr>
+        <p:spPr>
+          <a:xfrm>
+            <a:off x="8866696" y="5369064"/>
+            <a:ext cx="786709" cy="604243"/>
+          </a:xfrm>
+          <a:prstGeom prst="rect">
+            <a:avLst/>
+          </a:prstGeom>
+          <a:solidFill>
+            <a:srgbClr val="FFFF00"/>
+          </a:solidFill>
+          <a:ln>
+            <a:noFill/>
+          </a:ln>
+        </p:spPr>
+        <p:style>
+          <a:lnRef idx="2">
+            <a:schemeClr val="accent1">
+              <a:shade val="50000"/>
+            </a:schemeClr>
+          </a:lnRef>
+          <a:fillRef idx="1">
+            <a:schemeClr val="accent1"/>
+          </a:fillRef>
+          <a:effectRef idx="0">
+            <a:schemeClr val="accent1"/>
+          </a:effectRef>
+          <a:fontRef idx="minor">
+            <a:schemeClr val="lt1"/>
+          </a:fontRef>
+        </p:style>
+        <p:txBody>
+          <a:bodyPr rtlCol="0" anchor="ctr"/>
+          <a:lstStyle/>
+          <a:p>
+            <a:pPr algn="ctr"/>
+            <a:r>
+              <a:rPr kumimoji="1" lang="ko-KR" altLang="en-US" dirty="0" err="1">
+                <a:solidFill>
+                  <a:sysClr val="windowText" lastClr="000000"/>
+                </a:solidFill>
+              </a:rPr>
+              <a:t>알림정보</a:t>
+            </a:r>
+            <a:endParaRPr kumimoji="1" lang="ko-KR" altLang="en-US" dirty="0">
+              <a:solidFill>
+                <a:sysClr val="windowText" lastClr="000000"/>
+              </a:solidFill>
+            </a:endParaRPr>
+          </a:p>
+        </p:txBody>
+      </p:sp>
+      <p:sp>
+        <p:nvSpPr>
+          <p:cNvPr id="42" name="직사각형 41">
+            <a:extLst>
+              <a:ext uri="{FF2B5EF4-FFF2-40B4-BE49-F238E27FC236}">
+                <a16:creationId xmlns:a16="http://schemas.microsoft.com/office/drawing/2014/main" id="{28428B54-A3A0-4B32-AC4D-0DB117756047}"/>
+              </a:ext>
+            </a:extLst>
+          </p:cNvPr>
+          <p:cNvSpPr/>
+          <p:nvPr/>
+        </p:nvSpPr>
+        <p:spPr>
+          <a:xfrm>
+            <a:off x="8539072" y="4355966"/>
+            <a:ext cx="2271669" cy="2160149"/>
+          </a:xfrm>
+          <a:prstGeom prst="rect">
+            <a:avLst/>
+          </a:prstGeom>
+          <a:noFill/>
+          <a:ln>
+            <a:solidFill>
+              <a:schemeClr val="tx1"/>
+            </a:solidFill>
+            <a:prstDash val="dash"/>
+          </a:ln>
+        </p:spPr>
+        <p:style>
+          <a:lnRef idx="2">
+            <a:schemeClr val="accent1">
+              <a:shade val="50000"/>
+            </a:schemeClr>
+          </a:lnRef>
+          <a:fillRef idx="1">
+            <a:schemeClr val="accent1"/>
+          </a:fillRef>
+          <a:effectRef idx="0">
+            <a:schemeClr val="accent1"/>
+          </a:effectRef>
+          <a:fontRef idx="minor">
+            <a:schemeClr val="lt1"/>
+          </a:fontRef>
+        </p:style>
+        <p:txBody>
+          <a:bodyPr rtlCol="0" anchor="t"/>
+          <a:lstStyle/>
+          <a:p>
+            <a:pPr algn="ctr"/>
+            <a:r>
+              <a:rPr kumimoji="1" lang="en-US" altLang="ko-KR" sz="1400" dirty="0">
+                <a:solidFill>
+                  <a:schemeClr val="tx1"/>
+                </a:solidFill>
+              </a:rPr>
+              <a:t>sender</a:t>
             </a:r>
             <a:endParaRPr kumimoji="1" lang="ko-KR" altLang="en-US" sz="1400" dirty="0">
               <a:solidFill>
@@ -6744,7 +6953,7 @@
         </p:nvSpPr>
         <p:spPr>
           <a:xfrm>
-            <a:off x="10186059" y="2383210"/>
+            <a:off x="10168473" y="1867390"/>
             <a:ext cx="958648" cy="742792"/>
           </a:xfrm>
           <a:prstGeom prst="rect">
@@ -6803,7 +7012,7 @@
         </p:nvSpPr>
         <p:spPr>
           <a:xfrm>
-            <a:off x="8834930" y="3011634"/>
+            <a:off x="8817344" y="2495814"/>
             <a:ext cx="958648" cy="742792"/>
           </a:xfrm>
           <a:prstGeom prst="rect">
@@ -6862,7 +7071,7 @@
         </p:nvGrpSpPr>
         <p:grpSpPr>
           <a:xfrm>
-            <a:off x="8116275" y="2864093"/>
+            <a:off x="8098689" y="2348273"/>
             <a:ext cx="814952" cy="923599"/>
             <a:chOff x="194792" y="1921761"/>
             <a:chExt cx="1300163" cy="1257300"/>
@@ -7160,7 +7369,7 @@
         </p:nvSpPr>
         <p:spPr>
           <a:xfrm>
-            <a:off x="10217184" y="3715535"/>
+            <a:off x="10199598" y="3199715"/>
             <a:ext cx="958648" cy="742792"/>
           </a:xfrm>
           <a:prstGeom prst="rect">
@@ -7219,7 +7428,7 @@
         </p:nvSpPr>
         <p:spPr>
           <a:xfrm>
-            <a:off x="9621529" y="2809939"/>
+            <a:off x="9603943" y="2294119"/>
             <a:ext cx="786709" cy="1207205"/>
           </a:xfrm>
           <a:prstGeom prst="rect">
@@ -7294,7 +7503,7 @@
         </p:nvSpPr>
         <p:spPr>
           <a:xfrm>
-            <a:off x="8048324" y="1952407"/>
+            <a:off x="8030738" y="1436587"/>
             <a:ext cx="3270535" cy="2692422"/>
           </a:xfrm>
           <a:prstGeom prst="rect">
@@ -7359,7 +7568,7 @@
         </p:nvSpPr>
         <p:spPr>
           <a:xfrm>
-            <a:off x="10932364" y="2946227"/>
+            <a:off x="10914778" y="2430407"/>
             <a:ext cx="958648" cy="1015178"/>
           </a:xfrm>
           <a:prstGeom prst="rect">
@@ -7408,6 +7617,295 @@
                 </a:solidFill>
               </a:rPr>
               <a:t>(stock)</a:t>
+            </a:r>
+            <a:endParaRPr kumimoji="1" lang="ko-KR" altLang="en-US" sz="1050" b="1" dirty="0">
+              <a:solidFill>
+                <a:schemeClr val="tx1"/>
+              </a:solidFill>
+            </a:endParaRPr>
+          </a:p>
+        </p:txBody>
+      </p:sp>
+      <p:sp>
+        <p:nvSpPr>
+          <p:cNvPr id="43" name="직사각형 42">
+            <a:extLst>
+              <a:ext uri="{FF2B5EF4-FFF2-40B4-BE49-F238E27FC236}">
+                <a16:creationId xmlns:a16="http://schemas.microsoft.com/office/drawing/2014/main" id="{6DBB5DFB-3CEE-4377-854F-63FAE4701A8E}"/>
+              </a:ext>
+            </a:extLst>
+          </p:cNvPr>
+          <p:cNvSpPr/>
+          <p:nvPr/>
+        </p:nvSpPr>
+        <p:spPr>
+          <a:xfrm>
+            <a:off x="9481515" y="4944365"/>
+            <a:ext cx="1110080" cy="604243"/>
+          </a:xfrm>
+          <a:prstGeom prst="rect">
+            <a:avLst/>
+          </a:prstGeom>
+          <a:solidFill>
+            <a:srgbClr val="F1A746"/>
+          </a:solidFill>
+          <a:ln>
+            <a:noFill/>
+          </a:ln>
+        </p:spPr>
+        <p:style>
+          <a:lnRef idx="2">
+            <a:schemeClr val="accent1">
+              <a:shade val="50000"/>
+            </a:schemeClr>
+          </a:lnRef>
+          <a:fillRef idx="1">
+            <a:schemeClr val="accent1"/>
+          </a:fillRef>
+          <a:effectRef idx="0">
+            <a:schemeClr val="accent1"/>
+          </a:effectRef>
+          <a:fontRef idx="minor">
+            <a:schemeClr val="lt1"/>
+          </a:fontRef>
+        </p:style>
+        <p:txBody>
+          <a:bodyPr rtlCol="0" anchor="ctr"/>
+          <a:lstStyle/>
+          <a:p>
+            <a:pPr algn="ctr"/>
+            <a:r>
+              <a:rPr kumimoji="1" lang="ko-KR" altLang="en-US" sz="1200" b="1" dirty="0">
+                <a:solidFill>
+                  <a:schemeClr val="tx1"/>
+                </a:solidFill>
+              </a:rPr>
+              <a:t>예약정보 </a:t>
+            </a:r>
+            <a:endParaRPr kumimoji="1" lang="en-US" altLang="ko-KR" sz="1200" b="1" dirty="0">
+              <a:solidFill>
+                <a:schemeClr val="tx1"/>
+              </a:solidFill>
+            </a:endParaRPr>
+          </a:p>
+          <a:p>
+            <a:pPr algn="ctr"/>
+            <a:r>
+              <a:rPr kumimoji="1" lang="ko-KR" altLang="en-US" sz="1200" b="1" dirty="0" err="1">
+                <a:solidFill>
+                  <a:schemeClr val="tx1"/>
+                </a:solidFill>
+              </a:rPr>
+              <a:t>알림됨</a:t>
+            </a:r>
+            <a:endParaRPr kumimoji="1" lang="ko-KR" altLang="en-US" sz="1200" b="1" dirty="0">
+              <a:solidFill>
+                <a:schemeClr val="tx1"/>
+              </a:solidFill>
+            </a:endParaRPr>
+          </a:p>
+        </p:txBody>
+      </p:sp>
+      <p:sp>
+        <p:nvSpPr>
+          <p:cNvPr id="44" name="직사각형 43">
+            <a:extLst>
+              <a:ext uri="{FF2B5EF4-FFF2-40B4-BE49-F238E27FC236}">
+                <a16:creationId xmlns:a16="http://schemas.microsoft.com/office/drawing/2014/main" id="{2C0B0D17-E19F-460E-B02B-82515A407A03}"/>
+              </a:ext>
+            </a:extLst>
+          </p:cNvPr>
+          <p:cNvSpPr/>
+          <p:nvPr/>
+        </p:nvSpPr>
+        <p:spPr>
+          <a:xfrm>
+            <a:off x="8866696" y="5369064"/>
+            <a:ext cx="786709" cy="604243"/>
+          </a:xfrm>
+          <a:prstGeom prst="rect">
+            <a:avLst/>
+          </a:prstGeom>
+          <a:solidFill>
+            <a:srgbClr val="FFFF00"/>
+          </a:solidFill>
+          <a:ln>
+            <a:noFill/>
+          </a:ln>
+        </p:spPr>
+        <p:style>
+          <a:lnRef idx="2">
+            <a:schemeClr val="accent1">
+              <a:shade val="50000"/>
+            </a:schemeClr>
+          </a:lnRef>
+          <a:fillRef idx="1">
+            <a:schemeClr val="accent1"/>
+          </a:fillRef>
+          <a:effectRef idx="0">
+            <a:schemeClr val="accent1"/>
+          </a:effectRef>
+          <a:fontRef idx="minor">
+            <a:schemeClr val="lt1"/>
+          </a:fontRef>
+        </p:style>
+        <p:txBody>
+          <a:bodyPr rtlCol="0" anchor="ctr"/>
+          <a:lstStyle/>
+          <a:p>
+            <a:pPr algn="ctr"/>
+            <a:r>
+              <a:rPr kumimoji="1" lang="ko-KR" altLang="en-US" dirty="0" err="1">
+                <a:solidFill>
+                  <a:sysClr val="windowText" lastClr="000000"/>
+                </a:solidFill>
+              </a:rPr>
+              <a:t>알림정보</a:t>
+            </a:r>
+            <a:endParaRPr kumimoji="1" lang="ko-KR" altLang="en-US" dirty="0">
+              <a:solidFill>
+                <a:sysClr val="windowText" lastClr="000000"/>
+              </a:solidFill>
+            </a:endParaRPr>
+          </a:p>
+        </p:txBody>
+      </p:sp>
+      <p:sp>
+        <p:nvSpPr>
+          <p:cNvPr id="58" name="직사각형 57">
+            <a:extLst>
+              <a:ext uri="{FF2B5EF4-FFF2-40B4-BE49-F238E27FC236}">
+                <a16:creationId xmlns:a16="http://schemas.microsoft.com/office/drawing/2014/main" id="{E6DECF58-BED8-4DC1-AD69-37D784CE604F}"/>
+              </a:ext>
+            </a:extLst>
+          </p:cNvPr>
+          <p:cNvSpPr/>
+          <p:nvPr/>
+        </p:nvSpPr>
+        <p:spPr>
+          <a:xfrm>
+            <a:off x="8539072" y="4355966"/>
+            <a:ext cx="2271669" cy="2160149"/>
+          </a:xfrm>
+          <a:prstGeom prst="rect">
+            <a:avLst/>
+          </a:prstGeom>
+          <a:noFill/>
+          <a:ln>
+            <a:solidFill>
+              <a:schemeClr val="tx1"/>
+            </a:solidFill>
+            <a:prstDash val="dash"/>
+          </a:ln>
+        </p:spPr>
+        <p:style>
+          <a:lnRef idx="2">
+            <a:schemeClr val="accent1">
+              <a:shade val="50000"/>
+            </a:schemeClr>
+          </a:lnRef>
+          <a:fillRef idx="1">
+            <a:schemeClr val="accent1"/>
+          </a:fillRef>
+          <a:effectRef idx="0">
+            <a:schemeClr val="accent1"/>
+          </a:effectRef>
+          <a:fontRef idx="minor">
+            <a:schemeClr val="lt1"/>
+          </a:fontRef>
+        </p:style>
+        <p:txBody>
+          <a:bodyPr rtlCol="0" anchor="t"/>
+          <a:lstStyle/>
+          <a:p>
+            <a:pPr algn="ctr"/>
+            <a:r>
+              <a:rPr kumimoji="1" lang="en-US" altLang="ko-KR" sz="1400" dirty="0">
+                <a:solidFill>
+                  <a:schemeClr val="tx1"/>
+                </a:solidFill>
+              </a:rPr>
+              <a:t>sender</a:t>
+            </a:r>
+            <a:endParaRPr kumimoji="1" lang="ko-KR" altLang="en-US" sz="1400" dirty="0">
+              <a:solidFill>
+                <a:schemeClr val="tx1"/>
+              </a:solidFill>
+            </a:endParaRPr>
+          </a:p>
+        </p:txBody>
+      </p:sp>
+      <p:sp>
+        <p:nvSpPr>
+          <p:cNvPr id="61" name="직사각형 60">
+            <a:extLst>
+              <a:ext uri="{FF2B5EF4-FFF2-40B4-BE49-F238E27FC236}">
+                <a16:creationId xmlns:a16="http://schemas.microsoft.com/office/drawing/2014/main" id="{1842E5C9-0F50-474B-AE92-E41297B26251}"/>
+              </a:ext>
+            </a:extLst>
+          </p:cNvPr>
+          <p:cNvSpPr/>
+          <p:nvPr/>
+        </p:nvSpPr>
+        <p:spPr>
+          <a:xfrm>
+            <a:off x="10390652" y="5399564"/>
+            <a:ext cx="958648" cy="632797"/>
+          </a:xfrm>
+          <a:prstGeom prst="rect">
+            <a:avLst/>
+          </a:prstGeom>
+          <a:solidFill>
+            <a:srgbClr val="D4A2C1"/>
+          </a:solidFill>
+          <a:ln>
+            <a:noFill/>
+          </a:ln>
+        </p:spPr>
+        <p:style>
+          <a:lnRef idx="2">
+            <a:schemeClr val="accent1">
+              <a:shade val="50000"/>
+            </a:schemeClr>
+          </a:lnRef>
+          <a:fillRef idx="1">
+            <a:schemeClr val="accent1"/>
+          </a:fillRef>
+          <a:effectRef idx="0">
+            <a:schemeClr val="accent1"/>
+          </a:effectRef>
+          <a:fontRef idx="minor">
+            <a:schemeClr val="lt1"/>
+          </a:fontRef>
+        </p:style>
+        <p:txBody>
+          <a:bodyPr rtlCol="0" anchor="ctr"/>
+          <a:lstStyle/>
+          <a:p>
+            <a:pPr algn="ctr"/>
+            <a:r>
+              <a:rPr kumimoji="1" lang="ko-KR" altLang="en-US" sz="1050" b="1" dirty="0">
+                <a:solidFill>
+                  <a:schemeClr val="tx1"/>
+                </a:solidFill>
+              </a:rPr>
+              <a:t>전송</a:t>
+            </a:r>
+            <a:endParaRPr kumimoji="1" lang="en-US" altLang="ko-KR" sz="1050" b="1" dirty="0">
+              <a:solidFill>
+                <a:schemeClr val="tx1"/>
+              </a:solidFill>
+            </a:endParaRPr>
+          </a:p>
+          <a:p>
+            <a:pPr algn="ctr"/>
+            <a:r>
+              <a:rPr kumimoji="1" lang="en-US" altLang="ko-KR" sz="1050" b="1" dirty="0">
+                <a:solidFill>
+                  <a:schemeClr val="tx1"/>
+                </a:solidFill>
+              </a:rPr>
+              <a:t>(send)</a:t>
             </a:r>
             <a:endParaRPr kumimoji="1" lang="ko-KR" altLang="en-US" sz="1050" b="1" dirty="0">
               <a:solidFill>
@@ -7461,7 +7959,7 @@
         </p:nvSpPr>
         <p:spPr>
           <a:xfrm>
-            <a:off x="2815723" y="2589535"/>
+            <a:off x="2467813" y="1784666"/>
             <a:ext cx="958648" cy="799722"/>
           </a:xfrm>
           <a:prstGeom prst="rect">
@@ -7520,7 +8018,7 @@
         </p:nvSpPr>
         <p:spPr>
           <a:xfrm>
-            <a:off x="1383323" y="2589535"/>
+            <a:off x="1035413" y="1784666"/>
             <a:ext cx="958648" cy="799722"/>
           </a:xfrm>
           <a:prstGeom prst="rect">
@@ -7579,7 +8077,7 @@
         </p:nvSpPr>
         <p:spPr>
           <a:xfrm>
-            <a:off x="2815723" y="3622586"/>
+            <a:off x="2467813" y="2817717"/>
             <a:ext cx="958648" cy="799722"/>
           </a:xfrm>
           <a:prstGeom prst="rect">
@@ -7638,7 +8136,7 @@
         </p:nvSpPr>
         <p:spPr>
           <a:xfrm>
-            <a:off x="1383323" y="3647726"/>
+            <a:off x="1035413" y="2842857"/>
             <a:ext cx="958648" cy="799722"/>
           </a:xfrm>
           <a:prstGeom prst="rect">
@@ -7697,7 +8195,7 @@
         </p:nvSpPr>
         <p:spPr>
           <a:xfrm>
-            <a:off x="2815722" y="4791293"/>
+            <a:off x="2467812" y="3986424"/>
             <a:ext cx="958648" cy="799722"/>
           </a:xfrm>
           <a:prstGeom prst="rect">
@@ -7756,7 +8254,7 @@
         </p:nvSpPr>
         <p:spPr>
           <a:xfrm>
-            <a:off x="1383323" y="4791293"/>
+            <a:off x="1035413" y="3986424"/>
             <a:ext cx="958648" cy="799722"/>
           </a:xfrm>
           <a:prstGeom prst="rect">
@@ -7815,7 +8313,7 @@
         </p:nvGrpSpPr>
         <p:grpSpPr>
           <a:xfrm>
-            <a:off x="703707" y="3191391"/>
+            <a:off x="355797" y="2386522"/>
             <a:ext cx="814952" cy="1909648"/>
             <a:chOff x="194792" y="1921761"/>
             <a:chExt cx="1300163" cy="1257300"/>
@@ -8231,7 +8729,7 @@
         </p:nvSpPr>
         <p:spPr>
           <a:xfrm>
-            <a:off x="10186059" y="2383210"/>
+            <a:off x="6863179" y="1623338"/>
             <a:ext cx="958648" cy="742792"/>
           </a:xfrm>
           <a:prstGeom prst="rect">
@@ -8290,7 +8788,7 @@
         </p:nvSpPr>
         <p:spPr>
           <a:xfrm>
-            <a:off x="8834930" y="3011634"/>
+            <a:off x="5502960" y="2481087"/>
             <a:ext cx="958648" cy="742792"/>
           </a:xfrm>
           <a:prstGeom prst="rect">
@@ -8349,7 +8847,7 @@
         </p:nvGrpSpPr>
         <p:grpSpPr>
           <a:xfrm>
-            <a:off x="8116275" y="2864093"/>
+            <a:off x="4784305" y="2333546"/>
             <a:ext cx="814952" cy="923599"/>
             <a:chOff x="194792" y="1921761"/>
             <a:chExt cx="1300163" cy="1257300"/>
@@ -8647,7 +9145,7 @@
         </p:nvSpPr>
         <p:spPr>
           <a:xfrm>
-            <a:off x="10217184" y="3715535"/>
+            <a:off x="6932455" y="2511598"/>
             <a:ext cx="958648" cy="742792"/>
           </a:xfrm>
           <a:prstGeom prst="rect">
@@ -8706,7 +9204,7 @@
         </p:nvSpPr>
         <p:spPr>
           <a:xfrm>
-            <a:off x="9621529" y="2809939"/>
+            <a:off x="6289559" y="2279392"/>
             <a:ext cx="786709" cy="1207205"/>
           </a:xfrm>
           <a:prstGeom prst="rect">
@@ -8915,7 +9413,7 @@
         </p:nvSpPr>
         <p:spPr>
           <a:xfrm>
-            <a:off x="5919683" y="3064302"/>
+            <a:off x="9921785" y="2867934"/>
             <a:ext cx="1110080" cy="604243"/>
           </a:xfrm>
           <a:prstGeom prst="rect">
@@ -8974,7 +9472,7 @@
         </p:nvSpPr>
         <p:spPr>
           <a:xfrm>
-            <a:off x="5919682" y="2168076"/>
+            <a:off x="9921784" y="1971708"/>
             <a:ext cx="1110080" cy="604243"/>
           </a:xfrm>
           <a:prstGeom prst="rect">
@@ -9033,7 +9531,7 @@
         </p:nvSpPr>
         <p:spPr>
           <a:xfrm>
-            <a:off x="5294067" y="2555384"/>
+            <a:off x="9296169" y="2359016"/>
             <a:ext cx="786709" cy="604243"/>
           </a:xfrm>
           <a:prstGeom prst="rect">
@@ -9092,7 +9590,7 @@
         </p:nvSpPr>
         <p:spPr>
           <a:xfrm>
-            <a:off x="622560" y="2168076"/>
+            <a:off x="274650" y="1363207"/>
             <a:ext cx="3457008" cy="3721343"/>
           </a:xfrm>
           <a:prstGeom prst="rect">
@@ -9157,7 +9655,7 @@
         </p:nvSpPr>
         <p:spPr>
           <a:xfrm>
-            <a:off x="5063201" y="1782684"/>
+            <a:off x="9065303" y="1586316"/>
             <a:ext cx="2271669" cy="2160149"/>
           </a:xfrm>
           <a:prstGeom prst="rect">
@@ -9222,7 +9720,7 @@
         </p:nvSpPr>
         <p:spPr>
           <a:xfrm>
-            <a:off x="8048324" y="1952407"/>
+            <a:off x="4716354" y="1421860"/>
             <a:ext cx="3270535" cy="2692422"/>
           </a:xfrm>
           <a:prstGeom prst="rect">
@@ -9352,7 +9850,7 @@
         </p:nvSpPr>
         <p:spPr>
           <a:xfrm>
-            <a:off x="8834930" y="2301266"/>
+            <a:off x="5502960" y="1770719"/>
             <a:ext cx="958648" cy="632797"/>
           </a:xfrm>
           <a:prstGeom prst="rect">
@@ -9411,7 +9909,7 @@
         </p:nvSpPr>
         <p:spPr>
           <a:xfrm>
-            <a:off x="2155445" y="3248110"/>
+            <a:off x="1807535" y="2443241"/>
             <a:ext cx="786709" cy="1796209"/>
           </a:xfrm>
           <a:prstGeom prst="rect">
@@ -9529,7 +10027,7 @@
         </p:nvSpPr>
         <p:spPr>
           <a:xfrm>
-            <a:off x="8815115" y="3895106"/>
+            <a:off x="5483145" y="3364559"/>
             <a:ext cx="958648" cy="632797"/>
           </a:xfrm>
           <a:prstGeom prst="rect">
@@ -9588,7 +10086,7 @@
         </p:nvSpPr>
         <p:spPr>
           <a:xfrm>
-            <a:off x="4428208" y="2167233"/>
+            <a:off x="8430310" y="1970865"/>
             <a:ext cx="958648" cy="632797"/>
           </a:xfrm>
           <a:prstGeom prst="rect">
@@ -9700,8 +10198,8 @@
         </p:nvCxnSpPr>
         <p:spPr>
           <a:xfrm>
-            <a:off x="3774371" y="2989396"/>
-            <a:ext cx="1307675" cy="2371247"/>
+            <a:off x="3426461" y="2184527"/>
+            <a:ext cx="1655585" cy="3176116"/>
           </a:xfrm>
           <a:prstGeom prst="bentConnector3">
             <a:avLst>
@@ -9748,12 +10246,12 @@
         </p:nvCxnSpPr>
         <p:spPr>
           <a:xfrm>
-            <a:off x="3774371" y="4022447"/>
-            <a:ext cx="1295427" cy="2151711"/>
+            <a:off x="3426461" y="3217578"/>
+            <a:ext cx="1643337" cy="2956580"/>
           </a:xfrm>
           <a:prstGeom prst="bentConnector3">
             <a:avLst>
-              <a:gd name="adj1" fmla="val 41879"/>
+              <a:gd name="adj1" fmla="val 50000"/>
             </a:avLst>
           </a:prstGeom>
           <a:ln w="28575">
@@ -9797,12 +10295,12 @@
         </p:nvCxnSpPr>
         <p:spPr>
           <a:xfrm flipV="1">
-            <a:off x="3774370" y="4211505"/>
-            <a:ext cx="5040745" cy="979649"/>
+            <a:off x="3426460" y="3680958"/>
+            <a:ext cx="2056685" cy="705327"/>
           </a:xfrm>
           <a:prstGeom prst="bentConnector3">
             <a:avLst>
-              <a:gd name="adj1" fmla="val 16449"/>
+              <a:gd name="adj1" fmla="val 50000"/>
             </a:avLst>
           </a:prstGeom>
           <a:ln w="28575">
@@ -9845,14 +10343,14 @@
           <p:nvPr/>
         </p:nvCxnSpPr>
         <p:spPr>
-          <a:xfrm flipH="1" flipV="1">
-            <a:off x="4907532" y="2167233"/>
-            <a:ext cx="6237175" cy="587373"/>
+          <a:xfrm flipV="1">
+            <a:off x="7821827" y="1970865"/>
+            <a:ext cx="1087807" cy="23869"/>
           </a:xfrm>
           <a:prstGeom prst="bentConnector4">
             <a:avLst>
-              <a:gd name="adj1" fmla="val -6000"/>
-              <a:gd name="adj2" fmla="val 184382"/>
+              <a:gd name="adj1" fmla="val 27968"/>
+              <a:gd name="adj2" fmla="val 2513704"/>
             </a:avLst>
           </a:prstGeom>
           <a:ln w="28575">
@@ -9890,19 +10388,511 @@
           <p:cNvCxnSpPr>
             <a:cxnSpLocks/>
             <a:stCxn id="70" idx="3"/>
-            <a:endCxn id="86" idx="0"/>
+            <a:endCxn id="86" idx="2"/>
           </p:cNvCxnSpPr>
           <p:nvPr/>
         </p:nvCxnSpPr>
         <p:spPr>
-          <a:xfrm flipH="1" flipV="1">
-            <a:off x="4907532" y="2167233"/>
-            <a:ext cx="6268300" cy="1919698"/>
-          </a:xfrm>
-          <a:prstGeom prst="bentConnector4">
+          <a:xfrm flipV="1">
+            <a:off x="7891103" y="2603662"/>
+            <a:ext cx="1018531" cy="279332"/>
+          </a:xfrm>
+          <a:prstGeom prst="bentConnector2">
+            <a:avLst/>
+          </a:prstGeom>
+          <a:ln w="28575">
+            <a:solidFill>
+              <a:schemeClr val="tx1"/>
+            </a:solidFill>
+            <a:prstDash val="sysDash"/>
+            <a:tailEnd type="triangle"/>
+          </a:ln>
+        </p:spPr>
+        <p:style>
+          <a:lnRef idx="1">
+            <a:schemeClr val="accent1"/>
+          </a:lnRef>
+          <a:fillRef idx="0">
+            <a:schemeClr val="accent1"/>
+          </a:fillRef>
+          <a:effectRef idx="0">
+            <a:schemeClr val="accent1"/>
+          </a:effectRef>
+          <a:fontRef idx="minor">
+            <a:schemeClr val="tx1"/>
+          </a:fontRef>
+        </p:style>
+      </p:cxnSp>
+      <p:sp>
+        <p:nvSpPr>
+          <p:cNvPr id="87" name="직사각형 86">
+            <a:extLst>
+              <a:ext uri="{FF2B5EF4-FFF2-40B4-BE49-F238E27FC236}">
+                <a16:creationId xmlns:a16="http://schemas.microsoft.com/office/drawing/2014/main" id="{7A8F4E5F-B7E2-40C5-88BF-E9B7C64B3667}"/>
+              </a:ext>
+            </a:extLst>
+          </p:cNvPr>
+          <p:cNvSpPr/>
+          <p:nvPr/>
+        </p:nvSpPr>
+        <p:spPr>
+          <a:xfrm>
+            <a:off x="6927455" y="3314365"/>
+            <a:ext cx="958648" cy="742792"/>
+          </a:xfrm>
+          <a:prstGeom prst="rect">
+            <a:avLst/>
+          </a:prstGeom>
+          <a:solidFill>
+            <a:srgbClr val="F1A746"/>
+          </a:solidFill>
+          <a:ln>
+            <a:noFill/>
+          </a:ln>
+        </p:spPr>
+        <p:style>
+          <a:lnRef idx="2">
+            <a:schemeClr val="accent1">
+              <a:shade val="50000"/>
+            </a:schemeClr>
+          </a:lnRef>
+          <a:fillRef idx="1">
+            <a:schemeClr val="accent1"/>
+          </a:fillRef>
+          <a:effectRef idx="0">
+            <a:schemeClr val="accent1"/>
+          </a:effectRef>
+          <a:fontRef idx="minor">
+            <a:schemeClr val="lt1"/>
+          </a:fontRef>
+        </p:style>
+        <p:txBody>
+          <a:bodyPr rtlCol="0" anchor="ctr"/>
+          <a:lstStyle/>
+          <a:p>
+            <a:pPr algn="ctr"/>
+            <a:r>
+              <a:rPr kumimoji="1" lang="ko-KR" altLang="en-US" sz="1200" b="1" dirty="0">
+                <a:solidFill>
+                  <a:schemeClr val="tx1"/>
+                </a:solidFill>
+              </a:rPr>
+              <a:t>승인됨</a:t>
+            </a:r>
+          </a:p>
+        </p:txBody>
+      </p:sp>
+      <p:cxnSp>
+        <p:nvCxnSpPr>
+          <p:cNvPr id="96" name="꺾인 연결선[E] 51">
+            <a:extLst>
+              <a:ext uri="{FF2B5EF4-FFF2-40B4-BE49-F238E27FC236}">
+                <a16:creationId xmlns:a16="http://schemas.microsoft.com/office/drawing/2014/main" id="{26BB106D-6702-4634-BF19-3021D1C96426}"/>
+              </a:ext>
+            </a:extLst>
+          </p:cNvPr>
+          <p:cNvCxnSpPr>
+            <a:cxnSpLocks/>
+            <a:stCxn id="87" idx="3"/>
+            <a:endCxn id="100" idx="1"/>
+          </p:cNvCxnSpPr>
+          <p:nvPr/>
+        </p:nvCxnSpPr>
+        <p:spPr>
+          <a:xfrm>
+            <a:off x="7886103" y="3685761"/>
+            <a:ext cx="1320521" cy="1315630"/>
+          </a:xfrm>
+          <a:prstGeom prst="bentConnector3">
             <a:avLst>
-              <a:gd name="adj1" fmla="val -8811"/>
-              <a:gd name="adj2" fmla="val 134670"/>
+              <a:gd name="adj1" fmla="val 21148"/>
+            </a:avLst>
+          </a:prstGeom>
+          <a:ln w="28575">
+            <a:solidFill>
+              <a:schemeClr val="tx1"/>
+            </a:solidFill>
+            <a:prstDash val="sysDash"/>
+            <a:tailEnd type="triangle"/>
+          </a:ln>
+        </p:spPr>
+        <p:style>
+          <a:lnRef idx="1">
+            <a:schemeClr val="accent1"/>
+          </a:lnRef>
+          <a:fillRef idx="0">
+            <a:schemeClr val="accent1"/>
+          </a:fillRef>
+          <a:effectRef idx="0">
+            <a:schemeClr val="accent1"/>
+          </a:effectRef>
+          <a:fontRef idx="minor">
+            <a:schemeClr val="tx1"/>
+          </a:fontRef>
+        </p:style>
+      </p:cxnSp>
+      <p:sp>
+        <p:nvSpPr>
+          <p:cNvPr id="97" name="직사각형 96">
+            <a:extLst>
+              <a:ext uri="{FF2B5EF4-FFF2-40B4-BE49-F238E27FC236}">
+                <a16:creationId xmlns:a16="http://schemas.microsoft.com/office/drawing/2014/main" id="{F9F3AA15-502B-474E-A2FD-753D46C5F9D3}"/>
+              </a:ext>
+            </a:extLst>
+          </p:cNvPr>
+          <p:cNvSpPr/>
+          <p:nvPr/>
+        </p:nvSpPr>
+        <p:spPr>
+          <a:xfrm>
+            <a:off x="10201137" y="5762242"/>
+            <a:ext cx="1110080" cy="604243"/>
+          </a:xfrm>
+          <a:prstGeom prst="rect">
+            <a:avLst/>
+          </a:prstGeom>
+          <a:solidFill>
+            <a:srgbClr val="F1A746"/>
+          </a:solidFill>
+          <a:ln>
+            <a:noFill/>
+          </a:ln>
+        </p:spPr>
+        <p:style>
+          <a:lnRef idx="2">
+            <a:schemeClr val="accent1">
+              <a:shade val="50000"/>
+            </a:schemeClr>
+          </a:lnRef>
+          <a:fillRef idx="1">
+            <a:schemeClr val="accent1"/>
+          </a:fillRef>
+          <a:effectRef idx="0">
+            <a:schemeClr val="accent1"/>
+          </a:effectRef>
+          <a:fontRef idx="minor">
+            <a:schemeClr val="lt1"/>
+          </a:fontRef>
+        </p:style>
+        <p:txBody>
+          <a:bodyPr rtlCol="0" anchor="ctr"/>
+          <a:lstStyle/>
+          <a:p>
+            <a:pPr algn="ctr"/>
+            <a:r>
+              <a:rPr kumimoji="1" lang="ko-KR" altLang="en-US" sz="1200" b="1" dirty="0">
+                <a:solidFill>
+                  <a:schemeClr val="tx1"/>
+                </a:solidFill>
+              </a:rPr>
+              <a:t>예약정보 </a:t>
+            </a:r>
+            <a:endParaRPr kumimoji="1" lang="en-US" altLang="ko-KR" sz="1200" b="1" dirty="0">
+              <a:solidFill>
+                <a:schemeClr val="tx1"/>
+              </a:solidFill>
+            </a:endParaRPr>
+          </a:p>
+          <a:p>
+            <a:pPr algn="ctr"/>
+            <a:r>
+              <a:rPr kumimoji="1" lang="ko-KR" altLang="en-US" sz="1200" b="1" dirty="0" err="1">
+                <a:solidFill>
+                  <a:schemeClr val="tx1"/>
+                </a:solidFill>
+              </a:rPr>
+              <a:t>알림됨</a:t>
+            </a:r>
+            <a:endParaRPr kumimoji="1" lang="ko-KR" altLang="en-US" sz="1200" b="1" dirty="0">
+              <a:solidFill>
+                <a:schemeClr val="tx1"/>
+              </a:solidFill>
+            </a:endParaRPr>
+          </a:p>
+        </p:txBody>
+      </p:sp>
+      <p:sp>
+        <p:nvSpPr>
+          <p:cNvPr id="98" name="직사각형 97">
+            <a:extLst>
+              <a:ext uri="{FF2B5EF4-FFF2-40B4-BE49-F238E27FC236}">
+                <a16:creationId xmlns:a16="http://schemas.microsoft.com/office/drawing/2014/main" id="{6529C715-1C6D-49E8-B8FD-30ED5B395A3B}"/>
+              </a:ext>
+            </a:extLst>
+          </p:cNvPr>
+          <p:cNvSpPr/>
+          <p:nvPr/>
+        </p:nvSpPr>
+        <p:spPr>
+          <a:xfrm>
+            <a:off x="9862602" y="5272611"/>
+            <a:ext cx="786709" cy="604243"/>
+          </a:xfrm>
+          <a:prstGeom prst="rect">
+            <a:avLst/>
+          </a:prstGeom>
+          <a:solidFill>
+            <a:srgbClr val="FFFF00"/>
+          </a:solidFill>
+          <a:ln>
+            <a:noFill/>
+          </a:ln>
+        </p:spPr>
+        <p:style>
+          <a:lnRef idx="2">
+            <a:schemeClr val="accent1">
+              <a:shade val="50000"/>
+            </a:schemeClr>
+          </a:lnRef>
+          <a:fillRef idx="1">
+            <a:schemeClr val="accent1"/>
+          </a:fillRef>
+          <a:effectRef idx="0">
+            <a:schemeClr val="accent1"/>
+          </a:effectRef>
+          <a:fontRef idx="minor">
+            <a:schemeClr val="lt1"/>
+          </a:fontRef>
+        </p:style>
+        <p:txBody>
+          <a:bodyPr rtlCol="0" anchor="ctr"/>
+          <a:lstStyle/>
+          <a:p>
+            <a:pPr algn="ctr"/>
+            <a:r>
+              <a:rPr kumimoji="1" lang="ko-KR" altLang="en-US" dirty="0" err="1">
+                <a:solidFill>
+                  <a:sysClr val="windowText" lastClr="000000"/>
+                </a:solidFill>
+              </a:rPr>
+              <a:t>알림정보</a:t>
+            </a:r>
+            <a:endParaRPr kumimoji="1" lang="ko-KR" altLang="en-US" dirty="0">
+              <a:solidFill>
+                <a:sysClr val="windowText" lastClr="000000"/>
+              </a:solidFill>
+            </a:endParaRPr>
+          </a:p>
+        </p:txBody>
+      </p:sp>
+      <p:sp>
+        <p:nvSpPr>
+          <p:cNvPr id="99" name="직사각형 98">
+            <a:extLst>
+              <a:ext uri="{FF2B5EF4-FFF2-40B4-BE49-F238E27FC236}">
+                <a16:creationId xmlns:a16="http://schemas.microsoft.com/office/drawing/2014/main" id="{9879B766-81F4-4FEF-9333-066F68239A54}"/>
+              </a:ext>
+            </a:extLst>
+          </p:cNvPr>
+          <p:cNvSpPr/>
+          <p:nvPr/>
+        </p:nvSpPr>
+        <p:spPr>
+          <a:xfrm>
+            <a:off x="9065303" y="4355966"/>
+            <a:ext cx="2271669" cy="2160149"/>
+          </a:xfrm>
+          <a:prstGeom prst="rect">
+            <a:avLst/>
+          </a:prstGeom>
+          <a:noFill/>
+          <a:ln>
+            <a:solidFill>
+              <a:schemeClr val="tx1"/>
+            </a:solidFill>
+            <a:prstDash val="dash"/>
+          </a:ln>
+        </p:spPr>
+        <p:style>
+          <a:lnRef idx="2">
+            <a:schemeClr val="accent1">
+              <a:shade val="50000"/>
+            </a:schemeClr>
+          </a:lnRef>
+          <a:fillRef idx="1">
+            <a:schemeClr val="accent1"/>
+          </a:fillRef>
+          <a:effectRef idx="0">
+            <a:schemeClr val="accent1"/>
+          </a:effectRef>
+          <a:fontRef idx="minor">
+            <a:schemeClr val="lt1"/>
+          </a:fontRef>
+        </p:style>
+        <p:txBody>
+          <a:bodyPr rtlCol="0" anchor="t"/>
+          <a:lstStyle/>
+          <a:p>
+            <a:pPr algn="ctr"/>
+            <a:r>
+              <a:rPr kumimoji="1" lang="en-US" altLang="ko-KR" sz="1400" dirty="0">
+                <a:solidFill>
+                  <a:schemeClr val="tx1"/>
+                </a:solidFill>
+              </a:rPr>
+              <a:t>sender</a:t>
+            </a:r>
+            <a:endParaRPr kumimoji="1" lang="ko-KR" altLang="en-US" sz="1400" dirty="0">
+              <a:solidFill>
+                <a:schemeClr val="tx1"/>
+              </a:solidFill>
+            </a:endParaRPr>
+          </a:p>
+        </p:txBody>
+      </p:sp>
+      <p:sp>
+        <p:nvSpPr>
+          <p:cNvPr id="100" name="직사각형 99">
+            <a:extLst>
+              <a:ext uri="{FF2B5EF4-FFF2-40B4-BE49-F238E27FC236}">
+                <a16:creationId xmlns:a16="http://schemas.microsoft.com/office/drawing/2014/main" id="{B1BA451F-1038-42F1-81F4-6C82388E47B3}"/>
+              </a:ext>
+            </a:extLst>
+          </p:cNvPr>
+          <p:cNvSpPr/>
+          <p:nvPr/>
+        </p:nvSpPr>
+        <p:spPr>
+          <a:xfrm>
+            <a:off x="9206624" y="4684992"/>
+            <a:ext cx="958648" cy="632797"/>
+          </a:xfrm>
+          <a:prstGeom prst="rect">
+            <a:avLst/>
+          </a:prstGeom>
+          <a:solidFill>
+            <a:srgbClr val="D4A2C1"/>
+          </a:solidFill>
+          <a:ln>
+            <a:noFill/>
+          </a:ln>
+        </p:spPr>
+        <p:style>
+          <a:lnRef idx="2">
+            <a:schemeClr val="accent1">
+              <a:shade val="50000"/>
+            </a:schemeClr>
+          </a:lnRef>
+          <a:fillRef idx="1">
+            <a:schemeClr val="accent1"/>
+          </a:fillRef>
+          <a:effectRef idx="0">
+            <a:schemeClr val="accent1"/>
+          </a:effectRef>
+          <a:fontRef idx="minor">
+            <a:schemeClr val="lt1"/>
+          </a:fontRef>
+        </p:style>
+        <p:txBody>
+          <a:bodyPr rtlCol="0" anchor="ctr"/>
+          <a:lstStyle/>
+          <a:p>
+            <a:pPr algn="ctr"/>
+            <a:r>
+              <a:rPr kumimoji="1" lang="ko-KR" altLang="en-US" sz="1050" b="1" dirty="0">
+                <a:solidFill>
+                  <a:schemeClr val="tx1"/>
+                </a:solidFill>
+              </a:rPr>
+              <a:t>전송</a:t>
+            </a:r>
+            <a:endParaRPr kumimoji="1" lang="en-US" altLang="ko-KR" sz="1050" b="1" dirty="0">
+              <a:solidFill>
+                <a:schemeClr val="tx1"/>
+              </a:solidFill>
+            </a:endParaRPr>
+          </a:p>
+          <a:p>
+            <a:pPr algn="ctr"/>
+            <a:r>
+              <a:rPr kumimoji="1" lang="en-US" altLang="ko-KR" sz="1050" b="1" dirty="0">
+                <a:solidFill>
+                  <a:schemeClr val="tx1"/>
+                </a:solidFill>
+              </a:rPr>
+              <a:t>(send)</a:t>
+            </a:r>
+            <a:endParaRPr kumimoji="1" lang="ko-KR" altLang="en-US" sz="1050" b="1" dirty="0">
+              <a:solidFill>
+                <a:schemeClr val="tx1"/>
+              </a:solidFill>
+            </a:endParaRPr>
+          </a:p>
+        </p:txBody>
+      </p:sp>
+      <p:cxnSp>
+        <p:nvCxnSpPr>
+          <p:cNvPr id="101" name="꺾인 연결선[E] 51">
+            <a:extLst>
+              <a:ext uri="{FF2B5EF4-FFF2-40B4-BE49-F238E27FC236}">
+                <a16:creationId xmlns:a16="http://schemas.microsoft.com/office/drawing/2014/main" id="{05218C5C-7AF2-4697-9F46-1BABE78E72A5}"/>
+              </a:ext>
+            </a:extLst>
+          </p:cNvPr>
+          <p:cNvCxnSpPr>
+            <a:cxnSpLocks/>
+            <a:stCxn id="70" idx="3"/>
+            <a:endCxn id="100" idx="1"/>
+          </p:cNvCxnSpPr>
+          <p:nvPr/>
+        </p:nvCxnSpPr>
+        <p:spPr>
+          <a:xfrm>
+            <a:off x="7891103" y="2882994"/>
+            <a:ext cx="1315521" cy="2118397"/>
+          </a:xfrm>
+          <a:prstGeom prst="bentConnector3">
+            <a:avLst>
+              <a:gd name="adj1" fmla="val 21038"/>
+            </a:avLst>
+          </a:prstGeom>
+          <a:ln w="28575">
+            <a:solidFill>
+              <a:schemeClr val="tx1"/>
+            </a:solidFill>
+            <a:prstDash val="sysDash"/>
+            <a:tailEnd type="triangle"/>
+          </a:ln>
+        </p:spPr>
+        <p:style>
+          <a:lnRef idx="1">
+            <a:schemeClr val="accent1"/>
+          </a:lnRef>
+          <a:fillRef idx="0">
+            <a:schemeClr val="accent1"/>
+          </a:fillRef>
+          <a:effectRef idx="0">
+            <a:schemeClr val="accent1"/>
+          </a:effectRef>
+          <a:fontRef idx="minor">
+            <a:schemeClr val="tx1"/>
+          </a:fontRef>
+        </p:style>
+      </p:cxnSp>
+      <p:cxnSp>
+        <p:nvCxnSpPr>
+          <p:cNvPr id="102" name="꺾인 연결선[E] 51">
+            <a:extLst>
+              <a:ext uri="{FF2B5EF4-FFF2-40B4-BE49-F238E27FC236}">
+                <a16:creationId xmlns:a16="http://schemas.microsoft.com/office/drawing/2014/main" id="{8452B5D4-3CD0-4261-90B1-289082AA060B}"/>
+              </a:ext>
+            </a:extLst>
+          </p:cNvPr>
+          <p:cNvCxnSpPr>
+            <a:cxnSpLocks/>
+            <a:stCxn id="61" idx="3"/>
+            <a:endCxn id="100" idx="1"/>
+          </p:cNvCxnSpPr>
+          <p:nvPr/>
+        </p:nvCxnSpPr>
+        <p:spPr>
+          <a:xfrm>
+            <a:off x="7821827" y="1994734"/>
+            <a:ext cx="1384797" cy="3006657"/>
+          </a:xfrm>
+          <a:prstGeom prst="bentConnector3">
+            <a:avLst>
+              <a:gd name="adj1" fmla="val 24603"/>
             </a:avLst>
           </a:prstGeom>
           <a:ln w="28575">
@@ -10013,10 +11003,10 @@
       </p:sp>
       <p:pic>
         <p:nvPicPr>
-          <p:cNvPr id="5" name="그림 4">
+          <p:cNvPr id="4" name="그림 3">
             <a:extLst>
               <a:ext uri="{FF2B5EF4-FFF2-40B4-BE49-F238E27FC236}">
-                <a16:creationId xmlns:a16="http://schemas.microsoft.com/office/drawing/2014/main" id="{BECA87BA-DDE7-48A6-A615-9E4624740213}"/>
+                <a16:creationId xmlns:a16="http://schemas.microsoft.com/office/drawing/2014/main" id="{CBC00008-8638-4A43-8000-110866EDF27C}"/>
               </a:ext>
             </a:extLst>
           </p:cNvPr>
@@ -10033,8 +11023,8 @@
         </p:blipFill>
         <p:spPr>
           <a:xfrm>
-            <a:off x="681691" y="1416106"/>
-            <a:ext cx="9652863" cy="5287045"/>
+            <a:off x="476538" y="1416106"/>
+            <a:ext cx="8633224" cy="4874968"/>
           </a:xfrm>
           <a:prstGeom prst="rect">
             <a:avLst/>
@@ -10049,16 +11039,27 @@
         </p:nvSpPr>
         <p:spPr>
           <a:xfrm>
-            <a:off x="8429625" y="5105857"/>
-            <a:ext cx="3471863" cy="1200329"/>
+            <a:off x="8561876" y="4308688"/>
+            <a:ext cx="3471863" cy="784830"/>
           </a:xfrm>
           <a:prstGeom prst="rect">
             <a:avLst/>
           </a:prstGeom>
-          <a:solidFill>
-            <a:schemeClr val="bg1"/>
-          </a:solidFill>
-        </p:spPr>
+        </p:spPr>
+        <p:style>
+          <a:lnRef idx="2">
+            <a:schemeClr val="dk1"/>
+          </a:lnRef>
+          <a:fillRef idx="1">
+            <a:schemeClr val="lt1"/>
+          </a:fillRef>
+          <a:effectRef idx="0">
+            <a:schemeClr val="dk1"/>
+          </a:effectRef>
+          <a:fontRef idx="minor">
+            <a:schemeClr val="dk1"/>
+          </a:fontRef>
+        </p:style>
         <p:txBody>
           <a:bodyPr wrap="square" rtlCol="0">
             <a:spAutoFit/>
@@ -10070,10 +11071,26 @@
               <a:buAutoNum type="arabicPeriod"/>
             </a:pPr>
             <a:r>
-              <a:rPr kumimoji="1" lang="ko-KR" altLang="en-US" dirty="0"/>
-              <a:t>요구사항별로 모든 나래이션이 가능한지 검증함</a:t>
-            </a:r>
-            <a:endParaRPr kumimoji="1" lang="en-US" altLang="ko-KR" dirty="0"/>
+              <a:rPr kumimoji="1" lang="ko-KR" altLang="en-US" sz="1500" dirty="0"/>
+              <a:t>요구사항별로 모든 </a:t>
+            </a:r>
+            <a:r>
+              <a:rPr kumimoji="1" lang="ko-KR" altLang="en-US" sz="1500" dirty="0" err="1"/>
+              <a:t>나래이션이</a:t>
+            </a:r>
+            <a:r>
+              <a:rPr kumimoji="1" lang="ko-KR" altLang="en-US" sz="1500" dirty="0"/>
+              <a:t> </a:t>
+            </a:r>
+            <a:r>
+              <a:rPr kumimoji="1" lang="en-US" altLang="ko-KR" sz="1500" dirty="0"/>
+              <a:t>  </a:t>
+            </a:r>
+            <a:r>
+              <a:rPr kumimoji="1" lang="ko-KR" altLang="en-US" sz="1500" dirty="0"/>
+              <a:t>가능한지 검증함</a:t>
+            </a:r>
+            <a:endParaRPr kumimoji="1" lang="en-US" altLang="ko-KR" sz="1500" dirty="0"/>
           </a:p>
           <a:p>
             <a:pPr marL="342900" indent="-342900">
@@ -10081,10 +11098,10 @@
               <a:buAutoNum type="arabicPeriod"/>
             </a:pPr>
             <a:r>
-              <a:rPr kumimoji="1" lang="ko-KR" altLang="en-US" dirty="0"/>
+              <a:rPr kumimoji="1" lang="ko-KR" altLang="en-US" sz="1500" dirty="0"/>
               <a:t>기능 요구사항별로 패스 표시</a:t>
             </a:r>
-            <a:endParaRPr kumimoji="1" lang="en-US" altLang="ko-KR" dirty="0"/>
+            <a:endParaRPr kumimoji="1" lang="en-US" altLang="ko-KR" sz="1500" dirty="0"/>
           </a:p>
         </p:txBody>
       </p:sp>
@@ -10232,10 +11249,10 @@
       </p:sp>
       <p:pic>
         <p:nvPicPr>
-          <p:cNvPr id="6" name="그림 5">
+          <p:cNvPr id="12" name="그림 11">
             <a:extLst>
               <a:ext uri="{FF2B5EF4-FFF2-40B4-BE49-F238E27FC236}">
-                <a16:creationId xmlns:a16="http://schemas.microsoft.com/office/drawing/2014/main" id="{42D4AE93-741F-4D82-9F09-CE54EDCCBBA4}"/>
+                <a16:creationId xmlns:a16="http://schemas.microsoft.com/office/drawing/2014/main" id="{EE9AB031-C2BD-45A3-B511-89546C015D59}"/>
               </a:ext>
             </a:extLst>
           </p:cNvPr>
@@ -10252,1605 +11269,14 @@
         </p:blipFill>
         <p:spPr>
           <a:xfrm>
-            <a:off x="4135029" y="1560645"/>
-            <a:ext cx="7956597" cy="5145688"/>
+            <a:off x="4138246" y="1690688"/>
+            <a:ext cx="7627010" cy="4386373"/>
           </a:xfrm>
           <a:prstGeom prst="rect">
             <a:avLst/>
           </a:prstGeom>
         </p:spPr>
       </p:pic>
-      <p:sp>
-        <p:nvSpPr>
-          <p:cNvPr id="9" name="자유형: 도형 8">
-            <a:extLst>
-              <a:ext uri="{FF2B5EF4-FFF2-40B4-BE49-F238E27FC236}">
-                <a16:creationId xmlns:a16="http://schemas.microsoft.com/office/drawing/2014/main" id="{319D79CD-424D-4616-99C4-839BB7201CE9}"/>
-              </a:ext>
-            </a:extLst>
-          </p:cNvPr>
-          <p:cNvSpPr/>
-          <p:nvPr/>
-        </p:nvSpPr>
-        <p:spPr>
-          <a:xfrm>
-            <a:off x="4754880" y="1963554"/>
-            <a:ext cx="6939815" cy="3811604"/>
-          </a:xfrm>
-          <a:custGeom>
-            <a:avLst/>
-            <a:gdLst>
-              <a:gd name="connsiteX0" fmla="*/ 0 w 6939815"/>
-              <a:gd name="connsiteY0" fmla="*/ 385011 h 3811604"/>
-              <a:gd name="connsiteX1" fmla="*/ 96253 w 6939815"/>
-              <a:gd name="connsiteY1" fmla="*/ 356135 h 3811604"/>
-              <a:gd name="connsiteX2" fmla="*/ 125128 w 6939815"/>
-              <a:gd name="connsiteY2" fmla="*/ 346510 h 3811604"/>
-              <a:gd name="connsiteX3" fmla="*/ 250257 w 6939815"/>
-              <a:gd name="connsiteY3" fmla="*/ 356135 h 3811604"/>
-              <a:gd name="connsiteX4" fmla="*/ 317634 w 6939815"/>
-              <a:gd name="connsiteY4" fmla="*/ 394636 h 3811604"/>
-              <a:gd name="connsiteX5" fmla="*/ 336884 w 6939815"/>
-              <a:gd name="connsiteY5" fmla="*/ 423512 h 3811604"/>
-              <a:gd name="connsiteX6" fmla="*/ 394636 w 6939815"/>
-              <a:gd name="connsiteY6" fmla="*/ 452387 h 3811604"/>
-              <a:gd name="connsiteX7" fmla="*/ 423512 w 6939815"/>
-              <a:gd name="connsiteY7" fmla="*/ 471638 h 3811604"/>
-              <a:gd name="connsiteX8" fmla="*/ 462013 w 6939815"/>
-              <a:gd name="connsiteY8" fmla="*/ 481263 h 3811604"/>
-              <a:gd name="connsiteX9" fmla="*/ 529389 w 6939815"/>
-              <a:gd name="connsiteY9" fmla="*/ 519764 h 3811604"/>
-              <a:gd name="connsiteX10" fmla="*/ 693019 w 6939815"/>
-              <a:gd name="connsiteY10" fmla="*/ 500514 h 3811604"/>
-              <a:gd name="connsiteX11" fmla="*/ 731520 w 6939815"/>
-              <a:gd name="connsiteY11" fmla="*/ 490888 h 3811604"/>
-              <a:gd name="connsiteX12" fmla="*/ 827773 w 6939815"/>
-              <a:gd name="connsiteY12" fmla="*/ 433137 h 3811604"/>
-              <a:gd name="connsiteX13" fmla="*/ 875899 w 6939815"/>
-              <a:gd name="connsiteY13" fmla="*/ 404261 h 3811604"/>
-              <a:gd name="connsiteX14" fmla="*/ 904775 w 6939815"/>
-              <a:gd name="connsiteY14" fmla="*/ 375385 h 3811604"/>
-              <a:gd name="connsiteX15" fmla="*/ 962526 w 6939815"/>
-              <a:gd name="connsiteY15" fmla="*/ 365760 h 3811604"/>
-              <a:gd name="connsiteX16" fmla="*/ 991402 w 6939815"/>
-              <a:gd name="connsiteY16" fmla="*/ 356135 h 3811604"/>
-              <a:gd name="connsiteX17" fmla="*/ 1097280 w 6939815"/>
-              <a:gd name="connsiteY17" fmla="*/ 336884 h 3811604"/>
-              <a:gd name="connsiteX18" fmla="*/ 1174282 w 6939815"/>
-              <a:gd name="connsiteY18" fmla="*/ 317634 h 3811604"/>
-              <a:gd name="connsiteX19" fmla="*/ 1222408 w 6939815"/>
-              <a:gd name="connsiteY19" fmla="*/ 298383 h 3811604"/>
-              <a:gd name="connsiteX20" fmla="*/ 1366787 w 6939815"/>
-              <a:gd name="connsiteY20" fmla="*/ 279133 h 3811604"/>
-              <a:gd name="connsiteX21" fmla="*/ 1482291 w 6939815"/>
-              <a:gd name="connsiteY21" fmla="*/ 288758 h 3811604"/>
-              <a:gd name="connsiteX22" fmla="*/ 1511166 w 6939815"/>
-              <a:gd name="connsiteY22" fmla="*/ 317634 h 3811604"/>
-              <a:gd name="connsiteX23" fmla="*/ 1578543 w 6939815"/>
-              <a:gd name="connsiteY23" fmla="*/ 433137 h 3811604"/>
-              <a:gd name="connsiteX24" fmla="*/ 1636295 w 6939815"/>
-              <a:gd name="connsiteY24" fmla="*/ 529390 h 3811604"/>
-              <a:gd name="connsiteX25" fmla="*/ 1655545 w 6939815"/>
-              <a:gd name="connsiteY25" fmla="*/ 596766 h 3811604"/>
-              <a:gd name="connsiteX26" fmla="*/ 1703672 w 6939815"/>
-              <a:gd name="connsiteY26" fmla="*/ 721895 h 3811604"/>
-              <a:gd name="connsiteX27" fmla="*/ 1742173 w 6939815"/>
-              <a:gd name="connsiteY27" fmla="*/ 818147 h 3811604"/>
-              <a:gd name="connsiteX28" fmla="*/ 1761423 w 6939815"/>
-              <a:gd name="connsiteY28" fmla="*/ 866274 h 3811604"/>
-              <a:gd name="connsiteX29" fmla="*/ 1867301 w 6939815"/>
-              <a:gd name="connsiteY29" fmla="*/ 1039528 h 3811604"/>
-              <a:gd name="connsiteX30" fmla="*/ 1876926 w 6939815"/>
-              <a:gd name="connsiteY30" fmla="*/ 1116531 h 3811604"/>
-              <a:gd name="connsiteX31" fmla="*/ 1886552 w 6939815"/>
-              <a:gd name="connsiteY31" fmla="*/ 1164657 h 3811604"/>
-              <a:gd name="connsiteX32" fmla="*/ 1876926 w 6939815"/>
-              <a:gd name="connsiteY32" fmla="*/ 1270535 h 3811604"/>
-              <a:gd name="connsiteX33" fmla="*/ 1819175 w 6939815"/>
-              <a:gd name="connsiteY33" fmla="*/ 1453415 h 3811604"/>
-              <a:gd name="connsiteX34" fmla="*/ 1713297 w 6939815"/>
-              <a:gd name="connsiteY34" fmla="*/ 1645920 h 3811604"/>
-              <a:gd name="connsiteX35" fmla="*/ 1665171 w 6939815"/>
-              <a:gd name="connsiteY35" fmla="*/ 1732547 h 3811604"/>
-              <a:gd name="connsiteX36" fmla="*/ 1588168 w 6939815"/>
-              <a:gd name="connsiteY36" fmla="*/ 1886552 h 3811604"/>
-              <a:gd name="connsiteX37" fmla="*/ 1395663 w 6939815"/>
-              <a:gd name="connsiteY37" fmla="*/ 2098307 h 3811604"/>
-              <a:gd name="connsiteX38" fmla="*/ 1299411 w 6939815"/>
-              <a:gd name="connsiteY38" fmla="*/ 2184935 h 3811604"/>
-              <a:gd name="connsiteX39" fmla="*/ 1193533 w 6939815"/>
-              <a:gd name="connsiteY39" fmla="*/ 2329314 h 3811604"/>
-              <a:gd name="connsiteX40" fmla="*/ 1164657 w 6939815"/>
-              <a:gd name="connsiteY40" fmla="*/ 2348564 h 3811604"/>
-              <a:gd name="connsiteX41" fmla="*/ 1135781 w 6939815"/>
-              <a:gd name="connsiteY41" fmla="*/ 2377440 h 3811604"/>
-              <a:gd name="connsiteX42" fmla="*/ 1068404 w 6939815"/>
-              <a:gd name="connsiteY42" fmla="*/ 2435192 h 3811604"/>
-              <a:gd name="connsiteX43" fmla="*/ 1039528 w 6939815"/>
-              <a:gd name="connsiteY43" fmla="*/ 2454442 h 3811604"/>
-              <a:gd name="connsiteX44" fmla="*/ 933651 w 6939815"/>
-              <a:gd name="connsiteY44" fmla="*/ 2531444 h 3811604"/>
-              <a:gd name="connsiteX45" fmla="*/ 779646 w 6939815"/>
-              <a:gd name="connsiteY45" fmla="*/ 2627697 h 3811604"/>
-              <a:gd name="connsiteX46" fmla="*/ 702644 w 6939815"/>
-              <a:gd name="connsiteY46" fmla="*/ 2695074 h 3811604"/>
-              <a:gd name="connsiteX47" fmla="*/ 683394 w 6939815"/>
-              <a:gd name="connsiteY47" fmla="*/ 2733575 h 3811604"/>
-              <a:gd name="connsiteX48" fmla="*/ 567891 w 6939815"/>
-              <a:gd name="connsiteY48" fmla="*/ 2829827 h 3811604"/>
-              <a:gd name="connsiteX49" fmla="*/ 539015 w 6939815"/>
-              <a:gd name="connsiteY49" fmla="*/ 2877954 h 3811604"/>
-              <a:gd name="connsiteX50" fmla="*/ 452387 w 6939815"/>
-              <a:gd name="connsiteY50" fmla="*/ 2993457 h 3811604"/>
-              <a:gd name="connsiteX51" fmla="*/ 423512 w 6939815"/>
-              <a:gd name="connsiteY51" fmla="*/ 3031958 h 3811604"/>
-              <a:gd name="connsiteX52" fmla="*/ 385011 w 6939815"/>
-              <a:gd name="connsiteY52" fmla="*/ 3099335 h 3811604"/>
-              <a:gd name="connsiteX53" fmla="*/ 346509 w 6939815"/>
-              <a:gd name="connsiteY53" fmla="*/ 3157086 h 3811604"/>
-              <a:gd name="connsiteX54" fmla="*/ 250257 w 6939815"/>
-              <a:gd name="connsiteY54" fmla="*/ 3368842 h 3811604"/>
-              <a:gd name="connsiteX55" fmla="*/ 231006 w 6939815"/>
-              <a:gd name="connsiteY55" fmla="*/ 3407343 h 3811604"/>
-              <a:gd name="connsiteX56" fmla="*/ 259882 w 6939815"/>
-              <a:gd name="connsiteY56" fmla="*/ 3522846 h 3811604"/>
-              <a:gd name="connsiteX57" fmla="*/ 279133 w 6939815"/>
-              <a:gd name="connsiteY57" fmla="*/ 3551722 h 3811604"/>
-              <a:gd name="connsiteX58" fmla="*/ 327259 w 6939815"/>
-              <a:gd name="connsiteY58" fmla="*/ 3561347 h 3811604"/>
-              <a:gd name="connsiteX59" fmla="*/ 365760 w 6939815"/>
-              <a:gd name="connsiteY59" fmla="*/ 3570973 h 3811604"/>
-              <a:gd name="connsiteX60" fmla="*/ 442762 w 6939815"/>
-              <a:gd name="connsiteY60" fmla="*/ 3599848 h 3811604"/>
-              <a:gd name="connsiteX61" fmla="*/ 471638 w 6939815"/>
-              <a:gd name="connsiteY61" fmla="*/ 3619099 h 3811604"/>
-              <a:gd name="connsiteX62" fmla="*/ 519764 w 6939815"/>
-              <a:gd name="connsiteY62" fmla="*/ 3647975 h 3811604"/>
-              <a:gd name="connsiteX63" fmla="*/ 577516 w 6939815"/>
-              <a:gd name="connsiteY63" fmla="*/ 3686476 h 3811604"/>
-              <a:gd name="connsiteX64" fmla="*/ 712269 w 6939815"/>
-              <a:gd name="connsiteY64" fmla="*/ 3763478 h 3811604"/>
-              <a:gd name="connsiteX65" fmla="*/ 798897 w 6939815"/>
-              <a:gd name="connsiteY65" fmla="*/ 3782728 h 3811604"/>
-              <a:gd name="connsiteX66" fmla="*/ 866274 w 6939815"/>
-              <a:gd name="connsiteY66" fmla="*/ 3801979 h 3811604"/>
-              <a:gd name="connsiteX67" fmla="*/ 962526 w 6939815"/>
-              <a:gd name="connsiteY67" fmla="*/ 3811604 h 3811604"/>
-              <a:gd name="connsiteX68" fmla="*/ 1097280 w 6939815"/>
-              <a:gd name="connsiteY68" fmla="*/ 3773103 h 3811604"/>
-              <a:gd name="connsiteX69" fmla="*/ 1164657 w 6939815"/>
-              <a:gd name="connsiteY69" fmla="*/ 3724977 h 3811604"/>
-              <a:gd name="connsiteX70" fmla="*/ 1241659 w 6939815"/>
-              <a:gd name="connsiteY70" fmla="*/ 3686476 h 3811604"/>
-              <a:gd name="connsiteX71" fmla="*/ 1328286 w 6939815"/>
-              <a:gd name="connsiteY71" fmla="*/ 3628724 h 3811604"/>
-              <a:gd name="connsiteX72" fmla="*/ 1395663 w 6939815"/>
-              <a:gd name="connsiteY72" fmla="*/ 3590223 h 3811604"/>
-              <a:gd name="connsiteX73" fmla="*/ 1501541 w 6939815"/>
-              <a:gd name="connsiteY73" fmla="*/ 3503596 h 3811604"/>
-              <a:gd name="connsiteX74" fmla="*/ 1607419 w 6939815"/>
-              <a:gd name="connsiteY74" fmla="*/ 3407343 h 3811604"/>
-              <a:gd name="connsiteX75" fmla="*/ 1636295 w 6939815"/>
-              <a:gd name="connsiteY75" fmla="*/ 3349592 h 3811604"/>
-              <a:gd name="connsiteX76" fmla="*/ 1799924 w 6939815"/>
-              <a:gd name="connsiteY76" fmla="*/ 3022333 h 3811604"/>
-              <a:gd name="connsiteX77" fmla="*/ 1896177 w 6939815"/>
-              <a:gd name="connsiteY77" fmla="*/ 2810577 h 3811604"/>
-              <a:gd name="connsiteX78" fmla="*/ 1944303 w 6939815"/>
-              <a:gd name="connsiteY78" fmla="*/ 2695074 h 3811604"/>
-              <a:gd name="connsiteX79" fmla="*/ 1992429 w 6939815"/>
-              <a:gd name="connsiteY79" fmla="*/ 2531444 h 3811604"/>
-              <a:gd name="connsiteX80" fmla="*/ 2069432 w 6939815"/>
-              <a:gd name="connsiteY80" fmla="*/ 2348564 h 3811604"/>
-              <a:gd name="connsiteX81" fmla="*/ 2127183 w 6939815"/>
-              <a:gd name="connsiteY81" fmla="*/ 2184935 h 3811604"/>
-              <a:gd name="connsiteX82" fmla="*/ 2184935 w 6939815"/>
-              <a:gd name="connsiteY82" fmla="*/ 2050181 h 3811604"/>
-              <a:gd name="connsiteX83" fmla="*/ 2242686 w 6939815"/>
-              <a:gd name="connsiteY83" fmla="*/ 1934678 h 3811604"/>
-              <a:gd name="connsiteX84" fmla="*/ 2271562 w 6939815"/>
-              <a:gd name="connsiteY84" fmla="*/ 1819175 h 3811604"/>
-              <a:gd name="connsiteX85" fmla="*/ 2319688 w 6939815"/>
-              <a:gd name="connsiteY85" fmla="*/ 1645920 h 3811604"/>
-              <a:gd name="connsiteX86" fmla="*/ 2348564 w 6939815"/>
-              <a:gd name="connsiteY86" fmla="*/ 1405288 h 3811604"/>
-              <a:gd name="connsiteX87" fmla="*/ 2377440 w 6939815"/>
-              <a:gd name="connsiteY87" fmla="*/ 1164657 h 3811604"/>
-              <a:gd name="connsiteX88" fmla="*/ 2406316 w 6939815"/>
-              <a:gd name="connsiteY88" fmla="*/ 1001027 h 3811604"/>
-              <a:gd name="connsiteX89" fmla="*/ 2425566 w 6939815"/>
-              <a:gd name="connsiteY89" fmla="*/ 885524 h 3811604"/>
-              <a:gd name="connsiteX90" fmla="*/ 2473693 w 6939815"/>
-              <a:gd name="connsiteY90" fmla="*/ 702644 h 3811604"/>
-              <a:gd name="connsiteX91" fmla="*/ 2502568 w 6939815"/>
-              <a:gd name="connsiteY91" fmla="*/ 606392 h 3811604"/>
-              <a:gd name="connsiteX92" fmla="*/ 2589196 w 6939815"/>
-              <a:gd name="connsiteY92" fmla="*/ 317634 h 3811604"/>
-              <a:gd name="connsiteX93" fmla="*/ 2608446 w 6939815"/>
-              <a:gd name="connsiteY93" fmla="*/ 269507 h 3811604"/>
-              <a:gd name="connsiteX94" fmla="*/ 2618072 w 6939815"/>
-              <a:gd name="connsiteY94" fmla="*/ 240632 h 3811604"/>
-              <a:gd name="connsiteX95" fmla="*/ 2646947 w 6939815"/>
-              <a:gd name="connsiteY95" fmla="*/ 202131 h 3811604"/>
-              <a:gd name="connsiteX96" fmla="*/ 2666198 w 6939815"/>
-              <a:gd name="connsiteY96" fmla="*/ 173255 h 3811604"/>
-              <a:gd name="connsiteX97" fmla="*/ 2704699 w 6939815"/>
-              <a:gd name="connsiteY97" fmla="*/ 134754 h 3811604"/>
-              <a:gd name="connsiteX98" fmla="*/ 2829827 w 6939815"/>
-              <a:gd name="connsiteY98" fmla="*/ 28876 h 3811604"/>
-              <a:gd name="connsiteX99" fmla="*/ 2887579 w 6939815"/>
-              <a:gd name="connsiteY99" fmla="*/ 19251 h 3811604"/>
-              <a:gd name="connsiteX100" fmla="*/ 2954956 w 6939815"/>
-              <a:gd name="connsiteY100" fmla="*/ 9625 h 3811604"/>
-              <a:gd name="connsiteX101" fmla="*/ 2993457 w 6939815"/>
-              <a:gd name="connsiteY101" fmla="*/ 0 h 3811604"/>
-              <a:gd name="connsiteX102" fmla="*/ 3118585 w 6939815"/>
-              <a:gd name="connsiteY102" fmla="*/ 19251 h 3811604"/>
-              <a:gd name="connsiteX103" fmla="*/ 3195587 w 6939815"/>
-              <a:gd name="connsiteY103" fmla="*/ 67377 h 3811604"/>
-              <a:gd name="connsiteX104" fmla="*/ 3301465 w 6939815"/>
-              <a:gd name="connsiteY104" fmla="*/ 134754 h 3811604"/>
-              <a:gd name="connsiteX105" fmla="*/ 3339966 w 6939815"/>
-              <a:gd name="connsiteY105" fmla="*/ 163630 h 3811604"/>
-              <a:gd name="connsiteX106" fmla="*/ 3378467 w 6939815"/>
-              <a:gd name="connsiteY106" fmla="*/ 202131 h 3811604"/>
-              <a:gd name="connsiteX107" fmla="*/ 3416968 w 6939815"/>
-              <a:gd name="connsiteY107" fmla="*/ 221381 h 3811604"/>
-              <a:gd name="connsiteX108" fmla="*/ 3465095 w 6939815"/>
-              <a:gd name="connsiteY108" fmla="*/ 259882 h 3811604"/>
-              <a:gd name="connsiteX109" fmla="*/ 3522846 w 6939815"/>
-              <a:gd name="connsiteY109" fmla="*/ 365760 h 3811604"/>
-              <a:gd name="connsiteX110" fmla="*/ 3532472 w 6939815"/>
-              <a:gd name="connsiteY110" fmla="*/ 442762 h 3811604"/>
-              <a:gd name="connsiteX111" fmla="*/ 3551722 w 6939815"/>
-              <a:gd name="connsiteY111" fmla="*/ 500514 h 3811604"/>
-              <a:gd name="connsiteX112" fmla="*/ 3561347 w 6939815"/>
-              <a:gd name="connsiteY112" fmla="*/ 529390 h 3811604"/>
-              <a:gd name="connsiteX113" fmla="*/ 3590223 w 6939815"/>
-              <a:gd name="connsiteY113" fmla="*/ 548640 h 3811604"/>
-              <a:gd name="connsiteX114" fmla="*/ 3619099 w 6939815"/>
-              <a:gd name="connsiteY114" fmla="*/ 577516 h 3811604"/>
-              <a:gd name="connsiteX115" fmla="*/ 3667225 w 6939815"/>
-              <a:gd name="connsiteY115" fmla="*/ 596766 h 3811604"/>
-              <a:gd name="connsiteX116" fmla="*/ 3696101 w 6939815"/>
-              <a:gd name="connsiteY116" fmla="*/ 635267 h 3811604"/>
-              <a:gd name="connsiteX117" fmla="*/ 3734602 w 6939815"/>
-              <a:gd name="connsiteY117" fmla="*/ 654518 h 3811604"/>
-              <a:gd name="connsiteX118" fmla="*/ 3773103 w 6939815"/>
-              <a:gd name="connsiteY118" fmla="*/ 683394 h 3811604"/>
-              <a:gd name="connsiteX119" fmla="*/ 3840480 w 6939815"/>
-              <a:gd name="connsiteY119" fmla="*/ 721895 h 3811604"/>
-              <a:gd name="connsiteX120" fmla="*/ 4023360 w 6939815"/>
-              <a:gd name="connsiteY120" fmla="*/ 712270 h 3811604"/>
-              <a:gd name="connsiteX121" fmla="*/ 4061861 w 6939815"/>
-              <a:gd name="connsiteY121" fmla="*/ 702644 h 3811604"/>
-              <a:gd name="connsiteX122" fmla="*/ 4225491 w 6939815"/>
-              <a:gd name="connsiteY122" fmla="*/ 596766 h 3811604"/>
-              <a:gd name="connsiteX123" fmla="*/ 4331368 w 6939815"/>
-              <a:gd name="connsiteY123" fmla="*/ 567891 h 3811604"/>
-              <a:gd name="connsiteX124" fmla="*/ 4514248 w 6939815"/>
-              <a:gd name="connsiteY124" fmla="*/ 539015 h 3811604"/>
-              <a:gd name="connsiteX125" fmla="*/ 4562375 w 6939815"/>
-              <a:gd name="connsiteY125" fmla="*/ 529390 h 3811604"/>
-              <a:gd name="connsiteX126" fmla="*/ 4639377 w 6939815"/>
-              <a:gd name="connsiteY126" fmla="*/ 519764 h 3811604"/>
-              <a:gd name="connsiteX127" fmla="*/ 4764505 w 6939815"/>
-              <a:gd name="connsiteY127" fmla="*/ 529390 h 3811604"/>
-              <a:gd name="connsiteX128" fmla="*/ 4803006 w 6939815"/>
-              <a:gd name="connsiteY128" fmla="*/ 539015 h 3811604"/>
-              <a:gd name="connsiteX129" fmla="*/ 4976261 w 6939815"/>
-              <a:gd name="connsiteY129" fmla="*/ 548640 h 3811604"/>
-              <a:gd name="connsiteX130" fmla="*/ 5034013 w 6939815"/>
-              <a:gd name="connsiteY130" fmla="*/ 558265 h 3811604"/>
-              <a:gd name="connsiteX131" fmla="*/ 5120640 w 6939815"/>
-              <a:gd name="connsiteY131" fmla="*/ 606392 h 3811604"/>
-              <a:gd name="connsiteX132" fmla="*/ 5159141 w 6939815"/>
-              <a:gd name="connsiteY132" fmla="*/ 644893 h 3811604"/>
-              <a:gd name="connsiteX133" fmla="*/ 5178392 w 6939815"/>
-              <a:gd name="connsiteY133" fmla="*/ 673768 h 3811604"/>
-              <a:gd name="connsiteX134" fmla="*/ 5216893 w 6939815"/>
-              <a:gd name="connsiteY134" fmla="*/ 693019 h 3811604"/>
-              <a:gd name="connsiteX135" fmla="*/ 5245768 w 6939815"/>
-              <a:gd name="connsiteY135" fmla="*/ 721895 h 3811604"/>
-              <a:gd name="connsiteX136" fmla="*/ 5284269 w 6939815"/>
-              <a:gd name="connsiteY136" fmla="*/ 770021 h 3811604"/>
-              <a:gd name="connsiteX137" fmla="*/ 5322771 w 6939815"/>
-              <a:gd name="connsiteY137" fmla="*/ 789272 h 3811604"/>
-              <a:gd name="connsiteX138" fmla="*/ 5390147 w 6939815"/>
-              <a:gd name="connsiteY138" fmla="*/ 856648 h 3811604"/>
-              <a:gd name="connsiteX139" fmla="*/ 5438274 w 6939815"/>
-              <a:gd name="connsiteY139" fmla="*/ 924025 h 3811604"/>
-              <a:gd name="connsiteX140" fmla="*/ 5534526 w 6939815"/>
-              <a:gd name="connsiteY140" fmla="*/ 1001027 h 3811604"/>
-              <a:gd name="connsiteX141" fmla="*/ 5582653 w 6939815"/>
-              <a:gd name="connsiteY141" fmla="*/ 1058779 h 3811604"/>
-              <a:gd name="connsiteX142" fmla="*/ 5630779 w 6939815"/>
-              <a:gd name="connsiteY142" fmla="*/ 1078030 h 3811604"/>
-              <a:gd name="connsiteX143" fmla="*/ 5659655 w 6939815"/>
-              <a:gd name="connsiteY143" fmla="*/ 1097280 h 3811604"/>
-              <a:gd name="connsiteX144" fmla="*/ 5698156 w 6939815"/>
-              <a:gd name="connsiteY144" fmla="*/ 1106905 h 3811604"/>
-              <a:gd name="connsiteX145" fmla="*/ 5727032 w 6939815"/>
-              <a:gd name="connsiteY145" fmla="*/ 1116531 h 3811604"/>
-              <a:gd name="connsiteX146" fmla="*/ 6073541 w 6939815"/>
-              <a:gd name="connsiteY146" fmla="*/ 1058779 h 3811604"/>
-              <a:gd name="connsiteX147" fmla="*/ 6150543 w 6939815"/>
-              <a:gd name="connsiteY147" fmla="*/ 1001027 h 3811604"/>
-              <a:gd name="connsiteX148" fmla="*/ 6189044 w 6939815"/>
-              <a:gd name="connsiteY148" fmla="*/ 972152 h 3811604"/>
-              <a:gd name="connsiteX149" fmla="*/ 6237171 w 6939815"/>
-              <a:gd name="connsiteY149" fmla="*/ 933651 h 3811604"/>
-              <a:gd name="connsiteX150" fmla="*/ 6362299 w 6939815"/>
-              <a:gd name="connsiteY150" fmla="*/ 856648 h 3811604"/>
-              <a:gd name="connsiteX151" fmla="*/ 6429676 w 6939815"/>
-              <a:gd name="connsiteY151" fmla="*/ 827773 h 3811604"/>
-              <a:gd name="connsiteX152" fmla="*/ 6641432 w 6939815"/>
-              <a:gd name="connsiteY152" fmla="*/ 789272 h 3811604"/>
-              <a:gd name="connsiteX153" fmla="*/ 6939815 w 6939815"/>
-              <a:gd name="connsiteY153" fmla="*/ 770021 h 3811604"/>
-            </a:gdLst>
-            <a:ahLst/>
-            <a:cxnLst>
-              <a:cxn ang="0">
-                <a:pos x="connsiteX0" y="connsiteY0"/>
-              </a:cxn>
-              <a:cxn ang="0">
-                <a:pos x="connsiteX1" y="connsiteY1"/>
-              </a:cxn>
-              <a:cxn ang="0">
-                <a:pos x="connsiteX2" y="connsiteY2"/>
-              </a:cxn>
-              <a:cxn ang="0">
-                <a:pos x="connsiteX3" y="connsiteY3"/>
-              </a:cxn>
-              <a:cxn ang="0">
-                <a:pos x="connsiteX4" y="connsiteY4"/>
-              </a:cxn>
-              <a:cxn ang="0">
-                <a:pos x="connsiteX5" y="connsiteY5"/>
-              </a:cxn>
-              <a:cxn ang="0">
-                <a:pos x="connsiteX6" y="connsiteY6"/>
-              </a:cxn>
-              <a:cxn ang="0">
-                <a:pos x="connsiteX7" y="connsiteY7"/>
-              </a:cxn>
-              <a:cxn ang="0">
-                <a:pos x="connsiteX8" y="connsiteY8"/>
-              </a:cxn>
-              <a:cxn ang="0">
-                <a:pos x="connsiteX9" y="connsiteY9"/>
-              </a:cxn>
-              <a:cxn ang="0">
-                <a:pos x="connsiteX10" y="connsiteY10"/>
-              </a:cxn>
-              <a:cxn ang="0">
-                <a:pos x="connsiteX11" y="connsiteY11"/>
-              </a:cxn>
-              <a:cxn ang="0">
-                <a:pos x="connsiteX12" y="connsiteY12"/>
-              </a:cxn>
-              <a:cxn ang="0">
-                <a:pos x="connsiteX13" y="connsiteY13"/>
-              </a:cxn>
-              <a:cxn ang="0">
-                <a:pos x="connsiteX14" y="connsiteY14"/>
-              </a:cxn>
-              <a:cxn ang="0">
-                <a:pos x="connsiteX15" y="connsiteY15"/>
-              </a:cxn>
-              <a:cxn ang="0">
-                <a:pos x="connsiteX16" y="connsiteY16"/>
-              </a:cxn>
-              <a:cxn ang="0">
-                <a:pos x="connsiteX17" y="connsiteY17"/>
-              </a:cxn>
-              <a:cxn ang="0">
-                <a:pos x="connsiteX18" y="connsiteY18"/>
-              </a:cxn>
-              <a:cxn ang="0">
-                <a:pos x="connsiteX19" y="connsiteY19"/>
-              </a:cxn>
-              <a:cxn ang="0">
-                <a:pos x="connsiteX20" y="connsiteY20"/>
-              </a:cxn>
-              <a:cxn ang="0">
-                <a:pos x="connsiteX21" y="connsiteY21"/>
-              </a:cxn>
-              <a:cxn ang="0">
-                <a:pos x="connsiteX22" y="connsiteY22"/>
-              </a:cxn>
-              <a:cxn ang="0">
-                <a:pos x="connsiteX23" y="connsiteY23"/>
-              </a:cxn>
-              <a:cxn ang="0">
-                <a:pos x="connsiteX24" y="connsiteY24"/>
-              </a:cxn>
-              <a:cxn ang="0">
-                <a:pos x="connsiteX25" y="connsiteY25"/>
-              </a:cxn>
-              <a:cxn ang="0">
-                <a:pos x="connsiteX26" y="connsiteY26"/>
-              </a:cxn>
-              <a:cxn ang="0">
-                <a:pos x="connsiteX27" y="connsiteY27"/>
-              </a:cxn>
-              <a:cxn ang="0">
-                <a:pos x="connsiteX28" y="connsiteY28"/>
-              </a:cxn>
-              <a:cxn ang="0">
-                <a:pos x="connsiteX29" y="connsiteY29"/>
-              </a:cxn>
-              <a:cxn ang="0">
-                <a:pos x="connsiteX30" y="connsiteY30"/>
-              </a:cxn>
-              <a:cxn ang="0">
-                <a:pos x="connsiteX31" y="connsiteY31"/>
-              </a:cxn>
-              <a:cxn ang="0">
-                <a:pos x="connsiteX32" y="connsiteY32"/>
-              </a:cxn>
-              <a:cxn ang="0">
-                <a:pos x="connsiteX33" y="connsiteY33"/>
-              </a:cxn>
-              <a:cxn ang="0">
-                <a:pos x="connsiteX34" y="connsiteY34"/>
-              </a:cxn>
-              <a:cxn ang="0">
-                <a:pos x="connsiteX35" y="connsiteY35"/>
-              </a:cxn>
-              <a:cxn ang="0">
-                <a:pos x="connsiteX36" y="connsiteY36"/>
-              </a:cxn>
-              <a:cxn ang="0">
-                <a:pos x="connsiteX37" y="connsiteY37"/>
-              </a:cxn>
-              <a:cxn ang="0">
-                <a:pos x="connsiteX38" y="connsiteY38"/>
-              </a:cxn>
-              <a:cxn ang="0">
-                <a:pos x="connsiteX39" y="connsiteY39"/>
-              </a:cxn>
-              <a:cxn ang="0">
-                <a:pos x="connsiteX40" y="connsiteY40"/>
-              </a:cxn>
-              <a:cxn ang="0">
-                <a:pos x="connsiteX41" y="connsiteY41"/>
-              </a:cxn>
-              <a:cxn ang="0">
-                <a:pos x="connsiteX42" y="connsiteY42"/>
-              </a:cxn>
-              <a:cxn ang="0">
-                <a:pos x="connsiteX43" y="connsiteY43"/>
-              </a:cxn>
-              <a:cxn ang="0">
-                <a:pos x="connsiteX44" y="connsiteY44"/>
-              </a:cxn>
-              <a:cxn ang="0">
-                <a:pos x="connsiteX45" y="connsiteY45"/>
-              </a:cxn>
-              <a:cxn ang="0">
-                <a:pos x="connsiteX46" y="connsiteY46"/>
-              </a:cxn>
-              <a:cxn ang="0">
-                <a:pos x="connsiteX47" y="connsiteY47"/>
-              </a:cxn>
-              <a:cxn ang="0">
-                <a:pos x="connsiteX48" y="connsiteY48"/>
-              </a:cxn>
-              <a:cxn ang="0">
-                <a:pos x="connsiteX49" y="connsiteY49"/>
-              </a:cxn>
-              <a:cxn ang="0">
-                <a:pos x="connsiteX50" y="connsiteY50"/>
-              </a:cxn>
-              <a:cxn ang="0">
-                <a:pos x="connsiteX51" y="connsiteY51"/>
-              </a:cxn>
-              <a:cxn ang="0">
-                <a:pos x="connsiteX52" y="connsiteY52"/>
-              </a:cxn>
-              <a:cxn ang="0">
-                <a:pos x="connsiteX53" y="connsiteY53"/>
-              </a:cxn>
-              <a:cxn ang="0">
-                <a:pos x="connsiteX54" y="connsiteY54"/>
-              </a:cxn>
-              <a:cxn ang="0">
-                <a:pos x="connsiteX55" y="connsiteY55"/>
-              </a:cxn>
-              <a:cxn ang="0">
-                <a:pos x="connsiteX56" y="connsiteY56"/>
-              </a:cxn>
-              <a:cxn ang="0">
-                <a:pos x="connsiteX57" y="connsiteY57"/>
-              </a:cxn>
-              <a:cxn ang="0">
-                <a:pos x="connsiteX58" y="connsiteY58"/>
-              </a:cxn>
-              <a:cxn ang="0">
-                <a:pos x="connsiteX59" y="connsiteY59"/>
-              </a:cxn>
-              <a:cxn ang="0">
-                <a:pos x="connsiteX60" y="connsiteY60"/>
-              </a:cxn>
-              <a:cxn ang="0">
-                <a:pos x="connsiteX61" y="connsiteY61"/>
-              </a:cxn>
-              <a:cxn ang="0">
-                <a:pos x="connsiteX62" y="connsiteY62"/>
-              </a:cxn>
-              <a:cxn ang="0">
-                <a:pos x="connsiteX63" y="connsiteY63"/>
-              </a:cxn>
-              <a:cxn ang="0">
-                <a:pos x="connsiteX64" y="connsiteY64"/>
-              </a:cxn>
-              <a:cxn ang="0">
-                <a:pos x="connsiteX65" y="connsiteY65"/>
-              </a:cxn>
-              <a:cxn ang="0">
-                <a:pos x="connsiteX66" y="connsiteY66"/>
-              </a:cxn>
-              <a:cxn ang="0">
-                <a:pos x="connsiteX67" y="connsiteY67"/>
-              </a:cxn>
-              <a:cxn ang="0">
-                <a:pos x="connsiteX68" y="connsiteY68"/>
-              </a:cxn>
-              <a:cxn ang="0">
-                <a:pos x="connsiteX69" y="connsiteY69"/>
-              </a:cxn>
-              <a:cxn ang="0">
-                <a:pos x="connsiteX70" y="connsiteY70"/>
-              </a:cxn>
-              <a:cxn ang="0">
-                <a:pos x="connsiteX71" y="connsiteY71"/>
-              </a:cxn>
-              <a:cxn ang="0">
-                <a:pos x="connsiteX72" y="connsiteY72"/>
-              </a:cxn>
-              <a:cxn ang="0">
-                <a:pos x="connsiteX73" y="connsiteY73"/>
-              </a:cxn>
-              <a:cxn ang="0">
-                <a:pos x="connsiteX74" y="connsiteY74"/>
-              </a:cxn>
-              <a:cxn ang="0">
-                <a:pos x="connsiteX75" y="connsiteY75"/>
-              </a:cxn>
-              <a:cxn ang="0">
-                <a:pos x="connsiteX76" y="connsiteY76"/>
-              </a:cxn>
-              <a:cxn ang="0">
-                <a:pos x="connsiteX77" y="connsiteY77"/>
-              </a:cxn>
-              <a:cxn ang="0">
-                <a:pos x="connsiteX78" y="connsiteY78"/>
-              </a:cxn>
-              <a:cxn ang="0">
-                <a:pos x="connsiteX79" y="connsiteY79"/>
-              </a:cxn>
-              <a:cxn ang="0">
-                <a:pos x="connsiteX80" y="connsiteY80"/>
-              </a:cxn>
-              <a:cxn ang="0">
-                <a:pos x="connsiteX81" y="connsiteY81"/>
-              </a:cxn>
-              <a:cxn ang="0">
-                <a:pos x="connsiteX82" y="connsiteY82"/>
-              </a:cxn>
-              <a:cxn ang="0">
-                <a:pos x="connsiteX83" y="connsiteY83"/>
-              </a:cxn>
-              <a:cxn ang="0">
-                <a:pos x="connsiteX84" y="connsiteY84"/>
-              </a:cxn>
-              <a:cxn ang="0">
-                <a:pos x="connsiteX85" y="connsiteY85"/>
-              </a:cxn>
-              <a:cxn ang="0">
-                <a:pos x="connsiteX86" y="connsiteY86"/>
-              </a:cxn>
-              <a:cxn ang="0">
-                <a:pos x="connsiteX87" y="connsiteY87"/>
-              </a:cxn>
-              <a:cxn ang="0">
-                <a:pos x="connsiteX88" y="connsiteY88"/>
-              </a:cxn>
-              <a:cxn ang="0">
-                <a:pos x="connsiteX89" y="connsiteY89"/>
-              </a:cxn>
-              <a:cxn ang="0">
-                <a:pos x="connsiteX90" y="connsiteY90"/>
-              </a:cxn>
-              <a:cxn ang="0">
-                <a:pos x="connsiteX91" y="connsiteY91"/>
-              </a:cxn>
-              <a:cxn ang="0">
-                <a:pos x="connsiteX92" y="connsiteY92"/>
-              </a:cxn>
-              <a:cxn ang="0">
-                <a:pos x="connsiteX93" y="connsiteY93"/>
-              </a:cxn>
-              <a:cxn ang="0">
-                <a:pos x="connsiteX94" y="connsiteY94"/>
-              </a:cxn>
-              <a:cxn ang="0">
-                <a:pos x="connsiteX95" y="connsiteY95"/>
-              </a:cxn>
-              <a:cxn ang="0">
-                <a:pos x="connsiteX96" y="connsiteY96"/>
-              </a:cxn>
-              <a:cxn ang="0">
-                <a:pos x="connsiteX97" y="connsiteY97"/>
-              </a:cxn>
-              <a:cxn ang="0">
-                <a:pos x="connsiteX98" y="connsiteY98"/>
-              </a:cxn>
-              <a:cxn ang="0">
-                <a:pos x="connsiteX99" y="connsiteY99"/>
-              </a:cxn>
-              <a:cxn ang="0">
-                <a:pos x="connsiteX100" y="connsiteY100"/>
-              </a:cxn>
-              <a:cxn ang="0">
-                <a:pos x="connsiteX101" y="connsiteY101"/>
-              </a:cxn>
-              <a:cxn ang="0">
-                <a:pos x="connsiteX102" y="connsiteY102"/>
-              </a:cxn>
-              <a:cxn ang="0">
-                <a:pos x="connsiteX103" y="connsiteY103"/>
-              </a:cxn>
-              <a:cxn ang="0">
-                <a:pos x="connsiteX104" y="connsiteY104"/>
-              </a:cxn>
-              <a:cxn ang="0">
-                <a:pos x="connsiteX105" y="connsiteY105"/>
-              </a:cxn>
-              <a:cxn ang="0">
-                <a:pos x="connsiteX106" y="connsiteY106"/>
-              </a:cxn>
-              <a:cxn ang="0">
-                <a:pos x="connsiteX107" y="connsiteY107"/>
-              </a:cxn>
-              <a:cxn ang="0">
-                <a:pos x="connsiteX108" y="connsiteY108"/>
-              </a:cxn>
-              <a:cxn ang="0">
-                <a:pos x="connsiteX109" y="connsiteY109"/>
-              </a:cxn>
-              <a:cxn ang="0">
-                <a:pos x="connsiteX110" y="connsiteY110"/>
-              </a:cxn>
-              <a:cxn ang="0">
-                <a:pos x="connsiteX111" y="connsiteY111"/>
-              </a:cxn>
-              <a:cxn ang="0">
-                <a:pos x="connsiteX112" y="connsiteY112"/>
-              </a:cxn>
-              <a:cxn ang="0">
-                <a:pos x="connsiteX113" y="connsiteY113"/>
-              </a:cxn>
-              <a:cxn ang="0">
-                <a:pos x="connsiteX114" y="connsiteY114"/>
-              </a:cxn>
-              <a:cxn ang="0">
-                <a:pos x="connsiteX115" y="connsiteY115"/>
-              </a:cxn>
-              <a:cxn ang="0">
-                <a:pos x="connsiteX116" y="connsiteY116"/>
-              </a:cxn>
-              <a:cxn ang="0">
-                <a:pos x="connsiteX117" y="connsiteY117"/>
-              </a:cxn>
-              <a:cxn ang="0">
-                <a:pos x="connsiteX118" y="connsiteY118"/>
-              </a:cxn>
-              <a:cxn ang="0">
-                <a:pos x="connsiteX119" y="connsiteY119"/>
-              </a:cxn>
-              <a:cxn ang="0">
-                <a:pos x="connsiteX120" y="connsiteY120"/>
-              </a:cxn>
-              <a:cxn ang="0">
-                <a:pos x="connsiteX121" y="connsiteY121"/>
-              </a:cxn>
-              <a:cxn ang="0">
-                <a:pos x="connsiteX122" y="connsiteY122"/>
-              </a:cxn>
-              <a:cxn ang="0">
-                <a:pos x="connsiteX123" y="connsiteY123"/>
-              </a:cxn>
-              <a:cxn ang="0">
-                <a:pos x="connsiteX124" y="connsiteY124"/>
-              </a:cxn>
-              <a:cxn ang="0">
-                <a:pos x="connsiteX125" y="connsiteY125"/>
-              </a:cxn>
-              <a:cxn ang="0">
-                <a:pos x="connsiteX126" y="connsiteY126"/>
-              </a:cxn>
-              <a:cxn ang="0">
-                <a:pos x="connsiteX127" y="connsiteY127"/>
-              </a:cxn>
-              <a:cxn ang="0">
-                <a:pos x="connsiteX128" y="connsiteY128"/>
-              </a:cxn>
-              <a:cxn ang="0">
-                <a:pos x="connsiteX129" y="connsiteY129"/>
-              </a:cxn>
-              <a:cxn ang="0">
-                <a:pos x="connsiteX130" y="connsiteY130"/>
-              </a:cxn>
-              <a:cxn ang="0">
-                <a:pos x="connsiteX131" y="connsiteY131"/>
-              </a:cxn>
-              <a:cxn ang="0">
-                <a:pos x="connsiteX132" y="connsiteY132"/>
-              </a:cxn>
-              <a:cxn ang="0">
-                <a:pos x="connsiteX133" y="connsiteY133"/>
-              </a:cxn>
-              <a:cxn ang="0">
-                <a:pos x="connsiteX134" y="connsiteY134"/>
-              </a:cxn>
-              <a:cxn ang="0">
-                <a:pos x="connsiteX135" y="connsiteY135"/>
-              </a:cxn>
-              <a:cxn ang="0">
-                <a:pos x="connsiteX136" y="connsiteY136"/>
-              </a:cxn>
-              <a:cxn ang="0">
-                <a:pos x="connsiteX137" y="connsiteY137"/>
-              </a:cxn>
-              <a:cxn ang="0">
-                <a:pos x="connsiteX138" y="connsiteY138"/>
-              </a:cxn>
-              <a:cxn ang="0">
-                <a:pos x="connsiteX139" y="connsiteY139"/>
-              </a:cxn>
-              <a:cxn ang="0">
-                <a:pos x="connsiteX140" y="connsiteY140"/>
-              </a:cxn>
-              <a:cxn ang="0">
-                <a:pos x="connsiteX141" y="connsiteY141"/>
-              </a:cxn>
-              <a:cxn ang="0">
-                <a:pos x="connsiteX142" y="connsiteY142"/>
-              </a:cxn>
-              <a:cxn ang="0">
-                <a:pos x="connsiteX143" y="connsiteY143"/>
-              </a:cxn>
-              <a:cxn ang="0">
-                <a:pos x="connsiteX144" y="connsiteY144"/>
-              </a:cxn>
-              <a:cxn ang="0">
-                <a:pos x="connsiteX145" y="connsiteY145"/>
-              </a:cxn>
-              <a:cxn ang="0">
-                <a:pos x="connsiteX146" y="connsiteY146"/>
-              </a:cxn>
-              <a:cxn ang="0">
-                <a:pos x="connsiteX147" y="connsiteY147"/>
-              </a:cxn>
-              <a:cxn ang="0">
-                <a:pos x="connsiteX148" y="connsiteY148"/>
-              </a:cxn>
-              <a:cxn ang="0">
-                <a:pos x="connsiteX149" y="connsiteY149"/>
-              </a:cxn>
-              <a:cxn ang="0">
-                <a:pos x="connsiteX150" y="connsiteY150"/>
-              </a:cxn>
-              <a:cxn ang="0">
-                <a:pos x="connsiteX151" y="connsiteY151"/>
-              </a:cxn>
-              <a:cxn ang="0">
-                <a:pos x="connsiteX152" y="connsiteY152"/>
-              </a:cxn>
-              <a:cxn ang="0">
-                <a:pos x="connsiteX153" y="connsiteY153"/>
-              </a:cxn>
-            </a:cxnLst>
-            <a:rect l="l" t="t" r="r" b="b"/>
-            <a:pathLst>
-              <a:path w="6939815" h="3811604">
-                <a:moveTo>
-                  <a:pt x="0" y="385011"/>
-                </a:moveTo>
-                <a:lnTo>
-                  <a:pt x="96253" y="356135"/>
-                </a:lnTo>
-                <a:cubicBezTo>
-                  <a:pt x="105950" y="353151"/>
-                  <a:pt x="114982" y="346510"/>
-                  <a:pt x="125128" y="346510"/>
-                </a:cubicBezTo>
-                <a:cubicBezTo>
-                  <a:pt x="166961" y="346510"/>
-                  <a:pt x="208547" y="352927"/>
-                  <a:pt x="250257" y="356135"/>
-                </a:cubicBezTo>
-                <a:cubicBezTo>
-                  <a:pt x="265358" y="363685"/>
-                  <a:pt x="304028" y="381030"/>
-                  <a:pt x="317634" y="394636"/>
-                </a:cubicBezTo>
-                <a:cubicBezTo>
-                  <a:pt x="325814" y="402816"/>
-                  <a:pt x="328704" y="415332"/>
-                  <a:pt x="336884" y="423512"/>
-                </a:cubicBezTo>
-                <a:cubicBezTo>
-                  <a:pt x="355542" y="442170"/>
-                  <a:pt x="371152" y="444559"/>
-                  <a:pt x="394636" y="452387"/>
-                </a:cubicBezTo>
-                <a:cubicBezTo>
-                  <a:pt x="404261" y="458804"/>
-                  <a:pt x="412879" y="467081"/>
-                  <a:pt x="423512" y="471638"/>
-                </a:cubicBezTo>
-                <a:cubicBezTo>
-                  <a:pt x="435671" y="476849"/>
-                  <a:pt x="450527" y="474700"/>
-                  <a:pt x="462013" y="481263"/>
-                </a:cubicBezTo>
-                <a:cubicBezTo>
-                  <a:pt x="551215" y="532236"/>
-                  <a:pt x="428145" y="494454"/>
-                  <a:pt x="529389" y="519764"/>
-                </a:cubicBezTo>
-                <a:cubicBezTo>
-                  <a:pt x="583932" y="513347"/>
-                  <a:pt x="638651" y="508281"/>
-                  <a:pt x="693019" y="500514"/>
-                </a:cubicBezTo>
-                <a:cubicBezTo>
-                  <a:pt x="706115" y="498643"/>
-                  <a:pt x="719134" y="495533"/>
-                  <a:pt x="731520" y="490888"/>
-                </a:cubicBezTo>
-                <a:cubicBezTo>
-                  <a:pt x="767418" y="477426"/>
-                  <a:pt x="795648" y="453580"/>
-                  <a:pt x="827773" y="433137"/>
-                </a:cubicBezTo>
-                <a:cubicBezTo>
-                  <a:pt x="843556" y="423093"/>
-                  <a:pt x="862670" y="417490"/>
-                  <a:pt x="875899" y="404261"/>
-                </a:cubicBezTo>
-                <a:cubicBezTo>
-                  <a:pt x="885524" y="394636"/>
-                  <a:pt x="892336" y="380913"/>
-                  <a:pt x="904775" y="375385"/>
-                </a:cubicBezTo>
-                <a:cubicBezTo>
-                  <a:pt x="922609" y="367459"/>
-                  <a:pt x="943475" y="369993"/>
-                  <a:pt x="962526" y="365760"/>
-                </a:cubicBezTo>
-                <a:cubicBezTo>
-                  <a:pt x="972430" y="363559"/>
-                  <a:pt x="981559" y="358596"/>
-                  <a:pt x="991402" y="356135"/>
-                </a:cubicBezTo>
-                <a:cubicBezTo>
-                  <a:pt x="1047065" y="342220"/>
-                  <a:pt x="1037230" y="349752"/>
-                  <a:pt x="1097280" y="336884"/>
-                </a:cubicBezTo>
-                <a:cubicBezTo>
-                  <a:pt x="1123150" y="331340"/>
-                  <a:pt x="1148995" y="325415"/>
-                  <a:pt x="1174282" y="317634"/>
-                </a:cubicBezTo>
-                <a:cubicBezTo>
-                  <a:pt x="1190796" y="312553"/>
-                  <a:pt x="1205739" y="302929"/>
-                  <a:pt x="1222408" y="298383"/>
-                </a:cubicBezTo>
-                <a:cubicBezTo>
-                  <a:pt x="1252109" y="290283"/>
-                  <a:pt x="1345185" y="281533"/>
-                  <a:pt x="1366787" y="279133"/>
-                </a:cubicBezTo>
-                <a:cubicBezTo>
-                  <a:pt x="1405288" y="282341"/>
-                  <a:pt x="1444961" y="278803"/>
-                  <a:pt x="1482291" y="288758"/>
-                </a:cubicBezTo>
-                <a:cubicBezTo>
-                  <a:pt x="1495443" y="292265"/>
-                  <a:pt x="1502202" y="307390"/>
-                  <a:pt x="1511166" y="317634"/>
-                </a:cubicBezTo>
-                <a:cubicBezTo>
-                  <a:pt x="1577590" y="393548"/>
-                  <a:pt x="1526519" y="336521"/>
-                  <a:pt x="1578543" y="433137"/>
-                </a:cubicBezTo>
-                <a:cubicBezTo>
-                  <a:pt x="1603500" y="479485"/>
-                  <a:pt x="1620033" y="484671"/>
-                  <a:pt x="1636295" y="529390"/>
-                </a:cubicBezTo>
-                <a:cubicBezTo>
-                  <a:pt x="1644277" y="551341"/>
-                  <a:pt x="1647829" y="574720"/>
-                  <a:pt x="1655545" y="596766"/>
-                </a:cubicBezTo>
-                <a:cubicBezTo>
-                  <a:pt x="1670308" y="638945"/>
-                  <a:pt x="1687475" y="680245"/>
-                  <a:pt x="1703672" y="721895"/>
-                </a:cubicBezTo>
-                <a:cubicBezTo>
-                  <a:pt x="1703719" y="722015"/>
-                  <a:pt x="1742125" y="818028"/>
-                  <a:pt x="1742173" y="818147"/>
-                </a:cubicBezTo>
-                <a:cubicBezTo>
-                  <a:pt x="1748590" y="834189"/>
-                  <a:pt x="1751261" y="852301"/>
-                  <a:pt x="1761423" y="866274"/>
-                </a:cubicBezTo>
-                <a:cubicBezTo>
-                  <a:pt x="1852797" y="991913"/>
-                  <a:pt x="1821234" y="932041"/>
-                  <a:pt x="1867301" y="1039528"/>
-                </a:cubicBezTo>
-                <a:cubicBezTo>
-                  <a:pt x="1870509" y="1065196"/>
-                  <a:pt x="1872993" y="1090964"/>
-                  <a:pt x="1876926" y="1116531"/>
-                </a:cubicBezTo>
-                <a:cubicBezTo>
-                  <a:pt x="1879414" y="1132701"/>
-                  <a:pt x="1886552" y="1148297"/>
-                  <a:pt x="1886552" y="1164657"/>
-                </a:cubicBezTo>
-                <a:cubicBezTo>
-                  <a:pt x="1886552" y="1200095"/>
-                  <a:pt x="1882183" y="1235489"/>
-                  <a:pt x="1876926" y="1270535"/>
-                </a:cubicBezTo>
-                <a:cubicBezTo>
-                  <a:pt x="1867136" y="1335802"/>
-                  <a:pt x="1848854" y="1394058"/>
-                  <a:pt x="1819175" y="1453415"/>
-                </a:cubicBezTo>
-                <a:cubicBezTo>
-                  <a:pt x="1786424" y="1518917"/>
-                  <a:pt x="1748674" y="1581798"/>
-                  <a:pt x="1713297" y="1645920"/>
-                </a:cubicBezTo>
-                <a:cubicBezTo>
-                  <a:pt x="1697340" y="1674843"/>
-                  <a:pt x="1678840" y="1702475"/>
-                  <a:pt x="1665171" y="1732547"/>
-                </a:cubicBezTo>
-                <a:cubicBezTo>
-                  <a:pt x="1651458" y="1762715"/>
-                  <a:pt x="1616646" y="1849937"/>
-                  <a:pt x="1588168" y="1886552"/>
-                </a:cubicBezTo>
-                <a:cubicBezTo>
-                  <a:pt x="1553207" y="1931503"/>
-                  <a:pt x="1448207" y="2056272"/>
-                  <a:pt x="1395663" y="2098307"/>
-                </a:cubicBezTo>
-                <a:cubicBezTo>
-                  <a:pt x="1346505" y="2137634"/>
-                  <a:pt x="1343640" y="2137020"/>
-                  <a:pt x="1299411" y="2184935"/>
-                </a:cubicBezTo>
-                <a:cubicBezTo>
-                  <a:pt x="1072165" y="2431120"/>
-                  <a:pt x="1357287" y="2118775"/>
-                  <a:pt x="1193533" y="2329314"/>
-                </a:cubicBezTo>
-                <a:cubicBezTo>
-                  <a:pt x="1186431" y="2338445"/>
-                  <a:pt x="1173544" y="2341158"/>
-                  <a:pt x="1164657" y="2348564"/>
-                </a:cubicBezTo>
-                <a:cubicBezTo>
-                  <a:pt x="1154200" y="2357278"/>
-                  <a:pt x="1145899" y="2368334"/>
-                  <a:pt x="1135781" y="2377440"/>
-                </a:cubicBezTo>
-                <a:cubicBezTo>
-                  <a:pt x="1113794" y="2397228"/>
-                  <a:pt x="1091502" y="2416713"/>
-                  <a:pt x="1068404" y="2435192"/>
-                </a:cubicBezTo>
-                <a:cubicBezTo>
-                  <a:pt x="1059371" y="2442419"/>
-                  <a:pt x="1048884" y="2447638"/>
-                  <a:pt x="1039528" y="2454442"/>
-                </a:cubicBezTo>
-                <a:cubicBezTo>
-                  <a:pt x="1018600" y="2469662"/>
-                  <a:pt x="965668" y="2512234"/>
-                  <a:pt x="933651" y="2531444"/>
-                </a:cubicBezTo>
-                <a:cubicBezTo>
-                  <a:pt x="887079" y="2559387"/>
-                  <a:pt x="819456" y="2592863"/>
-                  <a:pt x="779646" y="2627697"/>
-                </a:cubicBezTo>
-                <a:lnTo>
-                  <a:pt x="702644" y="2695074"/>
-                </a:lnTo>
-                <a:cubicBezTo>
-                  <a:pt x="696227" y="2707908"/>
-                  <a:pt x="693540" y="2723429"/>
-                  <a:pt x="683394" y="2733575"/>
-                </a:cubicBezTo>
-                <a:cubicBezTo>
-                  <a:pt x="668228" y="2748741"/>
-                  <a:pt x="592045" y="2797621"/>
-                  <a:pt x="567891" y="2829827"/>
-                </a:cubicBezTo>
-                <a:cubicBezTo>
-                  <a:pt x="556666" y="2844794"/>
-                  <a:pt x="549664" y="2862572"/>
-                  <a:pt x="539015" y="2877954"/>
-                </a:cubicBezTo>
-                <a:cubicBezTo>
-                  <a:pt x="539009" y="2877963"/>
-                  <a:pt x="466828" y="2974202"/>
-                  <a:pt x="452387" y="2993457"/>
-                </a:cubicBezTo>
-                <a:cubicBezTo>
-                  <a:pt x="442762" y="3006291"/>
-                  <a:pt x="432411" y="3018610"/>
-                  <a:pt x="423512" y="3031958"/>
-                </a:cubicBezTo>
-                <a:cubicBezTo>
-                  <a:pt x="356911" y="3131857"/>
-                  <a:pt x="458291" y="2977203"/>
-                  <a:pt x="385011" y="3099335"/>
-                </a:cubicBezTo>
-                <a:cubicBezTo>
-                  <a:pt x="373107" y="3119174"/>
-                  <a:pt x="356856" y="3136392"/>
-                  <a:pt x="346509" y="3157086"/>
-                </a:cubicBezTo>
-                <a:cubicBezTo>
-                  <a:pt x="311834" y="3226435"/>
-                  <a:pt x="284932" y="3299493"/>
-                  <a:pt x="250257" y="3368842"/>
-                </a:cubicBezTo>
-                <a:lnTo>
-                  <a:pt x="231006" y="3407343"/>
-                </a:lnTo>
-                <a:cubicBezTo>
-                  <a:pt x="215006" y="3471344"/>
-                  <a:pt x="214196" y="3439089"/>
-                  <a:pt x="259882" y="3522846"/>
-                </a:cubicBezTo>
-                <a:cubicBezTo>
-                  <a:pt x="265422" y="3533002"/>
-                  <a:pt x="269089" y="3545983"/>
-                  <a:pt x="279133" y="3551722"/>
-                </a:cubicBezTo>
-                <a:cubicBezTo>
-                  <a:pt x="293337" y="3559839"/>
-                  <a:pt x="311289" y="3557798"/>
-                  <a:pt x="327259" y="3561347"/>
-                </a:cubicBezTo>
-                <a:cubicBezTo>
-                  <a:pt x="340173" y="3564217"/>
-                  <a:pt x="352926" y="3567764"/>
-                  <a:pt x="365760" y="3570973"/>
-                </a:cubicBezTo>
-                <a:cubicBezTo>
-                  <a:pt x="433482" y="3616120"/>
-                  <a:pt x="347606" y="3564164"/>
-                  <a:pt x="442762" y="3599848"/>
-                </a:cubicBezTo>
-                <a:cubicBezTo>
-                  <a:pt x="453594" y="3603910"/>
-                  <a:pt x="461828" y="3612968"/>
-                  <a:pt x="471638" y="3619099"/>
-                </a:cubicBezTo>
-                <a:cubicBezTo>
-                  <a:pt x="487502" y="3629014"/>
-                  <a:pt x="503981" y="3637931"/>
-                  <a:pt x="519764" y="3647975"/>
-                </a:cubicBezTo>
-                <a:cubicBezTo>
-                  <a:pt x="539283" y="3660396"/>
-                  <a:pt x="557677" y="3674572"/>
-                  <a:pt x="577516" y="3686476"/>
-                </a:cubicBezTo>
-                <a:cubicBezTo>
-                  <a:pt x="621878" y="3713093"/>
-                  <a:pt x="661767" y="3752256"/>
-                  <a:pt x="712269" y="3763478"/>
-                </a:cubicBezTo>
-                <a:cubicBezTo>
-                  <a:pt x="741145" y="3769895"/>
-                  <a:pt x="770200" y="3775554"/>
-                  <a:pt x="798897" y="3782728"/>
-                </a:cubicBezTo>
-                <a:cubicBezTo>
-                  <a:pt x="821557" y="3788393"/>
-                  <a:pt x="843272" y="3797920"/>
-                  <a:pt x="866274" y="3801979"/>
-                </a:cubicBezTo>
-                <a:cubicBezTo>
-                  <a:pt x="898027" y="3807583"/>
-                  <a:pt x="930442" y="3808396"/>
-                  <a:pt x="962526" y="3811604"/>
-                </a:cubicBezTo>
-                <a:cubicBezTo>
-                  <a:pt x="1007444" y="3798770"/>
-                  <a:pt x="1054342" y="3791505"/>
-                  <a:pt x="1097280" y="3773103"/>
-                </a:cubicBezTo>
-                <a:cubicBezTo>
-                  <a:pt x="1122648" y="3762231"/>
-                  <a:pt x="1140990" y="3739177"/>
-                  <a:pt x="1164657" y="3724977"/>
-                </a:cubicBezTo>
-                <a:cubicBezTo>
-                  <a:pt x="1189264" y="3710213"/>
-                  <a:pt x="1216924" y="3701026"/>
-                  <a:pt x="1241659" y="3686476"/>
-                </a:cubicBezTo>
-                <a:cubicBezTo>
-                  <a:pt x="1271572" y="3668880"/>
-                  <a:pt x="1298857" y="3647117"/>
-                  <a:pt x="1328286" y="3628724"/>
-                </a:cubicBezTo>
-                <a:cubicBezTo>
-                  <a:pt x="1350221" y="3615014"/>
-                  <a:pt x="1374693" y="3605368"/>
-                  <a:pt x="1395663" y="3590223"/>
-                </a:cubicBezTo>
-                <a:cubicBezTo>
-                  <a:pt x="1432630" y="3563525"/>
-                  <a:pt x="1463599" y="3528890"/>
-                  <a:pt x="1501541" y="3503596"/>
-                </a:cubicBezTo>
-                <a:cubicBezTo>
-                  <a:pt x="1559225" y="3465140"/>
-                  <a:pt x="1567138" y="3467765"/>
-                  <a:pt x="1607419" y="3407343"/>
-                </a:cubicBezTo>
-                <a:cubicBezTo>
-                  <a:pt x="1619358" y="3389435"/>
-                  <a:pt x="1626091" y="3368542"/>
-                  <a:pt x="1636295" y="3349592"/>
-                </a:cubicBezTo>
-                <a:cubicBezTo>
-                  <a:pt x="1744875" y="3147945"/>
-                  <a:pt x="1580400" y="3494311"/>
-                  <a:pt x="1799924" y="3022333"/>
-                </a:cubicBezTo>
-                <a:cubicBezTo>
-                  <a:pt x="1944674" y="2711120"/>
-                  <a:pt x="1815836" y="2971256"/>
-                  <a:pt x="1896177" y="2810577"/>
-                </a:cubicBezTo>
-                <a:cubicBezTo>
-                  <a:pt x="1925791" y="2692118"/>
-                  <a:pt x="1871622" y="2896967"/>
-                  <a:pt x="1944303" y="2695074"/>
-                </a:cubicBezTo>
-                <a:cubicBezTo>
-                  <a:pt x="1963560" y="2641581"/>
-                  <a:pt x="1973119" y="2584918"/>
-                  <a:pt x="1992429" y="2531444"/>
-                </a:cubicBezTo>
-                <a:cubicBezTo>
-                  <a:pt x="2014894" y="2469233"/>
-                  <a:pt x="2045458" y="2410210"/>
-                  <a:pt x="2069432" y="2348564"/>
-                </a:cubicBezTo>
-                <a:cubicBezTo>
-                  <a:pt x="2090396" y="2294656"/>
-                  <a:pt x="2106303" y="2238875"/>
-                  <a:pt x="2127183" y="2184935"/>
-                </a:cubicBezTo>
-                <a:cubicBezTo>
-                  <a:pt x="2144825" y="2139361"/>
-                  <a:pt x="2164456" y="2094552"/>
-                  <a:pt x="2184935" y="2050181"/>
-                </a:cubicBezTo>
-                <a:cubicBezTo>
-                  <a:pt x="2202973" y="2011098"/>
-                  <a:pt x="2227572" y="1974983"/>
-                  <a:pt x="2242686" y="1934678"/>
-                </a:cubicBezTo>
-                <a:cubicBezTo>
-                  <a:pt x="2256621" y="1897519"/>
-                  <a:pt x="2260659" y="1857334"/>
-                  <a:pt x="2271562" y="1819175"/>
-                </a:cubicBezTo>
-                <a:cubicBezTo>
-                  <a:pt x="2303509" y="1707360"/>
-                  <a:pt x="2299941" y="1759466"/>
-                  <a:pt x="2319688" y="1645920"/>
-                </a:cubicBezTo>
-                <a:cubicBezTo>
-                  <a:pt x="2345442" y="1497833"/>
-                  <a:pt x="2333666" y="1539367"/>
-                  <a:pt x="2348564" y="1405288"/>
-                </a:cubicBezTo>
-                <a:cubicBezTo>
-                  <a:pt x="2357485" y="1324996"/>
-                  <a:pt x="2366015" y="1244631"/>
-                  <a:pt x="2377440" y="1164657"/>
-                </a:cubicBezTo>
-                <a:cubicBezTo>
-                  <a:pt x="2397170" y="1026540"/>
-                  <a:pt x="2374715" y="1174835"/>
-                  <a:pt x="2406316" y="1001027"/>
-                </a:cubicBezTo>
-                <a:cubicBezTo>
-                  <a:pt x="2413298" y="962625"/>
-                  <a:pt x="2415632" y="923271"/>
-                  <a:pt x="2425566" y="885524"/>
-                </a:cubicBezTo>
-                <a:cubicBezTo>
-                  <a:pt x="2441608" y="824564"/>
-                  <a:pt x="2455580" y="763021"/>
-                  <a:pt x="2473693" y="702644"/>
-                </a:cubicBezTo>
-                <a:cubicBezTo>
-                  <a:pt x="2483318" y="670560"/>
-                  <a:pt x="2493603" y="638667"/>
-                  <a:pt x="2502568" y="606392"/>
-                </a:cubicBezTo>
-                <a:cubicBezTo>
-                  <a:pt x="2537578" y="480357"/>
-                  <a:pt x="2519976" y="490691"/>
-                  <a:pt x="2589196" y="317634"/>
-                </a:cubicBezTo>
-                <a:cubicBezTo>
-                  <a:pt x="2595613" y="301592"/>
-                  <a:pt x="2602379" y="285685"/>
-                  <a:pt x="2608446" y="269507"/>
-                </a:cubicBezTo>
-                <a:cubicBezTo>
-                  <a:pt x="2612008" y="260007"/>
-                  <a:pt x="2613038" y="249441"/>
-                  <a:pt x="2618072" y="240632"/>
-                </a:cubicBezTo>
-                <a:cubicBezTo>
-                  <a:pt x="2626031" y="226704"/>
-                  <a:pt x="2637623" y="215185"/>
-                  <a:pt x="2646947" y="202131"/>
-                </a:cubicBezTo>
-                <a:cubicBezTo>
-                  <a:pt x="2653671" y="192717"/>
-                  <a:pt x="2658669" y="182038"/>
-                  <a:pt x="2666198" y="173255"/>
-                </a:cubicBezTo>
-                <a:cubicBezTo>
-                  <a:pt x="2678010" y="159475"/>
-                  <a:pt x="2692558" y="148244"/>
-                  <a:pt x="2704699" y="134754"/>
-                </a:cubicBezTo>
-                <a:cubicBezTo>
-                  <a:pt x="2739082" y="96551"/>
-                  <a:pt x="2771581" y="38583"/>
-                  <a:pt x="2829827" y="28876"/>
-                </a:cubicBezTo>
-                <a:lnTo>
-                  <a:pt x="2887579" y="19251"/>
-                </a:lnTo>
-                <a:cubicBezTo>
-                  <a:pt x="2910002" y="15801"/>
-                  <a:pt x="2932635" y="13683"/>
-                  <a:pt x="2954956" y="9625"/>
-                </a:cubicBezTo>
-                <a:cubicBezTo>
-                  <a:pt x="2967971" y="7259"/>
-                  <a:pt x="2980623" y="3208"/>
-                  <a:pt x="2993457" y="0"/>
-                </a:cubicBezTo>
-                <a:cubicBezTo>
-                  <a:pt x="3021076" y="2762"/>
-                  <a:pt x="3083893" y="1905"/>
-                  <a:pt x="3118585" y="19251"/>
-                </a:cubicBezTo>
-                <a:cubicBezTo>
-                  <a:pt x="3154177" y="37047"/>
-                  <a:pt x="3165030" y="48279"/>
-                  <a:pt x="3195587" y="67377"/>
-                </a:cubicBezTo>
-                <a:cubicBezTo>
-                  <a:pt x="3259871" y="107555"/>
-                  <a:pt x="3232701" y="86619"/>
-                  <a:pt x="3301465" y="134754"/>
-                </a:cubicBezTo>
-                <a:cubicBezTo>
-                  <a:pt x="3314607" y="143954"/>
-                  <a:pt x="3327893" y="153066"/>
-                  <a:pt x="3339966" y="163630"/>
-                </a:cubicBezTo>
-                <a:cubicBezTo>
-                  <a:pt x="3353625" y="175582"/>
-                  <a:pt x="3363947" y="191241"/>
-                  <a:pt x="3378467" y="202131"/>
-                </a:cubicBezTo>
-                <a:cubicBezTo>
-                  <a:pt x="3389946" y="210740"/>
-                  <a:pt x="3405029" y="213422"/>
-                  <a:pt x="3416968" y="221381"/>
-                </a:cubicBezTo>
-                <a:cubicBezTo>
-                  <a:pt x="3434062" y="232777"/>
-                  <a:pt x="3450568" y="245355"/>
-                  <a:pt x="3465095" y="259882"/>
-                </a:cubicBezTo>
-                <a:cubicBezTo>
-                  <a:pt x="3482677" y="277464"/>
-                  <a:pt x="3522797" y="365661"/>
-                  <a:pt x="3522846" y="365760"/>
-                </a:cubicBezTo>
-                <a:cubicBezTo>
-                  <a:pt x="3526055" y="391427"/>
-                  <a:pt x="3527052" y="417469"/>
-                  <a:pt x="3532472" y="442762"/>
-                </a:cubicBezTo>
-                <a:cubicBezTo>
-                  <a:pt x="3536724" y="462603"/>
-                  <a:pt x="3545305" y="481263"/>
-                  <a:pt x="3551722" y="500514"/>
-                </a:cubicBezTo>
-                <a:cubicBezTo>
-                  <a:pt x="3554930" y="510139"/>
-                  <a:pt x="3552905" y="523762"/>
-                  <a:pt x="3561347" y="529390"/>
-                </a:cubicBezTo>
-                <a:cubicBezTo>
-                  <a:pt x="3570972" y="535807"/>
-                  <a:pt x="3581336" y="541234"/>
-                  <a:pt x="3590223" y="548640"/>
-                </a:cubicBezTo>
-                <a:cubicBezTo>
-                  <a:pt x="3600680" y="557354"/>
-                  <a:pt x="3607556" y="570302"/>
-                  <a:pt x="3619099" y="577516"/>
-                </a:cubicBezTo>
-                <a:cubicBezTo>
-                  <a:pt x="3633750" y="586673"/>
-                  <a:pt x="3651183" y="590349"/>
-                  <a:pt x="3667225" y="596766"/>
-                </a:cubicBezTo>
-                <a:cubicBezTo>
-                  <a:pt x="3676850" y="609600"/>
-                  <a:pt x="3683921" y="624827"/>
-                  <a:pt x="3696101" y="635267"/>
-                </a:cubicBezTo>
-                <a:cubicBezTo>
-                  <a:pt x="3706995" y="644605"/>
-                  <a:pt x="3722435" y="646913"/>
-                  <a:pt x="3734602" y="654518"/>
-                </a:cubicBezTo>
-                <a:cubicBezTo>
-                  <a:pt x="3748206" y="663020"/>
-                  <a:pt x="3759569" y="674781"/>
-                  <a:pt x="3773103" y="683394"/>
-                </a:cubicBezTo>
-                <a:cubicBezTo>
-                  <a:pt x="3794926" y="697281"/>
-                  <a:pt x="3818021" y="709061"/>
-                  <a:pt x="3840480" y="721895"/>
-                </a:cubicBezTo>
-                <a:cubicBezTo>
-                  <a:pt x="3901440" y="718687"/>
-                  <a:pt x="3962545" y="717558"/>
-                  <a:pt x="4023360" y="712270"/>
-                </a:cubicBezTo>
-                <a:cubicBezTo>
-                  <a:pt x="4036539" y="711124"/>
-                  <a:pt x="4049773" y="708017"/>
-                  <a:pt x="4061861" y="702644"/>
-                </a:cubicBezTo>
-                <a:cubicBezTo>
-                  <a:pt x="4139023" y="668349"/>
-                  <a:pt x="4120743" y="638664"/>
-                  <a:pt x="4225491" y="596766"/>
-                </a:cubicBezTo>
-                <a:cubicBezTo>
-                  <a:pt x="4291737" y="570268"/>
-                  <a:pt x="4256574" y="580356"/>
-                  <a:pt x="4331368" y="567891"/>
-                </a:cubicBezTo>
-                <a:cubicBezTo>
-                  <a:pt x="4439653" y="531795"/>
-                  <a:pt x="4346526" y="557650"/>
-                  <a:pt x="4514248" y="539015"/>
-                </a:cubicBezTo>
-                <a:cubicBezTo>
-                  <a:pt x="4530508" y="537208"/>
-                  <a:pt x="4546205" y="531878"/>
-                  <a:pt x="4562375" y="529390"/>
-                </a:cubicBezTo>
-                <a:cubicBezTo>
-                  <a:pt x="4587941" y="525457"/>
-                  <a:pt x="4613710" y="522973"/>
-                  <a:pt x="4639377" y="519764"/>
-                </a:cubicBezTo>
-                <a:cubicBezTo>
-                  <a:pt x="4681086" y="522973"/>
-                  <a:pt x="4722959" y="524502"/>
-                  <a:pt x="4764505" y="529390"/>
-                </a:cubicBezTo>
-                <a:cubicBezTo>
-                  <a:pt x="4777643" y="530936"/>
-                  <a:pt x="4789832" y="537817"/>
-                  <a:pt x="4803006" y="539015"/>
-                </a:cubicBezTo>
-                <a:cubicBezTo>
-                  <a:pt x="4860609" y="544252"/>
-                  <a:pt x="4918509" y="545432"/>
-                  <a:pt x="4976261" y="548640"/>
-                </a:cubicBezTo>
-                <a:cubicBezTo>
-                  <a:pt x="4995512" y="551848"/>
-                  <a:pt x="5015498" y="552093"/>
-                  <a:pt x="5034013" y="558265"/>
-                </a:cubicBezTo>
-                <a:cubicBezTo>
-                  <a:pt x="5048793" y="563192"/>
-                  <a:pt x="5102514" y="590856"/>
-                  <a:pt x="5120640" y="606392"/>
-                </a:cubicBezTo>
-                <a:cubicBezTo>
-                  <a:pt x="5134420" y="618204"/>
-                  <a:pt x="5147329" y="631113"/>
-                  <a:pt x="5159141" y="644893"/>
-                </a:cubicBezTo>
-                <a:cubicBezTo>
-                  <a:pt x="5166669" y="653676"/>
-                  <a:pt x="5169505" y="666362"/>
-                  <a:pt x="5178392" y="673768"/>
-                </a:cubicBezTo>
-                <a:cubicBezTo>
-                  <a:pt x="5189415" y="682954"/>
-                  <a:pt x="5204059" y="686602"/>
-                  <a:pt x="5216893" y="693019"/>
-                </a:cubicBezTo>
-                <a:cubicBezTo>
-                  <a:pt x="5226518" y="702644"/>
-                  <a:pt x="5236804" y="711651"/>
-                  <a:pt x="5245768" y="721895"/>
-                </a:cubicBezTo>
-                <a:cubicBezTo>
-                  <a:pt x="5259296" y="737356"/>
-                  <a:pt x="5268808" y="756493"/>
-                  <a:pt x="5284269" y="770021"/>
-                </a:cubicBezTo>
-                <a:cubicBezTo>
-                  <a:pt x="5295068" y="779470"/>
-                  <a:pt x="5309937" y="782855"/>
-                  <a:pt x="5322771" y="789272"/>
-                </a:cubicBezTo>
-                <a:cubicBezTo>
-                  <a:pt x="5366292" y="854553"/>
-                  <a:pt x="5310123" y="776623"/>
-                  <a:pt x="5390147" y="856648"/>
-                </a:cubicBezTo>
-                <a:cubicBezTo>
-                  <a:pt x="5455130" y="921631"/>
-                  <a:pt x="5389093" y="869380"/>
-                  <a:pt x="5438274" y="924025"/>
-                </a:cubicBezTo>
-                <a:cubicBezTo>
-                  <a:pt x="5502176" y="995026"/>
-                  <a:pt x="5478921" y="982492"/>
-                  <a:pt x="5534526" y="1001027"/>
-                </a:cubicBezTo>
-                <a:cubicBezTo>
-                  <a:pt x="5550568" y="1020278"/>
-                  <a:pt x="5563085" y="1043125"/>
-                  <a:pt x="5582653" y="1058779"/>
-                </a:cubicBezTo>
-                <a:cubicBezTo>
-                  <a:pt x="5596145" y="1069572"/>
-                  <a:pt x="5615325" y="1070303"/>
-                  <a:pt x="5630779" y="1078030"/>
-                </a:cubicBezTo>
-                <a:cubicBezTo>
-                  <a:pt x="5641126" y="1083203"/>
-                  <a:pt x="5649022" y="1092723"/>
-                  <a:pt x="5659655" y="1097280"/>
-                </a:cubicBezTo>
-                <a:cubicBezTo>
-                  <a:pt x="5671814" y="1102491"/>
-                  <a:pt x="5685436" y="1103271"/>
-                  <a:pt x="5698156" y="1106905"/>
-                </a:cubicBezTo>
-                <a:cubicBezTo>
-                  <a:pt x="5707912" y="1109692"/>
-                  <a:pt x="5717407" y="1113322"/>
-                  <a:pt x="5727032" y="1116531"/>
-                </a:cubicBezTo>
-                <a:cubicBezTo>
-                  <a:pt x="5792755" y="1111475"/>
-                  <a:pt x="5990054" y="1121395"/>
-                  <a:pt x="6073541" y="1058779"/>
-                </a:cubicBezTo>
-                <a:lnTo>
-                  <a:pt x="6150543" y="1001027"/>
-                </a:lnTo>
-                <a:cubicBezTo>
-                  <a:pt x="6163377" y="991402"/>
-                  <a:pt x="6176381" y="982001"/>
-                  <a:pt x="6189044" y="972152"/>
-                </a:cubicBezTo>
-                <a:cubicBezTo>
-                  <a:pt x="6205261" y="959539"/>
-                  <a:pt x="6220077" y="945047"/>
-                  <a:pt x="6237171" y="933651"/>
-                </a:cubicBezTo>
-                <a:cubicBezTo>
-                  <a:pt x="6282913" y="903156"/>
-                  <a:pt x="6312325" y="881635"/>
-                  <a:pt x="6362299" y="856648"/>
-                </a:cubicBezTo>
-                <a:cubicBezTo>
-                  <a:pt x="6384154" y="845721"/>
-                  <a:pt x="6406376" y="835131"/>
-                  <a:pt x="6429676" y="827773"/>
-                </a:cubicBezTo>
-                <a:cubicBezTo>
-                  <a:pt x="6547744" y="790489"/>
-                  <a:pt x="6529022" y="803323"/>
-                  <a:pt x="6641432" y="789272"/>
-                </a:cubicBezTo>
-                <a:cubicBezTo>
-                  <a:pt x="6857149" y="762307"/>
-                  <a:pt x="6698393" y="770021"/>
-                  <a:pt x="6939815" y="770021"/>
-                </a:cubicBezTo>
-              </a:path>
-            </a:pathLst>
-          </a:custGeom>
-          <a:noFill/>
-          <a:ln w="63500">
-            <a:solidFill>
-              <a:srgbClr val="0070C0"/>
-            </a:solidFill>
-            <a:tailEnd type="triangle"/>
-          </a:ln>
-        </p:spPr>
-        <p:style>
-          <a:lnRef idx="2">
-            <a:schemeClr val="accent1">
-              <a:shade val="50000"/>
-            </a:schemeClr>
-          </a:lnRef>
-          <a:fillRef idx="1">
-            <a:schemeClr val="accent1"/>
-          </a:fillRef>
-          <a:effectRef idx="0">
-            <a:schemeClr val="accent1"/>
-          </a:effectRef>
-          <a:fontRef idx="minor">
-            <a:schemeClr val="lt1"/>
-          </a:fontRef>
-        </p:style>
-        <p:txBody>
-          <a:bodyPr rtlCol="0" anchor="ctr"/>
-          <a:lstStyle/>
-          <a:p>
-            <a:pPr algn="ctr"/>
-            <a:endParaRPr lang="ko-KR" altLang="en-US"/>
-          </a:p>
-        </p:txBody>
-      </p:sp>
     </p:spTree>
     <p:extLst>
       <p:ext uri="{BB962C8B-B14F-4D97-AF65-F5344CB8AC3E}">
@@ -11881,12 +11307,110 @@
           <a:chExt cx="0" cy="0"/>
         </a:xfrm>
       </p:grpSpPr>
+      <p:sp>
+        <p:nvSpPr>
+          <p:cNvPr id="2" name="제목 1"/>
+          <p:cNvSpPr>
+            <a:spLocks noGrp="1"/>
+          </p:cNvSpPr>
+          <p:nvPr>
+            <p:ph type="title"/>
+          </p:nvPr>
+        </p:nvSpPr>
+        <p:spPr/>
+        <p:txBody>
+          <a:bodyPr/>
+          <a:lstStyle/>
+          <a:p>
+            <a:r>
+              <a:rPr kumimoji="1" lang="ko-KR" altLang="en-US" dirty="0"/>
+              <a:t>시나리오 </a:t>
+            </a:r>
+            <a:r>
+              <a:rPr kumimoji="1" lang="en-US" altLang="ko-KR" dirty="0"/>
+              <a:t>Coverage Check (2)</a:t>
+            </a:r>
+            <a:endParaRPr kumimoji="1" lang="ko-KR" altLang="en-US" dirty="0"/>
+          </a:p>
+        </p:txBody>
+      </p:sp>
+      <p:sp>
+        <p:nvSpPr>
+          <p:cNvPr id="11" name="내용 개체 틀 2">
+            <a:extLst>
+              <a:ext uri="{FF2B5EF4-FFF2-40B4-BE49-F238E27FC236}">
+                <a16:creationId xmlns:a16="http://schemas.microsoft.com/office/drawing/2014/main" id="{E127838B-F674-4CF1-AD75-4826E31D74B8}"/>
+              </a:ext>
+            </a:extLst>
+          </p:cNvPr>
+          <p:cNvSpPr>
+            <a:spLocks noGrp="1"/>
+          </p:cNvSpPr>
+          <p:nvPr>
+            <p:ph idx="1"/>
+          </p:nvPr>
+        </p:nvSpPr>
+        <p:spPr>
+          <a:xfrm>
+            <a:off x="207024" y="1825625"/>
+            <a:ext cx="3819525" cy="4351338"/>
+          </a:xfrm>
+        </p:spPr>
+        <p:txBody>
+          <a:bodyPr/>
+          <a:lstStyle/>
+          <a:p>
+            <a:pPr marL="514350" indent="-514350">
+              <a:buFont typeface="+mj-lt"/>
+              <a:buAutoNum type="arabicPeriod" startAt="5"/>
+            </a:pPr>
+            <a:r>
+              <a:rPr kumimoji="1" lang="ko-KR" altLang="en-US" dirty="0"/>
+              <a:t>사용자가 </a:t>
+            </a:r>
+            <a:r>
+              <a:rPr kumimoji="1" lang="ko-KR" altLang="en-US" dirty="0" err="1"/>
+              <a:t>킥보드</a:t>
+            </a:r>
+            <a:r>
+              <a:rPr kumimoji="1" lang="ko-KR" altLang="en-US" dirty="0"/>
+              <a:t> 예약을 취소한다</a:t>
+            </a:r>
+            <a:r>
+              <a:rPr kumimoji="1" lang="en-US" altLang="ko-KR" dirty="0"/>
+              <a:t>.</a:t>
+            </a:r>
+          </a:p>
+          <a:p>
+            <a:pPr marL="514350" indent="-514350">
+              <a:buFont typeface="+mj-lt"/>
+              <a:buAutoNum type="arabicPeriod" startAt="5"/>
+            </a:pPr>
+            <a:r>
+              <a:rPr kumimoji="1" lang="ko-KR" altLang="en-US" dirty="0"/>
+              <a:t>예약을 취소하면</a:t>
+            </a:r>
+            <a:r>
+              <a:rPr kumimoji="1" lang="en-US" altLang="ko-KR" dirty="0"/>
+              <a:t> </a:t>
+            </a:r>
+            <a:r>
+              <a:rPr kumimoji="1" lang="ko-KR" altLang="en-US" dirty="0"/>
+              <a:t>결제가 취소된다</a:t>
+            </a:r>
+            <a:r>
+              <a:rPr kumimoji="1" lang="en-US" altLang="ko-KR" dirty="0"/>
+              <a:t>.</a:t>
+            </a:r>
+          </a:p>
+        </p:txBody>
+      </p:sp>
       <p:pic>
         <p:nvPicPr>
-          <p:cNvPr id="6" name="그림 5">
+          <p:cNvPr id="9" name="그림 8">
             <a:extLst>
               <a:ext uri="{FF2B5EF4-FFF2-40B4-BE49-F238E27FC236}">
-                <a16:creationId xmlns:a16="http://schemas.microsoft.com/office/drawing/2014/main" id="{9D92FD20-C4B1-45E6-95CD-E8C61D7AECB8}"/>
+                <a16:creationId xmlns:a16="http://schemas.microsoft.com/office/drawing/2014/main" id="{79FC855B-1C36-49AE-8A6F-451A32288CD5}"/>
               </a:ext>
             </a:extLst>
           </p:cNvPr>
@@ -11903,841 +11427,14 @@
         </p:blipFill>
         <p:spPr>
           <a:xfrm>
-            <a:off x="4135029" y="1560645"/>
-            <a:ext cx="7956597" cy="5145688"/>
+            <a:off x="4152939" y="1690688"/>
+            <a:ext cx="7728914" cy="4396154"/>
           </a:xfrm>
           <a:prstGeom prst="rect">
             <a:avLst/>
           </a:prstGeom>
         </p:spPr>
       </p:pic>
-      <p:sp>
-        <p:nvSpPr>
-          <p:cNvPr id="2" name="제목 1"/>
-          <p:cNvSpPr>
-            <a:spLocks noGrp="1"/>
-          </p:cNvSpPr>
-          <p:nvPr>
-            <p:ph type="title"/>
-          </p:nvPr>
-        </p:nvSpPr>
-        <p:spPr/>
-        <p:txBody>
-          <a:bodyPr/>
-          <a:lstStyle/>
-          <a:p>
-            <a:r>
-              <a:rPr kumimoji="1" lang="ko-KR" altLang="en-US" dirty="0"/>
-              <a:t>시나리오 </a:t>
-            </a:r>
-            <a:r>
-              <a:rPr kumimoji="1" lang="en-US" altLang="ko-KR" dirty="0"/>
-              <a:t>Coverage Check (2)</a:t>
-            </a:r>
-            <a:endParaRPr kumimoji="1" lang="ko-KR" altLang="en-US" dirty="0"/>
-          </a:p>
-        </p:txBody>
-      </p:sp>
-      <p:sp>
-        <p:nvSpPr>
-          <p:cNvPr id="11" name="내용 개체 틀 2">
-            <a:extLst>
-              <a:ext uri="{FF2B5EF4-FFF2-40B4-BE49-F238E27FC236}">
-                <a16:creationId xmlns:a16="http://schemas.microsoft.com/office/drawing/2014/main" id="{E127838B-F674-4CF1-AD75-4826E31D74B8}"/>
-              </a:ext>
-            </a:extLst>
-          </p:cNvPr>
-          <p:cNvSpPr>
-            <a:spLocks noGrp="1"/>
-          </p:cNvSpPr>
-          <p:nvPr>
-            <p:ph idx="1"/>
-          </p:nvPr>
-        </p:nvSpPr>
-        <p:spPr>
-          <a:xfrm>
-            <a:off x="207024" y="1825625"/>
-            <a:ext cx="3819525" cy="4351338"/>
-          </a:xfrm>
-        </p:spPr>
-        <p:txBody>
-          <a:bodyPr/>
-          <a:lstStyle/>
-          <a:p>
-            <a:pPr marL="514350" indent="-514350">
-              <a:buFont typeface="+mj-lt"/>
-              <a:buAutoNum type="arabicPeriod" startAt="5"/>
-            </a:pPr>
-            <a:r>
-              <a:rPr kumimoji="1" lang="ko-KR" altLang="en-US" dirty="0"/>
-              <a:t>사용자가 </a:t>
-            </a:r>
-            <a:r>
-              <a:rPr kumimoji="1" lang="ko-KR" altLang="en-US" dirty="0" err="1"/>
-              <a:t>킥보드</a:t>
-            </a:r>
-            <a:r>
-              <a:rPr kumimoji="1" lang="ko-KR" altLang="en-US" dirty="0"/>
-              <a:t> 예약을 취소한다</a:t>
-            </a:r>
-            <a:r>
-              <a:rPr kumimoji="1" lang="en-US" altLang="ko-KR" dirty="0"/>
-              <a:t>.</a:t>
-            </a:r>
-          </a:p>
-          <a:p>
-            <a:pPr marL="514350" indent="-514350">
-              <a:buFont typeface="+mj-lt"/>
-              <a:buAutoNum type="arabicPeriod" startAt="5"/>
-            </a:pPr>
-            <a:r>
-              <a:rPr kumimoji="1" lang="ko-KR" altLang="en-US" dirty="0"/>
-              <a:t>예약을 취소하면</a:t>
-            </a:r>
-            <a:r>
-              <a:rPr kumimoji="1" lang="en-US" altLang="ko-KR" dirty="0"/>
-              <a:t> </a:t>
-            </a:r>
-            <a:r>
-              <a:rPr kumimoji="1" lang="ko-KR" altLang="en-US" dirty="0"/>
-              <a:t>결제가 취소된다</a:t>
-            </a:r>
-            <a:r>
-              <a:rPr kumimoji="1" lang="en-US" altLang="ko-KR" dirty="0"/>
-              <a:t>.</a:t>
-            </a:r>
-          </a:p>
-        </p:txBody>
-      </p:sp>
-      <p:sp>
-        <p:nvSpPr>
-          <p:cNvPr id="4" name="자유형: 도형 3">
-            <a:extLst>
-              <a:ext uri="{FF2B5EF4-FFF2-40B4-BE49-F238E27FC236}">
-                <a16:creationId xmlns:a16="http://schemas.microsoft.com/office/drawing/2014/main" id="{8F716496-368C-43FC-BEBC-83C81DDF8464}"/>
-              </a:ext>
-            </a:extLst>
-          </p:cNvPr>
-          <p:cNvSpPr/>
-          <p:nvPr/>
-        </p:nvSpPr>
-        <p:spPr>
-          <a:xfrm>
-            <a:off x="4735629" y="2887579"/>
-            <a:ext cx="1713297" cy="3436219"/>
-          </a:xfrm>
-          <a:custGeom>
-            <a:avLst/>
-            <a:gdLst>
-              <a:gd name="connsiteX0" fmla="*/ 0 w 1713297"/>
-              <a:gd name="connsiteY0" fmla="*/ 38501 h 3436219"/>
-              <a:gd name="connsiteX1" fmla="*/ 240632 w 1713297"/>
-              <a:gd name="connsiteY1" fmla="*/ 67377 h 3436219"/>
-              <a:gd name="connsiteX2" fmla="*/ 327259 w 1713297"/>
-              <a:gd name="connsiteY2" fmla="*/ 77002 h 3436219"/>
-              <a:gd name="connsiteX3" fmla="*/ 529390 w 1713297"/>
-              <a:gd name="connsiteY3" fmla="*/ 77002 h 3436219"/>
-              <a:gd name="connsiteX4" fmla="*/ 664144 w 1713297"/>
-              <a:gd name="connsiteY4" fmla="*/ 57752 h 3436219"/>
-              <a:gd name="connsiteX5" fmla="*/ 760396 w 1713297"/>
-              <a:gd name="connsiteY5" fmla="*/ 38501 h 3436219"/>
-              <a:gd name="connsiteX6" fmla="*/ 972152 w 1713297"/>
-              <a:gd name="connsiteY6" fmla="*/ 19250 h 3436219"/>
-              <a:gd name="connsiteX7" fmla="*/ 1145407 w 1713297"/>
-              <a:gd name="connsiteY7" fmla="*/ 0 h 3436219"/>
-              <a:gd name="connsiteX8" fmla="*/ 1280160 w 1713297"/>
-              <a:gd name="connsiteY8" fmla="*/ 9625 h 3436219"/>
-              <a:gd name="connsiteX9" fmla="*/ 1443790 w 1713297"/>
-              <a:gd name="connsiteY9" fmla="*/ 57752 h 3436219"/>
-              <a:gd name="connsiteX10" fmla="*/ 1549668 w 1713297"/>
-              <a:gd name="connsiteY10" fmla="*/ 202130 h 3436219"/>
-              <a:gd name="connsiteX11" fmla="*/ 1607419 w 1713297"/>
-              <a:gd name="connsiteY11" fmla="*/ 317634 h 3436219"/>
-              <a:gd name="connsiteX12" fmla="*/ 1665171 w 1713297"/>
-              <a:gd name="connsiteY12" fmla="*/ 471638 h 3436219"/>
-              <a:gd name="connsiteX13" fmla="*/ 1674796 w 1713297"/>
-              <a:gd name="connsiteY13" fmla="*/ 577516 h 3436219"/>
-              <a:gd name="connsiteX14" fmla="*/ 1645920 w 1713297"/>
-              <a:gd name="connsiteY14" fmla="*/ 721895 h 3436219"/>
-              <a:gd name="connsiteX15" fmla="*/ 1626670 w 1713297"/>
-              <a:gd name="connsiteY15" fmla="*/ 750770 h 3436219"/>
-              <a:gd name="connsiteX16" fmla="*/ 1597794 w 1713297"/>
-              <a:gd name="connsiteY16" fmla="*/ 885524 h 3436219"/>
-              <a:gd name="connsiteX17" fmla="*/ 1559293 w 1713297"/>
-              <a:gd name="connsiteY17" fmla="*/ 943276 h 3436219"/>
-              <a:gd name="connsiteX18" fmla="*/ 1366788 w 1713297"/>
-              <a:gd name="connsiteY18" fmla="*/ 1126156 h 3436219"/>
-              <a:gd name="connsiteX19" fmla="*/ 1270535 w 1713297"/>
-              <a:gd name="connsiteY19" fmla="*/ 1212783 h 3436219"/>
-              <a:gd name="connsiteX20" fmla="*/ 1212784 w 1713297"/>
-              <a:gd name="connsiteY20" fmla="*/ 1260909 h 3436219"/>
-              <a:gd name="connsiteX21" fmla="*/ 1174283 w 1713297"/>
-              <a:gd name="connsiteY21" fmla="*/ 1309036 h 3436219"/>
-              <a:gd name="connsiteX22" fmla="*/ 1087655 w 1713297"/>
-              <a:gd name="connsiteY22" fmla="*/ 1491916 h 3436219"/>
-              <a:gd name="connsiteX23" fmla="*/ 1068405 w 1713297"/>
-              <a:gd name="connsiteY23" fmla="*/ 1568918 h 3436219"/>
-              <a:gd name="connsiteX24" fmla="*/ 1039529 w 1713297"/>
-              <a:gd name="connsiteY24" fmla="*/ 1636295 h 3436219"/>
-              <a:gd name="connsiteX25" fmla="*/ 991403 w 1713297"/>
-              <a:gd name="connsiteY25" fmla="*/ 1722922 h 3436219"/>
-              <a:gd name="connsiteX26" fmla="*/ 952902 w 1713297"/>
-              <a:gd name="connsiteY26" fmla="*/ 1819175 h 3436219"/>
-              <a:gd name="connsiteX27" fmla="*/ 904775 w 1713297"/>
-              <a:gd name="connsiteY27" fmla="*/ 1973179 h 3436219"/>
-              <a:gd name="connsiteX28" fmla="*/ 895150 w 1713297"/>
-              <a:gd name="connsiteY28" fmla="*/ 2040556 h 3436219"/>
-              <a:gd name="connsiteX29" fmla="*/ 875899 w 1713297"/>
-              <a:gd name="connsiteY29" fmla="*/ 2079057 h 3436219"/>
-              <a:gd name="connsiteX30" fmla="*/ 798897 w 1713297"/>
-              <a:gd name="connsiteY30" fmla="*/ 2194560 h 3436219"/>
-              <a:gd name="connsiteX31" fmla="*/ 760396 w 1713297"/>
-              <a:gd name="connsiteY31" fmla="*/ 2252312 h 3436219"/>
-              <a:gd name="connsiteX32" fmla="*/ 712270 w 1713297"/>
-              <a:gd name="connsiteY32" fmla="*/ 2290813 h 3436219"/>
-              <a:gd name="connsiteX33" fmla="*/ 558266 w 1713297"/>
-              <a:gd name="connsiteY33" fmla="*/ 2512194 h 3436219"/>
-              <a:gd name="connsiteX34" fmla="*/ 510139 w 1713297"/>
-              <a:gd name="connsiteY34" fmla="*/ 2569945 h 3436219"/>
-              <a:gd name="connsiteX35" fmla="*/ 481264 w 1713297"/>
-              <a:gd name="connsiteY35" fmla="*/ 2627697 h 3436219"/>
-              <a:gd name="connsiteX36" fmla="*/ 385011 w 1713297"/>
-              <a:gd name="connsiteY36" fmla="*/ 2723949 h 3436219"/>
-              <a:gd name="connsiteX37" fmla="*/ 356135 w 1713297"/>
-              <a:gd name="connsiteY37" fmla="*/ 2810577 h 3436219"/>
-              <a:gd name="connsiteX38" fmla="*/ 346510 w 1713297"/>
-              <a:gd name="connsiteY38" fmla="*/ 2858703 h 3436219"/>
-              <a:gd name="connsiteX39" fmla="*/ 327259 w 1713297"/>
-              <a:gd name="connsiteY39" fmla="*/ 3012707 h 3436219"/>
-              <a:gd name="connsiteX40" fmla="*/ 308009 w 1713297"/>
-              <a:gd name="connsiteY40" fmla="*/ 3128210 h 3436219"/>
-              <a:gd name="connsiteX41" fmla="*/ 327259 w 1713297"/>
-              <a:gd name="connsiteY41" fmla="*/ 3185962 h 3436219"/>
-              <a:gd name="connsiteX42" fmla="*/ 336885 w 1713297"/>
-              <a:gd name="connsiteY42" fmla="*/ 3224463 h 3436219"/>
-              <a:gd name="connsiteX43" fmla="*/ 365760 w 1713297"/>
-              <a:gd name="connsiteY43" fmla="*/ 3272589 h 3436219"/>
-              <a:gd name="connsiteX44" fmla="*/ 394636 w 1713297"/>
-              <a:gd name="connsiteY44" fmla="*/ 3311090 h 3436219"/>
-              <a:gd name="connsiteX45" fmla="*/ 452388 w 1713297"/>
-              <a:gd name="connsiteY45" fmla="*/ 3349592 h 3436219"/>
-              <a:gd name="connsiteX46" fmla="*/ 596767 w 1713297"/>
-              <a:gd name="connsiteY46" fmla="*/ 3330341 h 3436219"/>
-              <a:gd name="connsiteX47" fmla="*/ 654518 w 1713297"/>
-              <a:gd name="connsiteY47" fmla="*/ 3311090 h 3436219"/>
-              <a:gd name="connsiteX48" fmla="*/ 693019 w 1713297"/>
-              <a:gd name="connsiteY48" fmla="*/ 3301465 h 3436219"/>
-              <a:gd name="connsiteX49" fmla="*/ 750771 w 1713297"/>
-              <a:gd name="connsiteY49" fmla="*/ 3224463 h 3436219"/>
-              <a:gd name="connsiteX50" fmla="*/ 779647 w 1713297"/>
-              <a:gd name="connsiteY50" fmla="*/ 3195587 h 3436219"/>
-              <a:gd name="connsiteX51" fmla="*/ 808523 w 1713297"/>
-              <a:gd name="connsiteY51" fmla="*/ 3157086 h 3436219"/>
-              <a:gd name="connsiteX52" fmla="*/ 856649 w 1713297"/>
-              <a:gd name="connsiteY52" fmla="*/ 3128210 h 3436219"/>
-              <a:gd name="connsiteX53" fmla="*/ 981777 w 1713297"/>
-              <a:gd name="connsiteY53" fmla="*/ 3080084 h 3436219"/>
-              <a:gd name="connsiteX54" fmla="*/ 1049154 w 1713297"/>
-              <a:gd name="connsiteY54" fmla="*/ 3070459 h 3436219"/>
-              <a:gd name="connsiteX55" fmla="*/ 1183908 w 1713297"/>
-              <a:gd name="connsiteY55" fmla="*/ 3099335 h 3436219"/>
-              <a:gd name="connsiteX56" fmla="*/ 1270535 w 1713297"/>
-              <a:gd name="connsiteY56" fmla="*/ 3166712 h 3436219"/>
-              <a:gd name="connsiteX57" fmla="*/ 1309036 w 1713297"/>
-              <a:gd name="connsiteY57" fmla="*/ 3185962 h 3436219"/>
-              <a:gd name="connsiteX58" fmla="*/ 1347537 w 1713297"/>
-              <a:gd name="connsiteY58" fmla="*/ 3224463 h 3436219"/>
-              <a:gd name="connsiteX59" fmla="*/ 1376413 w 1713297"/>
-              <a:gd name="connsiteY59" fmla="*/ 3234088 h 3436219"/>
-              <a:gd name="connsiteX60" fmla="*/ 1414914 w 1713297"/>
-              <a:gd name="connsiteY60" fmla="*/ 3253339 h 3436219"/>
-              <a:gd name="connsiteX61" fmla="*/ 1549668 w 1713297"/>
-              <a:gd name="connsiteY61" fmla="*/ 3291840 h 3436219"/>
-              <a:gd name="connsiteX62" fmla="*/ 1588169 w 1713297"/>
-              <a:gd name="connsiteY62" fmla="*/ 3339966 h 3436219"/>
-              <a:gd name="connsiteX63" fmla="*/ 1636295 w 1713297"/>
-              <a:gd name="connsiteY63" fmla="*/ 3368842 h 3436219"/>
-              <a:gd name="connsiteX64" fmla="*/ 1645920 w 1713297"/>
-              <a:gd name="connsiteY64" fmla="*/ 3397718 h 3436219"/>
-              <a:gd name="connsiteX65" fmla="*/ 1684422 w 1713297"/>
-              <a:gd name="connsiteY65" fmla="*/ 3416968 h 3436219"/>
-              <a:gd name="connsiteX66" fmla="*/ 1713297 w 1713297"/>
-              <a:gd name="connsiteY66" fmla="*/ 3436219 h 3436219"/>
-            </a:gdLst>
-            <a:ahLst/>
-            <a:cxnLst>
-              <a:cxn ang="0">
-                <a:pos x="connsiteX0" y="connsiteY0"/>
-              </a:cxn>
-              <a:cxn ang="0">
-                <a:pos x="connsiteX1" y="connsiteY1"/>
-              </a:cxn>
-              <a:cxn ang="0">
-                <a:pos x="connsiteX2" y="connsiteY2"/>
-              </a:cxn>
-              <a:cxn ang="0">
-                <a:pos x="connsiteX3" y="connsiteY3"/>
-              </a:cxn>
-              <a:cxn ang="0">
-                <a:pos x="connsiteX4" y="connsiteY4"/>
-              </a:cxn>
-              <a:cxn ang="0">
-                <a:pos x="connsiteX5" y="connsiteY5"/>
-              </a:cxn>
-              <a:cxn ang="0">
-                <a:pos x="connsiteX6" y="connsiteY6"/>
-              </a:cxn>
-              <a:cxn ang="0">
-                <a:pos x="connsiteX7" y="connsiteY7"/>
-              </a:cxn>
-              <a:cxn ang="0">
-                <a:pos x="connsiteX8" y="connsiteY8"/>
-              </a:cxn>
-              <a:cxn ang="0">
-                <a:pos x="connsiteX9" y="connsiteY9"/>
-              </a:cxn>
-              <a:cxn ang="0">
-                <a:pos x="connsiteX10" y="connsiteY10"/>
-              </a:cxn>
-              <a:cxn ang="0">
-                <a:pos x="connsiteX11" y="connsiteY11"/>
-              </a:cxn>
-              <a:cxn ang="0">
-                <a:pos x="connsiteX12" y="connsiteY12"/>
-              </a:cxn>
-              <a:cxn ang="0">
-                <a:pos x="connsiteX13" y="connsiteY13"/>
-              </a:cxn>
-              <a:cxn ang="0">
-                <a:pos x="connsiteX14" y="connsiteY14"/>
-              </a:cxn>
-              <a:cxn ang="0">
-                <a:pos x="connsiteX15" y="connsiteY15"/>
-              </a:cxn>
-              <a:cxn ang="0">
-                <a:pos x="connsiteX16" y="connsiteY16"/>
-              </a:cxn>
-              <a:cxn ang="0">
-                <a:pos x="connsiteX17" y="connsiteY17"/>
-              </a:cxn>
-              <a:cxn ang="0">
-                <a:pos x="connsiteX18" y="connsiteY18"/>
-              </a:cxn>
-              <a:cxn ang="0">
-                <a:pos x="connsiteX19" y="connsiteY19"/>
-              </a:cxn>
-              <a:cxn ang="0">
-                <a:pos x="connsiteX20" y="connsiteY20"/>
-              </a:cxn>
-              <a:cxn ang="0">
-                <a:pos x="connsiteX21" y="connsiteY21"/>
-              </a:cxn>
-              <a:cxn ang="0">
-                <a:pos x="connsiteX22" y="connsiteY22"/>
-              </a:cxn>
-              <a:cxn ang="0">
-                <a:pos x="connsiteX23" y="connsiteY23"/>
-              </a:cxn>
-              <a:cxn ang="0">
-                <a:pos x="connsiteX24" y="connsiteY24"/>
-              </a:cxn>
-              <a:cxn ang="0">
-                <a:pos x="connsiteX25" y="connsiteY25"/>
-              </a:cxn>
-              <a:cxn ang="0">
-                <a:pos x="connsiteX26" y="connsiteY26"/>
-              </a:cxn>
-              <a:cxn ang="0">
-                <a:pos x="connsiteX27" y="connsiteY27"/>
-              </a:cxn>
-              <a:cxn ang="0">
-                <a:pos x="connsiteX28" y="connsiteY28"/>
-              </a:cxn>
-              <a:cxn ang="0">
-                <a:pos x="connsiteX29" y="connsiteY29"/>
-              </a:cxn>
-              <a:cxn ang="0">
-                <a:pos x="connsiteX30" y="connsiteY30"/>
-              </a:cxn>
-              <a:cxn ang="0">
-                <a:pos x="connsiteX31" y="connsiteY31"/>
-              </a:cxn>
-              <a:cxn ang="0">
-                <a:pos x="connsiteX32" y="connsiteY32"/>
-              </a:cxn>
-              <a:cxn ang="0">
-                <a:pos x="connsiteX33" y="connsiteY33"/>
-              </a:cxn>
-              <a:cxn ang="0">
-                <a:pos x="connsiteX34" y="connsiteY34"/>
-              </a:cxn>
-              <a:cxn ang="0">
-                <a:pos x="connsiteX35" y="connsiteY35"/>
-              </a:cxn>
-              <a:cxn ang="0">
-                <a:pos x="connsiteX36" y="connsiteY36"/>
-              </a:cxn>
-              <a:cxn ang="0">
-                <a:pos x="connsiteX37" y="connsiteY37"/>
-              </a:cxn>
-              <a:cxn ang="0">
-                <a:pos x="connsiteX38" y="connsiteY38"/>
-              </a:cxn>
-              <a:cxn ang="0">
-                <a:pos x="connsiteX39" y="connsiteY39"/>
-              </a:cxn>
-              <a:cxn ang="0">
-                <a:pos x="connsiteX40" y="connsiteY40"/>
-              </a:cxn>
-              <a:cxn ang="0">
-                <a:pos x="connsiteX41" y="connsiteY41"/>
-              </a:cxn>
-              <a:cxn ang="0">
-                <a:pos x="connsiteX42" y="connsiteY42"/>
-              </a:cxn>
-              <a:cxn ang="0">
-                <a:pos x="connsiteX43" y="connsiteY43"/>
-              </a:cxn>
-              <a:cxn ang="0">
-                <a:pos x="connsiteX44" y="connsiteY44"/>
-              </a:cxn>
-              <a:cxn ang="0">
-                <a:pos x="connsiteX45" y="connsiteY45"/>
-              </a:cxn>
-              <a:cxn ang="0">
-                <a:pos x="connsiteX46" y="connsiteY46"/>
-              </a:cxn>
-              <a:cxn ang="0">
-                <a:pos x="connsiteX47" y="connsiteY47"/>
-              </a:cxn>
-              <a:cxn ang="0">
-                <a:pos x="connsiteX48" y="connsiteY48"/>
-              </a:cxn>
-              <a:cxn ang="0">
-                <a:pos x="connsiteX49" y="connsiteY49"/>
-              </a:cxn>
-              <a:cxn ang="0">
-                <a:pos x="connsiteX50" y="connsiteY50"/>
-              </a:cxn>
-              <a:cxn ang="0">
-                <a:pos x="connsiteX51" y="connsiteY51"/>
-              </a:cxn>
-              <a:cxn ang="0">
-                <a:pos x="connsiteX52" y="connsiteY52"/>
-              </a:cxn>
-              <a:cxn ang="0">
-                <a:pos x="connsiteX53" y="connsiteY53"/>
-              </a:cxn>
-              <a:cxn ang="0">
-                <a:pos x="connsiteX54" y="connsiteY54"/>
-              </a:cxn>
-              <a:cxn ang="0">
-                <a:pos x="connsiteX55" y="connsiteY55"/>
-              </a:cxn>
-              <a:cxn ang="0">
-                <a:pos x="connsiteX56" y="connsiteY56"/>
-              </a:cxn>
-              <a:cxn ang="0">
-                <a:pos x="connsiteX57" y="connsiteY57"/>
-              </a:cxn>
-              <a:cxn ang="0">
-                <a:pos x="connsiteX58" y="connsiteY58"/>
-              </a:cxn>
-              <a:cxn ang="0">
-                <a:pos x="connsiteX59" y="connsiteY59"/>
-              </a:cxn>
-              <a:cxn ang="0">
-                <a:pos x="connsiteX60" y="connsiteY60"/>
-              </a:cxn>
-              <a:cxn ang="0">
-                <a:pos x="connsiteX61" y="connsiteY61"/>
-              </a:cxn>
-              <a:cxn ang="0">
-                <a:pos x="connsiteX62" y="connsiteY62"/>
-              </a:cxn>
-              <a:cxn ang="0">
-                <a:pos x="connsiteX63" y="connsiteY63"/>
-              </a:cxn>
-              <a:cxn ang="0">
-                <a:pos x="connsiteX64" y="connsiteY64"/>
-              </a:cxn>
-              <a:cxn ang="0">
-                <a:pos x="connsiteX65" y="connsiteY65"/>
-              </a:cxn>
-              <a:cxn ang="0">
-                <a:pos x="connsiteX66" y="connsiteY66"/>
-              </a:cxn>
-            </a:cxnLst>
-            <a:rect l="l" t="t" r="r" b="b"/>
-            <a:pathLst>
-              <a:path w="1713297" h="3436219">
-                <a:moveTo>
-                  <a:pt x="0" y="38501"/>
-                </a:moveTo>
-                <a:cubicBezTo>
-                  <a:pt x="111012" y="82906"/>
-                  <a:pt x="18853" y="52082"/>
-                  <a:pt x="240632" y="67377"/>
-                </a:cubicBezTo>
-                <a:cubicBezTo>
-                  <a:pt x="269617" y="69376"/>
-                  <a:pt x="298383" y="73794"/>
-                  <a:pt x="327259" y="77002"/>
-                </a:cubicBezTo>
-                <a:cubicBezTo>
-                  <a:pt x="414081" y="98707"/>
-                  <a:pt x="371907" y="92242"/>
-                  <a:pt x="529390" y="77002"/>
-                </a:cubicBezTo>
-                <a:cubicBezTo>
-                  <a:pt x="574553" y="72632"/>
-                  <a:pt x="619387" y="65211"/>
-                  <a:pt x="664144" y="57752"/>
-                </a:cubicBezTo>
-                <a:cubicBezTo>
-                  <a:pt x="754016" y="42773"/>
-                  <a:pt x="641742" y="51214"/>
-                  <a:pt x="760396" y="38501"/>
-                </a:cubicBezTo>
-                <a:cubicBezTo>
-                  <a:pt x="830869" y="30950"/>
-                  <a:pt x="901550" y="25480"/>
-                  <a:pt x="972152" y="19250"/>
-                </a:cubicBezTo>
-                <a:cubicBezTo>
-                  <a:pt x="1115544" y="6598"/>
-                  <a:pt x="1045283" y="16687"/>
-                  <a:pt x="1145407" y="0"/>
-                </a:cubicBezTo>
-                <a:cubicBezTo>
-                  <a:pt x="1190325" y="3208"/>
-                  <a:pt x="1235541" y="3541"/>
-                  <a:pt x="1280160" y="9625"/>
-                </a:cubicBezTo>
-                <a:cubicBezTo>
-                  <a:pt x="1325231" y="15771"/>
-                  <a:pt x="1402770" y="44078"/>
-                  <a:pt x="1443790" y="57752"/>
-                </a:cubicBezTo>
-                <a:cubicBezTo>
-                  <a:pt x="1471142" y="92918"/>
-                  <a:pt x="1525173" y="158038"/>
-                  <a:pt x="1549668" y="202130"/>
-                </a:cubicBezTo>
-                <a:cubicBezTo>
-                  <a:pt x="1570573" y="239759"/>
-                  <a:pt x="1593807" y="276797"/>
-                  <a:pt x="1607419" y="317634"/>
-                </a:cubicBezTo>
-                <a:cubicBezTo>
-                  <a:pt x="1644022" y="427442"/>
-                  <a:pt x="1624305" y="376284"/>
-                  <a:pt x="1665171" y="471638"/>
-                </a:cubicBezTo>
-                <a:cubicBezTo>
-                  <a:pt x="1668379" y="506931"/>
-                  <a:pt x="1674796" y="542078"/>
-                  <a:pt x="1674796" y="577516"/>
-                </a:cubicBezTo>
-                <a:cubicBezTo>
-                  <a:pt x="1674796" y="627077"/>
-                  <a:pt x="1666071" y="676555"/>
-                  <a:pt x="1645920" y="721895"/>
-                </a:cubicBezTo>
-                <a:cubicBezTo>
-                  <a:pt x="1641222" y="732466"/>
-                  <a:pt x="1633087" y="741145"/>
-                  <a:pt x="1626670" y="750770"/>
-                </a:cubicBezTo>
-                <a:cubicBezTo>
-                  <a:pt x="1620356" y="801288"/>
-                  <a:pt x="1620654" y="839804"/>
-                  <a:pt x="1597794" y="885524"/>
-                </a:cubicBezTo>
-                <a:cubicBezTo>
-                  <a:pt x="1587447" y="906218"/>
-                  <a:pt x="1573175" y="924767"/>
-                  <a:pt x="1559293" y="943276"/>
-                </a:cubicBezTo>
-                <a:cubicBezTo>
-                  <a:pt x="1494654" y="1029461"/>
-                  <a:pt x="1468452" y="1036692"/>
-                  <a:pt x="1366788" y="1126156"/>
-                </a:cubicBezTo>
-                <a:cubicBezTo>
-                  <a:pt x="1334384" y="1154672"/>
-                  <a:pt x="1303020" y="1184359"/>
-                  <a:pt x="1270535" y="1212783"/>
-                </a:cubicBezTo>
-                <a:cubicBezTo>
-                  <a:pt x="1251677" y="1229284"/>
-                  <a:pt x="1228438" y="1241342"/>
-                  <a:pt x="1212784" y="1260909"/>
-                </a:cubicBezTo>
-                <a:cubicBezTo>
-                  <a:pt x="1199950" y="1276951"/>
-                  <a:pt x="1184576" y="1291257"/>
-                  <a:pt x="1174283" y="1309036"/>
-                </a:cubicBezTo>
-                <a:cubicBezTo>
-                  <a:pt x="1166892" y="1321802"/>
-                  <a:pt x="1102260" y="1444448"/>
-                  <a:pt x="1087655" y="1491916"/>
-                </a:cubicBezTo>
-                <a:cubicBezTo>
-                  <a:pt x="1079874" y="1517203"/>
-                  <a:pt x="1076771" y="1543818"/>
-                  <a:pt x="1068405" y="1568918"/>
-                </a:cubicBezTo>
-                <a:cubicBezTo>
-                  <a:pt x="1060678" y="1592099"/>
-                  <a:pt x="1050457" y="1614440"/>
-                  <a:pt x="1039529" y="1636295"/>
-                </a:cubicBezTo>
-                <a:cubicBezTo>
-                  <a:pt x="1015102" y="1685148"/>
-                  <a:pt x="1009945" y="1676566"/>
-                  <a:pt x="991403" y="1722922"/>
-                </a:cubicBezTo>
-                <a:cubicBezTo>
-                  <a:pt x="943827" y="1841862"/>
-                  <a:pt x="998047" y="1728884"/>
-                  <a:pt x="952902" y="1819175"/>
-                </a:cubicBezTo>
-                <a:cubicBezTo>
-                  <a:pt x="929430" y="1936532"/>
-                  <a:pt x="948284" y="1886162"/>
-                  <a:pt x="904775" y="1973179"/>
-                </a:cubicBezTo>
-                <a:cubicBezTo>
-                  <a:pt x="901567" y="1995638"/>
-                  <a:pt x="901119" y="2018668"/>
-                  <a:pt x="895150" y="2040556"/>
-                </a:cubicBezTo>
-                <a:cubicBezTo>
-                  <a:pt x="891375" y="2054399"/>
-                  <a:pt x="882770" y="2066460"/>
-                  <a:pt x="875899" y="2079057"/>
-                </a:cubicBezTo>
-                <a:cubicBezTo>
-                  <a:pt x="817285" y="2186515"/>
-                  <a:pt x="861436" y="2108569"/>
-                  <a:pt x="798897" y="2194560"/>
-                </a:cubicBezTo>
-                <a:cubicBezTo>
-                  <a:pt x="785289" y="2213271"/>
-                  <a:pt x="775873" y="2235115"/>
-                  <a:pt x="760396" y="2252312"/>
-                </a:cubicBezTo>
-                <a:cubicBezTo>
-                  <a:pt x="746653" y="2267582"/>
-                  <a:pt x="725503" y="2275099"/>
-                  <a:pt x="712270" y="2290813"/>
-                </a:cubicBezTo>
-                <a:cubicBezTo>
-                  <a:pt x="543063" y="2491747"/>
-                  <a:pt x="661063" y="2368279"/>
-                  <a:pt x="558266" y="2512194"/>
-                </a:cubicBezTo>
-                <a:cubicBezTo>
-                  <a:pt x="543701" y="2532585"/>
-                  <a:pt x="524039" y="2549095"/>
-                  <a:pt x="510139" y="2569945"/>
-                </a:cubicBezTo>
-                <a:cubicBezTo>
-                  <a:pt x="498200" y="2587853"/>
-                  <a:pt x="494836" y="2610993"/>
-                  <a:pt x="481264" y="2627697"/>
-                </a:cubicBezTo>
-                <a:cubicBezTo>
-                  <a:pt x="452652" y="2662912"/>
-                  <a:pt x="385011" y="2723949"/>
-                  <a:pt x="385011" y="2723949"/>
-                </a:cubicBezTo>
-                <a:cubicBezTo>
-                  <a:pt x="348073" y="2871703"/>
-                  <a:pt x="410499" y="2629363"/>
-                  <a:pt x="356135" y="2810577"/>
-                </a:cubicBezTo>
-                <a:cubicBezTo>
-                  <a:pt x="351434" y="2826247"/>
-                  <a:pt x="348824" y="2842508"/>
-                  <a:pt x="346510" y="2858703"/>
-                </a:cubicBezTo>
-                <a:cubicBezTo>
-                  <a:pt x="339194" y="2909917"/>
-                  <a:pt x="335764" y="2961677"/>
-                  <a:pt x="327259" y="3012707"/>
-                </a:cubicBezTo>
-                <a:lnTo>
-                  <a:pt x="308009" y="3128210"/>
-                </a:lnTo>
-                <a:cubicBezTo>
-                  <a:pt x="314426" y="3147461"/>
-                  <a:pt x="321428" y="3166526"/>
-                  <a:pt x="327259" y="3185962"/>
-                </a:cubicBezTo>
-                <a:cubicBezTo>
-                  <a:pt x="331060" y="3198633"/>
-                  <a:pt x="331512" y="3212374"/>
-                  <a:pt x="336885" y="3224463"/>
-                </a:cubicBezTo>
-                <a:cubicBezTo>
-                  <a:pt x="344483" y="3241559"/>
-                  <a:pt x="355383" y="3257023"/>
-                  <a:pt x="365760" y="3272589"/>
-                </a:cubicBezTo>
-                <a:cubicBezTo>
-                  <a:pt x="374659" y="3285937"/>
-                  <a:pt x="382646" y="3300432"/>
-                  <a:pt x="394636" y="3311090"/>
-                </a:cubicBezTo>
-                <a:cubicBezTo>
-                  <a:pt x="411928" y="3326461"/>
-                  <a:pt x="452388" y="3349592"/>
-                  <a:pt x="452388" y="3349592"/>
-                </a:cubicBezTo>
-                <a:cubicBezTo>
-                  <a:pt x="481218" y="3346388"/>
-                  <a:pt x="562210" y="3338980"/>
-                  <a:pt x="596767" y="3330341"/>
-                </a:cubicBezTo>
-                <a:cubicBezTo>
-                  <a:pt x="616453" y="3325419"/>
-                  <a:pt x="635082" y="3316921"/>
-                  <a:pt x="654518" y="3311090"/>
-                </a:cubicBezTo>
-                <a:cubicBezTo>
-                  <a:pt x="667189" y="3307289"/>
-                  <a:pt x="680185" y="3304673"/>
-                  <a:pt x="693019" y="3301465"/>
-                </a:cubicBezTo>
-                <a:cubicBezTo>
-                  <a:pt x="761230" y="3233254"/>
-                  <a:pt x="679012" y="3320141"/>
-                  <a:pt x="750771" y="3224463"/>
-                </a:cubicBezTo>
-                <a:cubicBezTo>
-                  <a:pt x="758938" y="3213573"/>
-                  <a:pt x="770788" y="3205922"/>
-                  <a:pt x="779647" y="3195587"/>
-                </a:cubicBezTo>
-                <a:cubicBezTo>
-                  <a:pt x="790087" y="3183407"/>
-                  <a:pt x="796450" y="3167650"/>
-                  <a:pt x="808523" y="3157086"/>
-                </a:cubicBezTo>
-                <a:cubicBezTo>
-                  <a:pt x="822602" y="3144767"/>
-                  <a:pt x="839916" y="3136576"/>
-                  <a:pt x="856649" y="3128210"/>
-                </a:cubicBezTo>
-                <a:cubicBezTo>
-                  <a:pt x="882720" y="3115175"/>
-                  <a:pt x="950637" y="3087270"/>
-                  <a:pt x="981777" y="3080084"/>
-                </a:cubicBezTo>
-                <a:cubicBezTo>
-                  <a:pt x="1003883" y="3074983"/>
-                  <a:pt x="1026695" y="3073667"/>
-                  <a:pt x="1049154" y="3070459"/>
-                </a:cubicBezTo>
-                <a:cubicBezTo>
-                  <a:pt x="1094072" y="3080084"/>
-                  <a:pt x="1140103" y="3085502"/>
-                  <a:pt x="1183908" y="3099335"/>
-                </a:cubicBezTo>
-                <a:cubicBezTo>
-                  <a:pt x="1236613" y="3115979"/>
-                  <a:pt x="1229462" y="3135907"/>
-                  <a:pt x="1270535" y="3166712"/>
-                </a:cubicBezTo>
-                <a:cubicBezTo>
-                  <a:pt x="1282014" y="3175321"/>
-                  <a:pt x="1296202" y="3179545"/>
-                  <a:pt x="1309036" y="3185962"/>
-                </a:cubicBezTo>
-                <a:cubicBezTo>
-                  <a:pt x="1321870" y="3198796"/>
-                  <a:pt x="1332768" y="3213914"/>
-                  <a:pt x="1347537" y="3224463"/>
-                </a:cubicBezTo>
-                <a:cubicBezTo>
-                  <a:pt x="1355793" y="3230360"/>
-                  <a:pt x="1367087" y="3230091"/>
-                  <a:pt x="1376413" y="3234088"/>
-                </a:cubicBezTo>
-                <a:cubicBezTo>
-                  <a:pt x="1389601" y="3239740"/>
-                  <a:pt x="1401302" y="3248802"/>
-                  <a:pt x="1414914" y="3253339"/>
-                </a:cubicBezTo>
-                <a:cubicBezTo>
-                  <a:pt x="1459232" y="3268112"/>
-                  <a:pt x="1549668" y="3291840"/>
-                  <a:pt x="1549668" y="3291840"/>
-                </a:cubicBezTo>
-                <a:cubicBezTo>
-                  <a:pt x="1562502" y="3307882"/>
-                  <a:pt x="1572814" y="3326317"/>
-                  <a:pt x="1588169" y="3339966"/>
-                </a:cubicBezTo>
-                <a:cubicBezTo>
-                  <a:pt x="1602152" y="3352395"/>
-                  <a:pt x="1623066" y="3355613"/>
-                  <a:pt x="1636295" y="3368842"/>
-                </a:cubicBezTo>
-                <a:cubicBezTo>
-                  <a:pt x="1643469" y="3376016"/>
-                  <a:pt x="1638746" y="3390544"/>
-                  <a:pt x="1645920" y="3397718"/>
-                </a:cubicBezTo>
-                <a:cubicBezTo>
-                  <a:pt x="1656066" y="3407864"/>
-                  <a:pt x="1671964" y="3409849"/>
-                  <a:pt x="1684422" y="3416968"/>
-                </a:cubicBezTo>
-                <a:cubicBezTo>
-                  <a:pt x="1694466" y="3422707"/>
-                  <a:pt x="1703672" y="3429802"/>
-                  <a:pt x="1713297" y="3436219"/>
-                </a:cubicBezTo>
-              </a:path>
-            </a:pathLst>
-          </a:custGeom>
-          <a:noFill/>
-          <a:ln w="63500">
-            <a:solidFill>
-              <a:srgbClr val="0070C0"/>
-            </a:solidFill>
-            <a:tailEnd type="triangle"/>
-          </a:ln>
-        </p:spPr>
-        <p:style>
-          <a:lnRef idx="2">
-            <a:schemeClr val="accent1">
-              <a:shade val="50000"/>
-            </a:schemeClr>
-          </a:lnRef>
-          <a:fillRef idx="1">
-            <a:schemeClr val="accent1"/>
-          </a:fillRef>
-          <a:effectRef idx="0">
-            <a:schemeClr val="accent1"/>
-          </a:effectRef>
-          <a:fontRef idx="minor">
-            <a:schemeClr val="lt1"/>
-          </a:fontRef>
-        </p:style>
-        <p:txBody>
-          <a:bodyPr rtlCol="0" anchor="ctr"/>
-          <a:lstStyle/>
-          <a:p>
-            <a:pPr algn="ctr"/>
-            <a:endParaRPr lang="ko-KR" altLang="en-US"/>
-          </a:p>
-        </p:txBody>
-      </p:sp>
     </p:spTree>
     <p:extLst>
       <p:ext uri="{BB962C8B-B14F-4D97-AF65-F5344CB8AC3E}">
@@ -12768,12 +11465,116 @@
           <a:chExt cx="0" cy="0"/>
         </a:xfrm>
       </p:grpSpPr>
+      <p:sp>
+        <p:nvSpPr>
+          <p:cNvPr id="2" name="제목 1"/>
+          <p:cNvSpPr>
+            <a:spLocks noGrp="1"/>
+          </p:cNvSpPr>
+          <p:nvPr>
+            <p:ph type="title"/>
+          </p:nvPr>
+        </p:nvSpPr>
+        <p:spPr/>
+        <p:txBody>
+          <a:bodyPr/>
+          <a:lstStyle/>
+          <a:p>
+            <a:r>
+              <a:rPr kumimoji="1" lang="ko-KR" altLang="en-US" dirty="0"/>
+              <a:t>시나리오 </a:t>
+            </a:r>
+            <a:r>
+              <a:rPr kumimoji="1" lang="en-US" altLang="ko-KR" dirty="0"/>
+              <a:t>Coverage Check (3)</a:t>
+            </a:r>
+            <a:endParaRPr kumimoji="1" lang="ko-KR" altLang="en-US" dirty="0"/>
+          </a:p>
+        </p:txBody>
+      </p:sp>
+      <p:sp>
+        <p:nvSpPr>
+          <p:cNvPr id="11" name="내용 개체 틀 2">
+            <a:extLst>
+              <a:ext uri="{FF2B5EF4-FFF2-40B4-BE49-F238E27FC236}">
+                <a16:creationId xmlns:a16="http://schemas.microsoft.com/office/drawing/2014/main" id="{E127838B-F674-4CF1-AD75-4826E31D74B8}"/>
+              </a:ext>
+            </a:extLst>
+          </p:cNvPr>
+          <p:cNvSpPr>
+            <a:spLocks noGrp="1"/>
+          </p:cNvSpPr>
+          <p:nvPr>
+            <p:ph idx="1"/>
+          </p:nvPr>
+        </p:nvSpPr>
+        <p:spPr>
+          <a:xfrm>
+            <a:off x="207024" y="1825625"/>
+            <a:ext cx="3819525" cy="4351338"/>
+          </a:xfrm>
+        </p:spPr>
+        <p:txBody>
+          <a:bodyPr/>
+          <a:lstStyle/>
+          <a:p>
+            <a:pPr marL="514350" indent="-514350">
+              <a:buFont typeface="+mj-lt"/>
+              <a:buAutoNum type="arabicPeriod" startAt="7"/>
+            </a:pPr>
+            <a:r>
+              <a:rPr kumimoji="1" lang="ko-KR" altLang="en-US" dirty="0"/>
+              <a:t>사용자가 킥보드를 반납한다</a:t>
+            </a:r>
+            <a:r>
+              <a:rPr kumimoji="1" lang="en-US" altLang="ko-KR" dirty="0"/>
+              <a:t>.</a:t>
+            </a:r>
+          </a:p>
+          <a:p>
+            <a:pPr marL="514350" indent="-514350">
+              <a:buFont typeface="+mj-lt"/>
+              <a:buAutoNum type="arabicPeriod" startAt="7"/>
+            </a:pPr>
+            <a:r>
+              <a:rPr kumimoji="1" lang="ko-KR" altLang="en-US" dirty="0"/>
+              <a:t>반납요청이 확인되면</a:t>
+            </a:r>
+            <a:r>
+              <a:rPr kumimoji="1" lang="en-US" altLang="ko-KR" dirty="0"/>
+              <a:t> </a:t>
+            </a:r>
+            <a:r>
+              <a:rPr kumimoji="1" lang="ko-KR" altLang="en-US" dirty="0"/>
+              <a:t>재고가 증가한다</a:t>
+            </a:r>
+            <a:r>
+              <a:rPr kumimoji="1" lang="en-US" altLang="ko-KR" dirty="0"/>
+              <a:t>.</a:t>
+            </a:r>
+          </a:p>
+          <a:p>
+            <a:pPr marL="514350" indent="-514350">
+              <a:buFont typeface="+mj-lt"/>
+              <a:buAutoNum type="arabicPeriod" startAt="7"/>
+            </a:pPr>
+            <a:r>
+              <a:rPr kumimoji="1" lang="ko-KR" altLang="en-US" dirty="0"/>
+              <a:t>사용자는 대여상태를 대시보드에서 확인한다</a:t>
+            </a:r>
+            <a:r>
+              <a:rPr kumimoji="1" lang="en-US" altLang="ko-KR" dirty="0"/>
+              <a:t>.</a:t>
+            </a:r>
+          </a:p>
+        </p:txBody>
+      </p:sp>
       <p:pic>
         <p:nvPicPr>
-          <p:cNvPr id="6" name="그림 5">
+          <p:cNvPr id="4" name="그림 3">
             <a:extLst>
               <a:ext uri="{FF2B5EF4-FFF2-40B4-BE49-F238E27FC236}">
-                <a16:creationId xmlns:a16="http://schemas.microsoft.com/office/drawing/2014/main" id="{4CEA7ACE-2DFE-4B14-B58F-69B3434A1EE5}"/>
+                <a16:creationId xmlns:a16="http://schemas.microsoft.com/office/drawing/2014/main" id="{22ABA7F1-7734-441E-8CAA-3E15BD3FAF32}"/>
               </a:ext>
             </a:extLst>
           </p:cNvPr>
@@ -12790,979 +11591,18 @@
         </p:blipFill>
         <p:spPr>
           <a:xfrm>
-            <a:off x="4135029" y="1560645"/>
-            <a:ext cx="7956597" cy="5145688"/>
+            <a:off x="4210417" y="1564087"/>
+            <a:ext cx="7606446" cy="4327492"/>
           </a:xfrm>
           <a:prstGeom prst="rect">
             <a:avLst/>
           </a:prstGeom>
         </p:spPr>
       </p:pic>
-      <p:sp>
-        <p:nvSpPr>
-          <p:cNvPr id="2" name="제목 1"/>
-          <p:cNvSpPr>
-            <a:spLocks noGrp="1"/>
-          </p:cNvSpPr>
-          <p:nvPr>
-            <p:ph type="title"/>
-          </p:nvPr>
-        </p:nvSpPr>
-        <p:spPr/>
-        <p:txBody>
-          <a:bodyPr/>
-          <a:lstStyle/>
-          <a:p>
-            <a:r>
-              <a:rPr kumimoji="1" lang="ko-KR" altLang="en-US" dirty="0"/>
-              <a:t>시나리오 </a:t>
-            </a:r>
-            <a:r>
-              <a:rPr kumimoji="1" lang="en-US" altLang="ko-KR" dirty="0"/>
-              <a:t>Coverage Check (3)</a:t>
-            </a:r>
-            <a:endParaRPr kumimoji="1" lang="ko-KR" altLang="en-US" dirty="0"/>
-          </a:p>
-        </p:txBody>
-      </p:sp>
-      <p:sp>
-        <p:nvSpPr>
-          <p:cNvPr id="11" name="내용 개체 틀 2">
-            <a:extLst>
-              <a:ext uri="{FF2B5EF4-FFF2-40B4-BE49-F238E27FC236}">
-                <a16:creationId xmlns:a16="http://schemas.microsoft.com/office/drawing/2014/main" id="{E127838B-F674-4CF1-AD75-4826E31D74B8}"/>
-              </a:ext>
-            </a:extLst>
-          </p:cNvPr>
-          <p:cNvSpPr>
-            <a:spLocks noGrp="1"/>
-          </p:cNvSpPr>
-          <p:nvPr>
-            <p:ph idx="1"/>
-          </p:nvPr>
-        </p:nvSpPr>
-        <p:spPr>
-          <a:xfrm>
-            <a:off x="207024" y="1825625"/>
-            <a:ext cx="3819525" cy="4351338"/>
-          </a:xfrm>
-        </p:spPr>
-        <p:txBody>
-          <a:bodyPr/>
-          <a:lstStyle/>
-          <a:p>
-            <a:pPr marL="514350" indent="-514350">
-              <a:buFont typeface="+mj-lt"/>
-              <a:buAutoNum type="arabicPeriod" startAt="7"/>
-            </a:pPr>
-            <a:r>
-              <a:rPr kumimoji="1" lang="ko-KR" altLang="en-US" dirty="0"/>
-              <a:t>사용자가 킥보드를 반납한다</a:t>
-            </a:r>
-            <a:r>
-              <a:rPr kumimoji="1" lang="en-US" altLang="ko-KR" dirty="0"/>
-              <a:t>.</a:t>
-            </a:r>
-          </a:p>
-          <a:p>
-            <a:pPr marL="514350" indent="-514350">
-              <a:buFont typeface="+mj-lt"/>
-              <a:buAutoNum type="arabicPeriod" startAt="7"/>
-            </a:pPr>
-            <a:r>
-              <a:rPr kumimoji="1" lang="ko-KR" altLang="en-US" dirty="0"/>
-              <a:t>반납요청이 확인되면</a:t>
-            </a:r>
-            <a:r>
-              <a:rPr kumimoji="1" lang="en-US" altLang="ko-KR" dirty="0"/>
-              <a:t> </a:t>
-            </a:r>
-            <a:r>
-              <a:rPr kumimoji="1" lang="ko-KR" altLang="en-US" dirty="0"/>
-              <a:t>재고가 증가한다</a:t>
-            </a:r>
-            <a:r>
-              <a:rPr kumimoji="1" lang="en-US" altLang="ko-KR" dirty="0"/>
-              <a:t>.</a:t>
-            </a:r>
-          </a:p>
-          <a:p>
-            <a:pPr marL="514350" indent="-514350">
-              <a:buFont typeface="+mj-lt"/>
-              <a:buAutoNum type="arabicPeriod" startAt="7"/>
-            </a:pPr>
-            <a:r>
-              <a:rPr kumimoji="1" lang="ko-KR" altLang="en-US" dirty="0"/>
-              <a:t>사용자는 대여상태를 대시보드에서 확인한다</a:t>
-            </a:r>
-            <a:r>
-              <a:rPr kumimoji="1" lang="en-US" altLang="ko-KR" dirty="0"/>
-              <a:t>.</a:t>
-            </a:r>
-          </a:p>
-        </p:txBody>
-      </p:sp>
-      <p:sp>
-        <p:nvSpPr>
-          <p:cNvPr id="5" name="자유형: 도형 4">
-            <a:extLst>
-              <a:ext uri="{FF2B5EF4-FFF2-40B4-BE49-F238E27FC236}">
-                <a16:creationId xmlns:a16="http://schemas.microsoft.com/office/drawing/2014/main" id="{FEB3F1E0-B2FA-490E-9129-32569340E5A7}"/>
-              </a:ext>
-            </a:extLst>
-          </p:cNvPr>
-          <p:cNvSpPr/>
-          <p:nvPr/>
-        </p:nvSpPr>
-        <p:spPr>
-          <a:xfrm>
-            <a:off x="4726004" y="2991988"/>
-            <a:ext cx="6997567" cy="675237"/>
-          </a:xfrm>
-          <a:custGeom>
-            <a:avLst/>
-            <a:gdLst>
-              <a:gd name="connsiteX0" fmla="*/ 0 w 6997567"/>
-              <a:gd name="connsiteY0" fmla="*/ 588610 h 675237"/>
-              <a:gd name="connsiteX1" fmla="*/ 48127 w 6997567"/>
-              <a:gd name="connsiteY1" fmla="*/ 617486 h 675237"/>
-              <a:gd name="connsiteX2" fmla="*/ 105878 w 6997567"/>
-              <a:gd name="connsiteY2" fmla="*/ 636736 h 675237"/>
-              <a:gd name="connsiteX3" fmla="*/ 192505 w 6997567"/>
-              <a:gd name="connsiteY3" fmla="*/ 617486 h 675237"/>
-              <a:gd name="connsiteX4" fmla="*/ 231007 w 6997567"/>
-              <a:gd name="connsiteY4" fmla="*/ 607860 h 675237"/>
-              <a:gd name="connsiteX5" fmla="*/ 317634 w 6997567"/>
-              <a:gd name="connsiteY5" fmla="*/ 521233 h 675237"/>
-              <a:gd name="connsiteX6" fmla="*/ 346510 w 6997567"/>
-              <a:gd name="connsiteY6" fmla="*/ 492357 h 675237"/>
-              <a:gd name="connsiteX7" fmla="*/ 385011 w 6997567"/>
-              <a:gd name="connsiteY7" fmla="*/ 444231 h 675237"/>
-              <a:gd name="connsiteX8" fmla="*/ 423512 w 6997567"/>
-              <a:gd name="connsiteY8" fmla="*/ 415355 h 675237"/>
-              <a:gd name="connsiteX9" fmla="*/ 462013 w 6997567"/>
-              <a:gd name="connsiteY9" fmla="*/ 319103 h 675237"/>
-              <a:gd name="connsiteX10" fmla="*/ 481263 w 6997567"/>
-              <a:gd name="connsiteY10" fmla="*/ 261351 h 675237"/>
-              <a:gd name="connsiteX11" fmla="*/ 500514 w 6997567"/>
-              <a:gd name="connsiteY11" fmla="*/ 222850 h 675237"/>
-              <a:gd name="connsiteX12" fmla="*/ 510139 w 6997567"/>
-              <a:gd name="connsiteY12" fmla="*/ 193974 h 675237"/>
-              <a:gd name="connsiteX13" fmla="*/ 558265 w 6997567"/>
-              <a:gd name="connsiteY13" fmla="*/ 155473 h 675237"/>
-              <a:gd name="connsiteX14" fmla="*/ 587141 w 6997567"/>
-              <a:gd name="connsiteY14" fmla="*/ 136223 h 675237"/>
-              <a:gd name="connsiteX15" fmla="*/ 644893 w 6997567"/>
-              <a:gd name="connsiteY15" fmla="*/ 126597 h 675237"/>
-              <a:gd name="connsiteX16" fmla="*/ 721895 w 6997567"/>
-              <a:gd name="connsiteY16" fmla="*/ 145848 h 675237"/>
-              <a:gd name="connsiteX17" fmla="*/ 750771 w 6997567"/>
-              <a:gd name="connsiteY17" fmla="*/ 213225 h 675237"/>
-              <a:gd name="connsiteX18" fmla="*/ 770021 w 6997567"/>
-              <a:gd name="connsiteY18" fmla="*/ 309477 h 675237"/>
-              <a:gd name="connsiteX19" fmla="*/ 789272 w 6997567"/>
-              <a:gd name="connsiteY19" fmla="*/ 396105 h 675237"/>
-              <a:gd name="connsiteX20" fmla="*/ 856649 w 6997567"/>
-              <a:gd name="connsiteY20" fmla="*/ 473107 h 675237"/>
-              <a:gd name="connsiteX21" fmla="*/ 875899 w 6997567"/>
-              <a:gd name="connsiteY21" fmla="*/ 501983 h 675237"/>
-              <a:gd name="connsiteX22" fmla="*/ 943276 w 6997567"/>
-              <a:gd name="connsiteY22" fmla="*/ 569359 h 675237"/>
-              <a:gd name="connsiteX23" fmla="*/ 1001028 w 6997567"/>
-              <a:gd name="connsiteY23" fmla="*/ 588610 h 675237"/>
-              <a:gd name="connsiteX24" fmla="*/ 1087655 w 6997567"/>
-              <a:gd name="connsiteY24" fmla="*/ 627111 h 675237"/>
-              <a:gd name="connsiteX25" fmla="*/ 1203158 w 6997567"/>
-              <a:gd name="connsiteY25" fmla="*/ 665612 h 675237"/>
-              <a:gd name="connsiteX26" fmla="*/ 1232034 w 6997567"/>
-              <a:gd name="connsiteY26" fmla="*/ 675237 h 675237"/>
-              <a:gd name="connsiteX27" fmla="*/ 1501541 w 6997567"/>
-              <a:gd name="connsiteY27" fmla="*/ 646361 h 675237"/>
-              <a:gd name="connsiteX28" fmla="*/ 1568918 w 6997567"/>
-              <a:gd name="connsiteY28" fmla="*/ 617486 h 675237"/>
-              <a:gd name="connsiteX29" fmla="*/ 1694047 w 6997567"/>
-              <a:gd name="connsiteY29" fmla="*/ 607860 h 675237"/>
-              <a:gd name="connsiteX30" fmla="*/ 1963554 w 6997567"/>
-              <a:gd name="connsiteY30" fmla="*/ 627111 h 675237"/>
-              <a:gd name="connsiteX31" fmla="*/ 2030931 w 6997567"/>
-              <a:gd name="connsiteY31" fmla="*/ 636736 h 675237"/>
-              <a:gd name="connsiteX32" fmla="*/ 2107933 w 6997567"/>
-              <a:gd name="connsiteY32" fmla="*/ 617486 h 675237"/>
-              <a:gd name="connsiteX33" fmla="*/ 2271562 w 6997567"/>
-              <a:gd name="connsiteY33" fmla="*/ 598235 h 675237"/>
-              <a:gd name="connsiteX34" fmla="*/ 2579571 w 6997567"/>
-              <a:gd name="connsiteY34" fmla="*/ 588610 h 675237"/>
-              <a:gd name="connsiteX35" fmla="*/ 2954956 w 6997567"/>
-              <a:gd name="connsiteY35" fmla="*/ 540484 h 675237"/>
-              <a:gd name="connsiteX36" fmla="*/ 3157087 w 6997567"/>
-              <a:gd name="connsiteY36" fmla="*/ 559734 h 675237"/>
-              <a:gd name="connsiteX37" fmla="*/ 3185962 w 6997567"/>
-              <a:gd name="connsiteY37" fmla="*/ 569359 h 675237"/>
-              <a:gd name="connsiteX38" fmla="*/ 3262964 w 6997567"/>
-              <a:gd name="connsiteY38" fmla="*/ 588610 h 675237"/>
-              <a:gd name="connsiteX39" fmla="*/ 3349592 w 6997567"/>
-              <a:gd name="connsiteY39" fmla="*/ 598235 h 675237"/>
-              <a:gd name="connsiteX40" fmla="*/ 3426594 w 6997567"/>
-              <a:gd name="connsiteY40" fmla="*/ 607860 h 675237"/>
-              <a:gd name="connsiteX41" fmla="*/ 3542097 w 6997567"/>
-              <a:gd name="connsiteY41" fmla="*/ 578985 h 675237"/>
-              <a:gd name="connsiteX42" fmla="*/ 3561348 w 6997567"/>
-              <a:gd name="connsiteY42" fmla="*/ 540484 h 675237"/>
-              <a:gd name="connsiteX43" fmla="*/ 3609474 w 6997567"/>
-              <a:gd name="connsiteY43" fmla="*/ 415355 h 675237"/>
-              <a:gd name="connsiteX44" fmla="*/ 3667225 w 6997567"/>
-              <a:gd name="connsiteY44" fmla="*/ 280601 h 675237"/>
-              <a:gd name="connsiteX45" fmla="*/ 3753853 w 6997567"/>
-              <a:gd name="connsiteY45" fmla="*/ 174724 h 675237"/>
-              <a:gd name="connsiteX46" fmla="*/ 3792354 w 6997567"/>
-              <a:gd name="connsiteY46" fmla="*/ 184349 h 675237"/>
-              <a:gd name="connsiteX47" fmla="*/ 3907857 w 6997567"/>
-              <a:gd name="connsiteY47" fmla="*/ 232475 h 675237"/>
-              <a:gd name="connsiteX48" fmla="*/ 3927108 w 6997567"/>
-              <a:gd name="connsiteY48" fmla="*/ 261351 h 675237"/>
-              <a:gd name="connsiteX49" fmla="*/ 4032985 w 6997567"/>
-              <a:gd name="connsiteY49" fmla="*/ 309477 h 675237"/>
-              <a:gd name="connsiteX50" fmla="*/ 4081112 w 6997567"/>
-              <a:gd name="connsiteY50" fmla="*/ 328728 h 675237"/>
-              <a:gd name="connsiteX51" fmla="*/ 4206240 w 6997567"/>
-              <a:gd name="connsiteY51" fmla="*/ 405730 h 675237"/>
-              <a:gd name="connsiteX52" fmla="*/ 4273617 w 6997567"/>
-              <a:gd name="connsiteY52" fmla="*/ 424980 h 675237"/>
-              <a:gd name="connsiteX53" fmla="*/ 4331369 w 6997567"/>
-              <a:gd name="connsiteY53" fmla="*/ 434606 h 675237"/>
-              <a:gd name="connsiteX54" fmla="*/ 4360244 w 6997567"/>
-              <a:gd name="connsiteY54" fmla="*/ 444231 h 675237"/>
-              <a:gd name="connsiteX55" fmla="*/ 4591251 w 6997567"/>
-              <a:gd name="connsiteY55" fmla="*/ 405730 h 675237"/>
-              <a:gd name="connsiteX56" fmla="*/ 4697129 w 6997567"/>
-              <a:gd name="connsiteY56" fmla="*/ 357604 h 675237"/>
-              <a:gd name="connsiteX57" fmla="*/ 4783756 w 6997567"/>
-              <a:gd name="connsiteY57" fmla="*/ 328728 h 675237"/>
-              <a:gd name="connsiteX58" fmla="*/ 4995512 w 6997567"/>
-              <a:gd name="connsiteY58" fmla="*/ 232475 h 675237"/>
-              <a:gd name="connsiteX59" fmla="*/ 5062889 w 6997567"/>
-              <a:gd name="connsiteY59" fmla="*/ 184349 h 675237"/>
-              <a:gd name="connsiteX60" fmla="*/ 5188017 w 6997567"/>
-              <a:gd name="connsiteY60" fmla="*/ 136223 h 675237"/>
-              <a:gd name="connsiteX61" fmla="*/ 5342021 w 6997567"/>
-              <a:gd name="connsiteY61" fmla="*/ 78471 h 675237"/>
-              <a:gd name="connsiteX62" fmla="*/ 5553777 w 6997567"/>
-              <a:gd name="connsiteY62" fmla="*/ 68846 h 675237"/>
-              <a:gd name="connsiteX63" fmla="*/ 5650030 w 6997567"/>
-              <a:gd name="connsiteY63" fmla="*/ 59220 h 675237"/>
-              <a:gd name="connsiteX64" fmla="*/ 5784783 w 6997567"/>
-              <a:gd name="connsiteY64" fmla="*/ 30345 h 675237"/>
-              <a:gd name="connsiteX65" fmla="*/ 5813659 w 6997567"/>
-              <a:gd name="connsiteY65" fmla="*/ 11094 h 675237"/>
-              <a:gd name="connsiteX66" fmla="*/ 5996539 w 6997567"/>
-              <a:gd name="connsiteY66" fmla="*/ 11094 h 675237"/>
-              <a:gd name="connsiteX67" fmla="*/ 6054291 w 6997567"/>
-              <a:gd name="connsiteY67" fmla="*/ 30345 h 675237"/>
-              <a:gd name="connsiteX68" fmla="*/ 6169794 w 6997567"/>
-              <a:gd name="connsiteY68" fmla="*/ 107347 h 675237"/>
-              <a:gd name="connsiteX69" fmla="*/ 6256421 w 6997567"/>
-              <a:gd name="connsiteY69" fmla="*/ 193974 h 675237"/>
-              <a:gd name="connsiteX70" fmla="*/ 6285297 w 6997567"/>
-              <a:gd name="connsiteY70" fmla="*/ 213225 h 675237"/>
-              <a:gd name="connsiteX71" fmla="*/ 6323798 w 6997567"/>
-              <a:gd name="connsiteY71" fmla="*/ 251726 h 675237"/>
-              <a:gd name="connsiteX72" fmla="*/ 6516303 w 6997567"/>
-              <a:gd name="connsiteY72" fmla="*/ 309477 h 675237"/>
-              <a:gd name="connsiteX73" fmla="*/ 6622181 w 6997567"/>
-              <a:gd name="connsiteY73" fmla="*/ 367229 h 675237"/>
-              <a:gd name="connsiteX74" fmla="*/ 6718434 w 6997567"/>
-              <a:gd name="connsiteY74" fmla="*/ 415355 h 675237"/>
-              <a:gd name="connsiteX75" fmla="*/ 6795436 w 6997567"/>
-              <a:gd name="connsiteY75" fmla="*/ 434606 h 675237"/>
-              <a:gd name="connsiteX76" fmla="*/ 6833937 w 6997567"/>
-              <a:gd name="connsiteY76" fmla="*/ 444231 h 675237"/>
-              <a:gd name="connsiteX77" fmla="*/ 6862813 w 6997567"/>
-              <a:gd name="connsiteY77" fmla="*/ 463481 h 675237"/>
-              <a:gd name="connsiteX78" fmla="*/ 6891689 w 6997567"/>
-              <a:gd name="connsiteY78" fmla="*/ 492357 h 675237"/>
-              <a:gd name="connsiteX79" fmla="*/ 6949440 w 6997567"/>
-              <a:gd name="connsiteY79" fmla="*/ 501983 h 675237"/>
-              <a:gd name="connsiteX80" fmla="*/ 6997567 w 6997567"/>
-              <a:gd name="connsiteY80" fmla="*/ 521233 h 675237"/>
-            </a:gdLst>
-            <a:ahLst/>
-            <a:cxnLst>
-              <a:cxn ang="0">
-                <a:pos x="connsiteX0" y="connsiteY0"/>
-              </a:cxn>
-              <a:cxn ang="0">
-                <a:pos x="connsiteX1" y="connsiteY1"/>
-              </a:cxn>
-              <a:cxn ang="0">
-                <a:pos x="connsiteX2" y="connsiteY2"/>
-              </a:cxn>
-              <a:cxn ang="0">
-                <a:pos x="connsiteX3" y="connsiteY3"/>
-              </a:cxn>
-              <a:cxn ang="0">
-                <a:pos x="connsiteX4" y="connsiteY4"/>
-              </a:cxn>
-              <a:cxn ang="0">
-                <a:pos x="connsiteX5" y="connsiteY5"/>
-              </a:cxn>
-              <a:cxn ang="0">
-                <a:pos x="connsiteX6" y="connsiteY6"/>
-              </a:cxn>
-              <a:cxn ang="0">
-                <a:pos x="connsiteX7" y="connsiteY7"/>
-              </a:cxn>
-              <a:cxn ang="0">
-                <a:pos x="connsiteX8" y="connsiteY8"/>
-              </a:cxn>
-              <a:cxn ang="0">
-                <a:pos x="connsiteX9" y="connsiteY9"/>
-              </a:cxn>
-              <a:cxn ang="0">
-                <a:pos x="connsiteX10" y="connsiteY10"/>
-              </a:cxn>
-              <a:cxn ang="0">
-                <a:pos x="connsiteX11" y="connsiteY11"/>
-              </a:cxn>
-              <a:cxn ang="0">
-                <a:pos x="connsiteX12" y="connsiteY12"/>
-              </a:cxn>
-              <a:cxn ang="0">
-                <a:pos x="connsiteX13" y="connsiteY13"/>
-              </a:cxn>
-              <a:cxn ang="0">
-                <a:pos x="connsiteX14" y="connsiteY14"/>
-              </a:cxn>
-              <a:cxn ang="0">
-                <a:pos x="connsiteX15" y="connsiteY15"/>
-              </a:cxn>
-              <a:cxn ang="0">
-                <a:pos x="connsiteX16" y="connsiteY16"/>
-              </a:cxn>
-              <a:cxn ang="0">
-                <a:pos x="connsiteX17" y="connsiteY17"/>
-              </a:cxn>
-              <a:cxn ang="0">
-                <a:pos x="connsiteX18" y="connsiteY18"/>
-              </a:cxn>
-              <a:cxn ang="0">
-                <a:pos x="connsiteX19" y="connsiteY19"/>
-              </a:cxn>
-              <a:cxn ang="0">
-                <a:pos x="connsiteX20" y="connsiteY20"/>
-              </a:cxn>
-              <a:cxn ang="0">
-                <a:pos x="connsiteX21" y="connsiteY21"/>
-              </a:cxn>
-              <a:cxn ang="0">
-                <a:pos x="connsiteX22" y="connsiteY22"/>
-              </a:cxn>
-              <a:cxn ang="0">
-                <a:pos x="connsiteX23" y="connsiteY23"/>
-              </a:cxn>
-              <a:cxn ang="0">
-                <a:pos x="connsiteX24" y="connsiteY24"/>
-              </a:cxn>
-              <a:cxn ang="0">
-                <a:pos x="connsiteX25" y="connsiteY25"/>
-              </a:cxn>
-              <a:cxn ang="0">
-                <a:pos x="connsiteX26" y="connsiteY26"/>
-              </a:cxn>
-              <a:cxn ang="0">
-                <a:pos x="connsiteX27" y="connsiteY27"/>
-              </a:cxn>
-              <a:cxn ang="0">
-                <a:pos x="connsiteX28" y="connsiteY28"/>
-              </a:cxn>
-              <a:cxn ang="0">
-                <a:pos x="connsiteX29" y="connsiteY29"/>
-              </a:cxn>
-              <a:cxn ang="0">
-                <a:pos x="connsiteX30" y="connsiteY30"/>
-              </a:cxn>
-              <a:cxn ang="0">
-                <a:pos x="connsiteX31" y="connsiteY31"/>
-              </a:cxn>
-              <a:cxn ang="0">
-                <a:pos x="connsiteX32" y="connsiteY32"/>
-              </a:cxn>
-              <a:cxn ang="0">
-                <a:pos x="connsiteX33" y="connsiteY33"/>
-              </a:cxn>
-              <a:cxn ang="0">
-                <a:pos x="connsiteX34" y="connsiteY34"/>
-              </a:cxn>
-              <a:cxn ang="0">
-                <a:pos x="connsiteX35" y="connsiteY35"/>
-              </a:cxn>
-              <a:cxn ang="0">
-                <a:pos x="connsiteX36" y="connsiteY36"/>
-              </a:cxn>
-              <a:cxn ang="0">
-                <a:pos x="connsiteX37" y="connsiteY37"/>
-              </a:cxn>
-              <a:cxn ang="0">
-                <a:pos x="connsiteX38" y="connsiteY38"/>
-              </a:cxn>
-              <a:cxn ang="0">
-                <a:pos x="connsiteX39" y="connsiteY39"/>
-              </a:cxn>
-              <a:cxn ang="0">
-                <a:pos x="connsiteX40" y="connsiteY40"/>
-              </a:cxn>
-              <a:cxn ang="0">
-                <a:pos x="connsiteX41" y="connsiteY41"/>
-              </a:cxn>
-              <a:cxn ang="0">
-                <a:pos x="connsiteX42" y="connsiteY42"/>
-              </a:cxn>
-              <a:cxn ang="0">
-                <a:pos x="connsiteX43" y="connsiteY43"/>
-              </a:cxn>
-              <a:cxn ang="0">
-                <a:pos x="connsiteX44" y="connsiteY44"/>
-              </a:cxn>
-              <a:cxn ang="0">
-                <a:pos x="connsiteX45" y="connsiteY45"/>
-              </a:cxn>
-              <a:cxn ang="0">
-                <a:pos x="connsiteX46" y="connsiteY46"/>
-              </a:cxn>
-              <a:cxn ang="0">
-                <a:pos x="connsiteX47" y="connsiteY47"/>
-              </a:cxn>
-              <a:cxn ang="0">
-                <a:pos x="connsiteX48" y="connsiteY48"/>
-              </a:cxn>
-              <a:cxn ang="0">
-                <a:pos x="connsiteX49" y="connsiteY49"/>
-              </a:cxn>
-              <a:cxn ang="0">
-                <a:pos x="connsiteX50" y="connsiteY50"/>
-              </a:cxn>
-              <a:cxn ang="0">
-                <a:pos x="connsiteX51" y="connsiteY51"/>
-              </a:cxn>
-              <a:cxn ang="0">
-                <a:pos x="connsiteX52" y="connsiteY52"/>
-              </a:cxn>
-              <a:cxn ang="0">
-                <a:pos x="connsiteX53" y="connsiteY53"/>
-              </a:cxn>
-              <a:cxn ang="0">
-                <a:pos x="connsiteX54" y="connsiteY54"/>
-              </a:cxn>
-              <a:cxn ang="0">
-                <a:pos x="connsiteX55" y="connsiteY55"/>
-              </a:cxn>
-              <a:cxn ang="0">
-                <a:pos x="connsiteX56" y="connsiteY56"/>
-              </a:cxn>
-              <a:cxn ang="0">
-                <a:pos x="connsiteX57" y="connsiteY57"/>
-              </a:cxn>
-              <a:cxn ang="0">
-                <a:pos x="connsiteX58" y="connsiteY58"/>
-              </a:cxn>
-              <a:cxn ang="0">
-                <a:pos x="connsiteX59" y="connsiteY59"/>
-              </a:cxn>
-              <a:cxn ang="0">
-                <a:pos x="connsiteX60" y="connsiteY60"/>
-              </a:cxn>
-              <a:cxn ang="0">
-                <a:pos x="connsiteX61" y="connsiteY61"/>
-              </a:cxn>
-              <a:cxn ang="0">
-                <a:pos x="connsiteX62" y="connsiteY62"/>
-              </a:cxn>
-              <a:cxn ang="0">
-                <a:pos x="connsiteX63" y="connsiteY63"/>
-              </a:cxn>
-              <a:cxn ang="0">
-                <a:pos x="connsiteX64" y="connsiteY64"/>
-              </a:cxn>
-              <a:cxn ang="0">
-                <a:pos x="connsiteX65" y="connsiteY65"/>
-              </a:cxn>
-              <a:cxn ang="0">
-                <a:pos x="connsiteX66" y="connsiteY66"/>
-              </a:cxn>
-              <a:cxn ang="0">
-                <a:pos x="connsiteX67" y="connsiteY67"/>
-              </a:cxn>
-              <a:cxn ang="0">
-                <a:pos x="connsiteX68" y="connsiteY68"/>
-              </a:cxn>
-              <a:cxn ang="0">
-                <a:pos x="connsiteX69" y="connsiteY69"/>
-              </a:cxn>
-              <a:cxn ang="0">
-                <a:pos x="connsiteX70" y="connsiteY70"/>
-              </a:cxn>
-              <a:cxn ang="0">
-                <a:pos x="connsiteX71" y="connsiteY71"/>
-              </a:cxn>
-              <a:cxn ang="0">
-                <a:pos x="connsiteX72" y="connsiteY72"/>
-              </a:cxn>
-              <a:cxn ang="0">
-                <a:pos x="connsiteX73" y="connsiteY73"/>
-              </a:cxn>
-              <a:cxn ang="0">
-                <a:pos x="connsiteX74" y="connsiteY74"/>
-              </a:cxn>
-              <a:cxn ang="0">
-                <a:pos x="connsiteX75" y="connsiteY75"/>
-              </a:cxn>
-              <a:cxn ang="0">
-                <a:pos x="connsiteX76" y="connsiteY76"/>
-              </a:cxn>
-              <a:cxn ang="0">
-                <a:pos x="connsiteX77" y="connsiteY77"/>
-              </a:cxn>
-              <a:cxn ang="0">
-                <a:pos x="connsiteX78" y="connsiteY78"/>
-              </a:cxn>
-              <a:cxn ang="0">
-                <a:pos x="connsiteX79" y="connsiteY79"/>
-              </a:cxn>
-              <a:cxn ang="0">
-                <a:pos x="connsiteX80" y="connsiteY80"/>
-              </a:cxn>
-            </a:cxnLst>
-            <a:rect l="l" t="t" r="r" b="b"/>
-            <a:pathLst>
-              <a:path w="6997567" h="675237">
-                <a:moveTo>
-                  <a:pt x="0" y="588610"/>
-                </a:moveTo>
-                <a:cubicBezTo>
-                  <a:pt x="16042" y="598235"/>
-                  <a:pt x="31095" y="609744"/>
-                  <a:pt x="48127" y="617486"/>
-                </a:cubicBezTo>
-                <a:cubicBezTo>
-                  <a:pt x="66600" y="625883"/>
-                  <a:pt x="105878" y="636736"/>
-                  <a:pt x="105878" y="636736"/>
-                </a:cubicBezTo>
-                <a:lnTo>
-                  <a:pt x="192505" y="617486"/>
-                </a:lnTo>
-                <a:cubicBezTo>
-                  <a:pt x="205395" y="614511"/>
-                  <a:pt x="219175" y="613776"/>
-                  <a:pt x="231007" y="607860"/>
-                </a:cubicBezTo>
-                <a:cubicBezTo>
-                  <a:pt x="270624" y="588052"/>
-                  <a:pt x="288810" y="553660"/>
-                  <a:pt x="317634" y="521233"/>
-                </a:cubicBezTo>
-                <a:cubicBezTo>
-                  <a:pt x="326677" y="511059"/>
-                  <a:pt x="337546" y="502601"/>
-                  <a:pt x="346510" y="492357"/>
-                </a:cubicBezTo>
-                <a:cubicBezTo>
-                  <a:pt x="360038" y="476896"/>
-                  <a:pt x="370484" y="458758"/>
-                  <a:pt x="385011" y="444231"/>
-                </a:cubicBezTo>
-                <a:cubicBezTo>
-                  <a:pt x="396355" y="432887"/>
-                  <a:pt x="410678" y="424980"/>
-                  <a:pt x="423512" y="415355"/>
-                </a:cubicBezTo>
-                <a:cubicBezTo>
-                  <a:pt x="451835" y="358708"/>
-                  <a:pt x="438227" y="390461"/>
-                  <a:pt x="462013" y="319103"/>
-                </a:cubicBezTo>
-                <a:cubicBezTo>
-                  <a:pt x="468430" y="299852"/>
-                  <a:pt x="472188" y="279501"/>
-                  <a:pt x="481263" y="261351"/>
-                </a:cubicBezTo>
-                <a:cubicBezTo>
-                  <a:pt x="487680" y="248517"/>
-                  <a:pt x="494862" y="236038"/>
-                  <a:pt x="500514" y="222850"/>
-                </a:cubicBezTo>
-                <a:cubicBezTo>
-                  <a:pt x="504511" y="213524"/>
-                  <a:pt x="503536" y="201677"/>
-                  <a:pt x="510139" y="193974"/>
-                </a:cubicBezTo>
-                <a:cubicBezTo>
-                  <a:pt x="523509" y="178376"/>
-                  <a:pt x="541830" y="167799"/>
-                  <a:pt x="558265" y="155473"/>
-                </a:cubicBezTo>
-                <a:cubicBezTo>
-                  <a:pt x="567519" y="148532"/>
-                  <a:pt x="576167" y="139881"/>
-                  <a:pt x="587141" y="136223"/>
-                </a:cubicBezTo>
-                <a:cubicBezTo>
-                  <a:pt x="605656" y="130051"/>
-                  <a:pt x="625642" y="129806"/>
-                  <a:pt x="644893" y="126597"/>
-                </a:cubicBezTo>
-                <a:cubicBezTo>
-                  <a:pt x="670560" y="133014"/>
-                  <a:pt x="701418" y="129094"/>
-                  <a:pt x="721895" y="145848"/>
-                </a:cubicBezTo>
-                <a:cubicBezTo>
-                  <a:pt x="740806" y="161321"/>
-                  <a:pt x="743876" y="189783"/>
-                  <a:pt x="750771" y="213225"/>
-                </a:cubicBezTo>
-                <a:cubicBezTo>
-                  <a:pt x="760003" y="244615"/>
-                  <a:pt x="763991" y="277318"/>
-                  <a:pt x="770021" y="309477"/>
-                </a:cubicBezTo>
-                <a:cubicBezTo>
-                  <a:pt x="774456" y="333132"/>
-                  <a:pt x="777041" y="371643"/>
-                  <a:pt x="789272" y="396105"/>
-                </a:cubicBezTo>
-                <a:cubicBezTo>
-                  <a:pt x="807321" y="432203"/>
-                  <a:pt x="827380" y="439656"/>
-                  <a:pt x="856649" y="473107"/>
-                </a:cubicBezTo>
-                <a:cubicBezTo>
-                  <a:pt x="864267" y="481813"/>
-                  <a:pt x="868160" y="493385"/>
-                  <a:pt x="875899" y="501983"/>
-                </a:cubicBezTo>
-                <a:cubicBezTo>
-                  <a:pt x="897146" y="525591"/>
-                  <a:pt x="913144" y="559315"/>
-                  <a:pt x="943276" y="569359"/>
-                </a:cubicBezTo>
-                <a:cubicBezTo>
-                  <a:pt x="962527" y="575776"/>
-                  <a:pt x="982187" y="581074"/>
-                  <a:pt x="1001028" y="588610"/>
-                </a:cubicBezTo>
-                <a:cubicBezTo>
-                  <a:pt x="1118593" y="635636"/>
-                  <a:pt x="949610" y="578389"/>
-                  <a:pt x="1087655" y="627111"/>
-                </a:cubicBezTo>
-                <a:cubicBezTo>
-                  <a:pt x="1125925" y="640618"/>
-                  <a:pt x="1164657" y="652778"/>
-                  <a:pt x="1203158" y="665612"/>
-                </a:cubicBezTo>
-                <a:lnTo>
-                  <a:pt x="1232034" y="675237"/>
-                </a:lnTo>
-                <a:cubicBezTo>
-                  <a:pt x="1321870" y="665612"/>
-                  <a:pt x="1412490" y="661627"/>
-                  <a:pt x="1501541" y="646361"/>
-                </a:cubicBezTo>
-                <a:cubicBezTo>
-                  <a:pt x="1525624" y="642232"/>
-                  <a:pt x="1544958" y="622278"/>
-                  <a:pt x="1568918" y="617486"/>
-                </a:cubicBezTo>
-                <a:cubicBezTo>
-                  <a:pt x="1609939" y="609282"/>
-                  <a:pt x="1652337" y="611069"/>
-                  <a:pt x="1694047" y="607860"/>
-                </a:cubicBezTo>
-                <a:lnTo>
-                  <a:pt x="1963554" y="627111"/>
-                </a:lnTo>
-                <a:cubicBezTo>
-                  <a:pt x="1986158" y="629049"/>
-                  <a:pt x="2008294" y="638245"/>
-                  <a:pt x="2030931" y="636736"/>
-                </a:cubicBezTo>
-                <a:cubicBezTo>
-                  <a:pt x="2057330" y="634976"/>
-                  <a:pt x="2081929" y="622362"/>
-                  <a:pt x="2107933" y="617486"/>
-                </a:cubicBezTo>
-                <a:cubicBezTo>
-                  <a:pt x="2121151" y="615008"/>
-                  <a:pt x="2263247" y="598641"/>
-                  <a:pt x="2271562" y="598235"/>
-                </a:cubicBezTo>
-                <a:cubicBezTo>
-                  <a:pt x="2374160" y="593230"/>
-                  <a:pt x="2476901" y="591818"/>
-                  <a:pt x="2579571" y="588610"/>
-                </a:cubicBezTo>
-                <a:cubicBezTo>
-                  <a:pt x="2884160" y="545097"/>
-                  <a:pt x="2758703" y="558325"/>
-                  <a:pt x="2954956" y="540484"/>
-                </a:cubicBezTo>
-                <a:cubicBezTo>
-                  <a:pt x="3022333" y="546901"/>
-                  <a:pt x="3089928" y="551339"/>
-                  <a:pt x="3157087" y="559734"/>
-                </a:cubicBezTo>
-                <a:cubicBezTo>
-                  <a:pt x="3167154" y="560992"/>
-                  <a:pt x="3176174" y="566689"/>
-                  <a:pt x="3185962" y="569359"/>
-                </a:cubicBezTo>
-                <a:cubicBezTo>
-                  <a:pt x="3211487" y="576320"/>
-                  <a:pt x="3236909" y="584012"/>
-                  <a:pt x="3262964" y="588610"/>
-                </a:cubicBezTo>
-                <a:cubicBezTo>
-                  <a:pt x="3291576" y="593659"/>
-                  <a:pt x="3320737" y="594840"/>
-                  <a:pt x="3349592" y="598235"/>
-                </a:cubicBezTo>
-                <a:lnTo>
-                  <a:pt x="3426594" y="607860"/>
-                </a:lnTo>
-                <a:cubicBezTo>
-                  <a:pt x="3454337" y="604392"/>
-                  <a:pt x="3515681" y="605400"/>
-                  <a:pt x="3542097" y="578985"/>
-                </a:cubicBezTo>
-                <a:cubicBezTo>
-                  <a:pt x="3552243" y="568839"/>
-                  <a:pt x="3556197" y="553876"/>
-                  <a:pt x="3561348" y="540484"/>
-                </a:cubicBezTo>
-                <a:cubicBezTo>
-                  <a:pt x="3617036" y="395693"/>
-                  <a:pt x="3566109" y="502082"/>
-                  <a:pt x="3609474" y="415355"/>
-                </a:cubicBezTo>
-                <a:cubicBezTo>
-                  <a:pt x="3624075" y="327749"/>
-                  <a:pt x="3608756" y="374151"/>
-                  <a:pt x="3667225" y="280601"/>
-                </a:cubicBezTo>
-                <a:cubicBezTo>
-                  <a:pt x="3723853" y="189997"/>
-                  <a:pt x="3691138" y="221759"/>
-                  <a:pt x="3753853" y="174724"/>
-                </a:cubicBezTo>
-                <a:cubicBezTo>
-                  <a:pt x="3766687" y="177932"/>
-                  <a:pt x="3779968" y="179704"/>
-                  <a:pt x="3792354" y="184349"/>
-                </a:cubicBezTo>
-                <a:cubicBezTo>
-                  <a:pt x="3831408" y="198994"/>
-                  <a:pt x="3907857" y="232475"/>
-                  <a:pt x="3907857" y="232475"/>
-                </a:cubicBezTo>
-                <a:cubicBezTo>
-                  <a:pt x="3914274" y="242100"/>
-                  <a:pt x="3918325" y="253822"/>
-                  <a:pt x="3927108" y="261351"/>
-                </a:cubicBezTo>
-                <a:cubicBezTo>
-                  <a:pt x="3962767" y="291916"/>
-                  <a:pt x="3989881" y="293803"/>
-                  <a:pt x="4032985" y="309477"/>
-                </a:cubicBezTo>
-                <a:cubicBezTo>
-                  <a:pt x="4049223" y="315382"/>
-                  <a:pt x="4066110" y="320156"/>
-                  <a:pt x="4081112" y="328728"/>
-                </a:cubicBezTo>
-                <a:cubicBezTo>
-                  <a:pt x="4161276" y="374536"/>
-                  <a:pt x="4144307" y="379187"/>
-                  <a:pt x="4206240" y="405730"/>
-                </a:cubicBezTo>
-                <a:cubicBezTo>
-                  <a:pt x="4222293" y="412610"/>
-                  <a:pt x="4258355" y="421927"/>
-                  <a:pt x="4273617" y="424980"/>
-                </a:cubicBezTo>
-                <a:cubicBezTo>
-                  <a:pt x="4292754" y="428808"/>
-                  <a:pt x="4312318" y="430372"/>
-                  <a:pt x="4331369" y="434606"/>
-                </a:cubicBezTo>
-                <a:cubicBezTo>
-                  <a:pt x="4341273" y="436807"/>
-                  <a:pt x="4350619" y="441023"/>
-                  <a:pt x="4360244" y="444231"/>
-                </a:cubicBezTo>
-                <a:cubicBezTo>
-                  <a:pt x="4404203" y="438370"/>
-                  <a:pt x="4536271" y="424973"/>
-                  <a:pt x="4591251" y="405730"/>
-                </a:cubicBezTo>
-                <a:cubicBezTo>
-                  <a:pt x="4627842" y="392923"/>
-                  <a:pt x="4661134" y="372002"/>
-                  <a:pt x="4697129" y="357604"/>
-                </a:cubicBezTo>
-                <a:cubicBezTo>
-                  <a:pt x="4725390" y="346300"/>
-                  <a:pt x="4755312" y="339564"/>
-                  <a:pt x="4783756" y="328728"/>
-                </a:cubicBezTo>
-                <a:cubicBezTo>
-                  <a:pt x="4840654" y="307052"/>
-                  <a:pt x="4940832" y="264639"/>
-                  <a:pt x="4995512" y="232475"/>
-                </a:cubicBezTo>
-                <a:cubicBezTo>
-                  <a:pt x="5019301" y="218481"/>
-                  <a:pt x="5038926" y="198042"/>
-                  <a:pt x="5062889" y="184349"/>
-                </a:cubicBezTo>
-                <a:cubicBezTo>
-                  <a:pt x="5115135" y="154494"/>
-                  <a:pt x="5135138" y="157374"/>
-                  <a:pt x="5188017" y="136223"/>
-                </a:cubicBezTo>
-                <a:cubicBezTo>
-                  <a:pt x="5246852" y="112689"/>
-                  <a:pt x="5258062" y="82287"/>
-                  <a:pt x="5342021" y="78471"/>
-                </a:cubicBezTo>
-                <a:lnTo>
-                  <a:pt x="5553777" y="68846"/>
-                </a:lnTo>
-                <a:cubicBezTo>
-                  <a:pt x="5585861" y="65637"/>
-                  <a:pt x="5618224" y="64521"/>
-                  <a:pt x="5650030" y="59220"/>
-                </a:cubicBezTo>
-                <a:cubicBezTo>
-                  <a:pt x="5695342" y="51668"/>
-                  <a:pt x="5784783" y="30345"/>
-                  <a:pt x="5784783" y="30345"/>
-                </a:cubicBezTo>
-                <a:cubicBezTo>
-                  <a:pt x="5794408" y="23928"/>
-                  <a:pt x="5803026" y="15651"/>
-                  <a:pt x="5813659" y="11094"/>
-                </a:cubicBezTo>
-                <a:cubicBezTo>
-                  <a:pt x="5868197" y="-12279"/>
-                  <a:pt x="5951103" y="8065"/>
-                  <a:pt x="5996539" y="11094"/>
-                </a:cubicBezTo>
-                <a:cubicBezTo>
-                  <a:pt x="6015790" y="17511"/>
-                  <a:pt x="6035818" y="21948"/>
-                  <a:pt x="6054291" y="30345"/>
-                </a:cubicBezTo>
-                <a:cubicBezTo>
-                  <a:pt x="6079850" y="41962"/>
-                  <a:pt x="6155404" y="94756"/>
-                  <a:pt x="6169794" y="107347"/>
-                </a:cubicBezTo>
-                <a:cubicBezTo>
-                  <a:pt x="6200526" y="134238"/>
-                  <a:pt x="6222443" y="171322"/>
-                  <a:pt x="6256421" y="193974"/>
-                </a:cubicBezTo>
-                <a:cubicBezTo>
-                  <a:pt x="6266046" y="200391"/>
-                  <a:pt x="6276514" y="205696"/>
-                  <a:pt x="6285297" y="213225"/>
-                </a:cubicBezTo>
-                <a:cubicBezTo>
-                  <a:pt x="6299077" y="225037"/>
-                  <a:pt x="6307818" y="243121"/>
-                  <a:pt x="6323798" y="251726"/>
-                </a:cubicBezTo>
-                <a:cubicBezTo>
-                  <a:pt x="6351466" y="266624"/>
-                  <a:pt x="6493630" y="303293"/>
-                  <a:pt x="6516303" y="309477"/>
-                </a:cubicBezTo>
-                <a:cubicBezTo>
-                  <a:pt x="6619497" y="378272"/>
-                  <a:pt x="6529374" y="323919"/>
-                  <a:pt x="6622181" y="367229"/>
-                </a:cubicBezTo>
-                <a:cubicBezTo>
-                  <a:pt x="6654687" y="382398"/>
-                  <a:pt x="6683634" y="406655"/>
-                  <a:pt x="6718434" y="415355"/>
-                </a:cubicBezTo>
-                <a:lnTo>
-                  <a:pt x="6795436" y="434606"/>
-                </a:lnTo>
-                <a:lnTo>
-                  <a:pt x="6833937" y="444231"/>
-                </a:lnTo>
-                <a:cubicBezTo>
-                  <a:pt x="6843562" y="450648"/>
-                  <a:pt x="6853926" y="456075"/>
-                  <a:pt x="6862813" y="463481"/>
-                </a:cubicBezTo>
-                <a:cubicBezTo>
-                  <a:pt x="6873270" y="472195"/>
-                  <a:pt x="6879250" y="486828"/>
-                  <a:pt x="6891689" y="492357"/>
-                </a:cubicBezTo>
-                <a:cubicBezTo>
-                  <a:pt x="6909523" y="500283"/>
-                  <a:pt x="6930389" y="497749"/>
-                  <a:pt x="6949440" y="501983"/>
-                </a:cubicBezTo>
-                <a:cubicBezTo>
-                  <a:pt x="6970850" y="506741"/>
-                  <a:pt x="6979333" y="512117"/>
-                  <a:pt x="6997567" y="521233"/>
-                </a:cubicBezTo>
-              </a:path>
-            </a:pathLst>
-          </a:custGeom>
-          <a:noFill/>
-          <a:ln w="63500">
-            <a:solidFill>
-              <a:srgbClr val="0070C0"/>
-            </a:solidFill>
-            <a:tailEnd type="triangle"/>
-          </a:ln>
-        </p:spPr>
-        <p:style>
-          <a:lnRef idx="2">
-            <a:schemeClr val="accent1">
-              <a:shade val="50000"/>
-            </a:schemeClr>
-          </a:lnRef>
-          <a:fillRef idx="1">
-            <a:schemeClr val="accent1"/>
-          </a:fillRef>
-          <a:effectRef idx="0">
-            <a:schemeClr val="accent1"/>
-          </a:effectRef>
-          <a:fontRef idx="minor">
-            <a:schemeClr val="lt1"/>
-          </a:fontRef>
-        </p:style>
-        <p:txBody>
-          <a:bodyPr rtlCol="0" anchor="ctr"/>
-          <a:lstStyle/>
-          <a:p>
-            <a:pPr algn="ctr"/>
-            <a:endParaRPr lang="ko-KR" altLang="en-US"/>
-          </a:p>
-        </p:txBody>
-      </p:sp>
     </p:spTree>
     <p:extLst>
       <p:ext uri="{BB962C8B-B14F-4D97-AF65-F5344CB8AC3E}">
-        <p14:creationId xmlns:p14="http://schemas.microsoft.com/office/powerpoint/2010/main" val="521313091"/>
+        <p14:creationId xmlns:p14="http://schemas.microsoft.com/office/powerpoint/2010/main" val="2818572565"/>
       </p:ext>
     </p:extLst>
   </p:cSld>
@@ -13791,10 +11631,10 @@
       </p:grpSpPr>
       <p:pic>
         <p:nvPicPr>
-          <p:cNvPr id="9" name="그림 8">
+          <p:cNvPr id="10" name="그림 9">
             <a:extLst>
               <a:ext uri="{FF2B5EF4-FFF2-40B4-BE49-F238E27FC236}">
-                <a16:creationId xmlns:a16="http://schemas.microsoft.com/office/drawing/2014/main" id="{94BF8AD7-7FF5-4969-AE8A-9E4131462E0A}"/>
+                <a16:creationId xmlns:a16="http://schemas.microsoft.com/office/drawing/2014/main" id="{ED9F4173-C497-4331-84C2-4D1CFB4CBBB4}"/>
               </a:ext>
             </a:extLst>
           </p:cNvPr>
@@ -13811,8 +11651,8 @@
         </p:blipFill>
         <p:spPr>
           <a:xfrm>
-            <a:off x="4135029" y="1560645"/>
-            <a:ext cx="7956597" cy="5145688"/>
+            <a:off x="4190364" y="1920084"/>
+            <a:ext cx="7350703" cy="4150760"/>
           </a:xfrm>
           <a:prstGeom prst="rect">
             <a:avLst/>
@@ -13880,7 +11720,7 @@
         </p:nvSpPr>
         <p:spPr>
           <a:xfrm>
-            <a:off x="6266847" y="2078644"/>
+            <a:off x="6571647" y="2454654"/>
             <a:ext cx="247973" cy="263471"/>
           </a:xfrm>
           <a:prstGeom prst="ellipse">
@@ -13927,7 +11767,7 @@
         </p:nvSpPr>
         <p:spPr>
           <a:xfrm>
-            <a:off x="7430951" y="2191183"/>
+            <a:off x="7617742" y="2378752"/>
             <a:ext cx="247973" cy="263471"/>
           </a:xfrm>
           <a:prstGeom prst="ellipse">
@@ -14022,7 +11862,7 @@
         <p:spPr>
           <a:xfrm>
             <a:off x="376643" y="1860630"/>
-            <a:ext cx="3471863" cy="4801314"/>
+            <a:ext cx="3471863" cy="4016484"/>
           </a:xfrm>
           <a:prstGeom prst="rect">
             <a:avLst/>
@@ -14040,146 +11880,146 @@
               <a:buAutoNum type="arabicPeriod"/>
             </a:pPr>
             <a:r>
-              <a:rPr kumimoji="1" lang="ko-KR" altLang="en-US" dirty="0"/>
+              <a:rPr kumimoji="1" lang="ko-KR" altLang="en-US" sz="1500" dirty="0"/>
               <a:t>예약에 대해서는 결제가 </a:t>
             </a:r>
             <a:r>
-              <a:rPr kumimoji="1" lang="ko-KR" altLang="en-US" dirty="0" err="1"/>
+              <a:rPr kumimoji="1" lang="ko-KR" altLang="en-US" sz="1500" dirty="0" err="1"/>
               <a:t>처리되어야만</a:t>
             </a:r>
             <a:r>
-              <a:rPr kumimoji="1" lang="ko-KR" altLang="en-US" dirty="0"/>
+              <a:rPr kumimoji="1" lang="ko-KR" altLang="en-US" sz="1500" dirty="0"/>
               <a:t> 예약 처리하고 장애격리를 위해 </a:t>
             </a:r>
             <a:r>
-              <a:rPr kumimoji="1" lang="en-US" altLang="ko-KR" dirty="0"/>
+              <a:rPr kumimoji="1" lang="en-US" altLang="ko-KR" sz="1500" dirty="0"/>
               <a:t>CB</a:t>
             </a:r>
             <a:r>
-              <a:rPr kumimoji="1" lang="ko-KR" altLang="en-US" dirty="0"/>
+              <a:rPr kumimoji="1" lang="ko-KR" altLang="en-US" sz="1500" dirty="0"/>
               <a:t>를 설치함 </a:t>
             </a:r>
             <a:r>
-              <a:rPr kumimoji="1" lang="en-US" altLang="ko-KR" dirty="0"/>
+              <a:rPr kumimoji="1" lang="en-US" altLang="ko-KR" sz="1500" dirty="0"/>
               <a:t>(</a:t>
             </a:r>
             <a:r>
-              <a:rPr kumimoji="1" lang="ko-KR" altLang="en-US" dirty="0"/>
+              <a:rPr kumimoji="1" lang="ko-KR" altLang="en-US" sz="1500" dirty="0"/>
               <a:t>트랜잭션 </a:t>
             </a:r>
             <a:r>
-              <a:rPr kumimoji="1" lang="en-US" altLang="ko-KR" dirty="0"/>
+              <a:rPr kumimoji="1" lang="en-US" altLang="ko-KR" sz="1500" dirty="0"/>
               <a:t>&gt;</a:t>
             </a:r>
             <a:r>
-              <a:rPr kumimoji="1" lang="ko-KR" altLang="en-US" dirty="0"/>
+              <a:rPr kumimoji="1" lang="ko-KR" altLang="en-US" sz="1500" dirty="0"/>
               <a:t> </a:t>
             </a:r>
             <a:r>
-              <a:rPr kumimoji="1" lang="en-US" altLang="ko-KR" dirty="0"/>
+              <a:rPr kumimoji="1" lang="en-US" altLang="ko-KR" sz="1500" dirty="0"/>
               <a:t>1,</a:t>
             </a:r>
             <a:r>
-              <a:rPr kumimoji="1" lang="ko-KR" altLang="en-US" dirty="0"/>
+              <a:rPr kumimoji="1" lang="ko-KR" altLang="en-US" sz="1500" dirty="0"/>
               <a:t> 장애격리 </a:t>
             </a:r>
             <a:r>
-              <a:rPr kumimoji="1" lang="en-US" altLang="ko-KR" dirty="0"/>
+              <a:rPr kumimoji="1" lang="en-US" altLang="ko-KR" sz="1500" dirty="0"/>
               <a:t>&gt;</a:t>
             </a:r>
             <a:r>
-              <a:rPr kumimoji="1" lang="ko-KR" altLang="en-US" dirty="0"/>
+              <a:rPr kumimoji="1" lang="ko-KR" altLang="en-US" sz="1500" dirty="0"/>
               <a:t> </a:t>
             </a:r>
             <a:r>
-              <a:rPr kumimoji="1" lang="en-US" altLang="ko-KR" dirty="0"/>
+              <a:rPr kumimoji="1" lang="en-US" altLang="ko-KR" sz="1500" dirty="0"/>
               <a:t>2)</a:t>
             </a:r>
-            <a:endParaRPr kumimoji="1" lang="ko-KR" altLang="en-US" dirty="0"/>
+            <a:endParaRPr kumimoji="1" lang="ko-KR" altLang="en-US" sz="1500" dirty="0"/>
           </a:p>
           <a:p>
             <a:pPr marL="342900" indent="-342900">
               <a:buAutoNum type="arabicPeriod"/>
             </a:pPr>
-            <a:endParaRPr kumimoji="1" lang="en-US" altLang="ko-KR" dirty="0"/>
+            <a:endParaRPr kumimoji="1" lang="en-US" altLang="ko-KR" sz="1500" dirty="0"/>
           </a:p>
           <a:p>
             <a:pPr marL="342900" indent="-342900">
               <a:buAutoNum type="arabicPeriod"/>
             </a:pPr>
             <a:r>
-              <a:rPr kumimoji="1" lang="ko-KR" altLang="en-US" dirty="0"/>
+              <a:rPr kumimoji="1" lang="ko-KR" altLang="en-US" sz="1500" dirty="0"/>
               <a:t>결제승인 이벤트를 수신하여 대여의 대여정보 변경을 수행함</a:t>
             </a:r>
             <a:br>
-              <a:rPr kumimoji="1" lang="en-US" altLang="ko-KR" dirty="0"/>
+              <a:rPr kumimoji="1" lang="en-US" altLang="ko-KR" sz="1500" dirty="0"/>
             </a:br>
             <a:r>
-              <a:rPr kumimoji="1" lang="en-US" altLang="ko-KR" dirty="0"/>
+              <a:rPr kumimoji="1" lang="en-US" altLang="ko-KR" sz="1500" dirty="0"/>
               <a:t>(</a:t>
             </a:r>
             <a:r>
-              <a:rPr kumimoji="1" lang="ko-KR" altLang="en-US" dirty="0"/>
+              <a:rPr kumimoji="1" lang="ko-KR" altLang="en-US" sz="1500" dirty="0"/>
               <a:t>장애전파 </a:t>
             </a:r>
             <a:r>
-              <a:rPr kumimoji="1" lang="en-US" altLang="ko-KR" dirty="0"/>
+              <a:rPr kumimoji="1" lang="en-US" altLang="ko-KR" sz="1500" dirty="0"/>
               <a:t>&gt;</a:t>
             </a:r>
             <a:r>
-              <a:rPr kumimoji="1" lang="ko-KR" altLang="en-US" dirty="0"/>
+              <a:rPr kumimoji="1" lang="ko-KR" altLang="en-US" sz="1500" dirty="0"/>
               <a:t> </a:t>
             </a:r>
             <a:r>
-              <a:rPr kumimoji="1" lang="en-US" altLang="ko-KR" dirty="0"/>
+              <a:rPr kumimoji="1" lang="en-US" altLang="ko-KR" sz="1500" dirty="0"/>
               <a:t>1)</a:t>
             </a:r>
             <a:br>
-              <a:rPr kumimoji="1" lang="en-US" altLang="ko-KR" dirty="0"/>
+              <a:rPr kumimoji="1" lang="en-US" altLang="ko-KR" sz="1500" dirty="0"/>
             </a:br>
-            <a:endParaRPr kumimoji="1" lang="en-US" altLang="ko-KR" dirty="0"/>
+            <a:endParaRPr kumimoji="1" lang="en-US" altLang="ko-KR" sz="1500" dirty="0"/>
           </a:p>
           <a:p>
             <a:pPr marL="342900" indent="-342900">
               <a:buAutoNum type="arabicPeriod"/>
             </a:pPr>
             <a:r>
-              <a:rPr kumimoji="1" lang="ko-KR" altLang="en-US" dirty="0"/>
+              <a:rPr kumimoji="1" lang="ko-KR" altLang="en-US" sz="1500" dirty="0"/>
               <a:t>예약의 예약관련 이벤트 및 대여의 대여관련 이벤트를 대시보드에서 수신하여 </a:t>
             </a:r>
             <a:r>
-              <a:rPr kumimoji="1" lang="en-US" altLang="ko-KR" dirty="0"/>
+              <a:rPr kumimoji="1" lang="en-US" altLang="ko-KR" sz="1500" dirty="0"/>
               <a:t>View Table </a:t>
             </a:r>
             <a:r>
-              <a:rPr kumimoji="1" lang="ko-KR" altLang="en-US" dirty="0"/>
+              <a:rPr kumimoji="1" lang="ko-KR" altLang="en-US" sz="1500" dirty="0"/>
               <a:t>을 구성 </a:t>
             </a:r>
             <a:r>
-              <a:rPr kumimoji="1" lang="en-US" altLang="ko-KR" dirty="0"/>
+              <a:rPr kumimoji="1" lang="en-US" altLang="ko-KR" sz="1500" dirty="0"/>
               <a:t>(CQRS)</a:t>
             </a:r>
             <a:br>
-              <a:rPr kumimoji="1" lang="en-US" altLang="ko-KR" dirty="0"/>
+              <a:rPr kumimoji="1" lang="en-US" altLang="ko-KR" sz="1500" dirty="0"/>
             </a:br>
             <a:r>
-              <a:rPr kumimoji="1" lang="en-US" altLang="ko-KR" dirty="0"/>
+              <a:rPr kumimoji="1" lang="en-US" altLang="ko-KR" sz="1500" dirty="0"/>
               <a:t>(</a:t>
             </a:r>
             <a:r>
-              <a:rPr kumimoji="1" lang="ko-KR" altLang="en-US" dirty="0"/>
+              <a:rPr kumimoji="1" lang="ko-KR" altLang="en-US" sz="1500" dirty="0"/>
               <a:t>성능 </a:t>
             </a:r>
             <a:r>
-              <a:rPr kumimoji="1" lang="en-US" altLang="ko-KR" dirty="0"/>
+              <a:rPr kumimoji="1" lang="en-US" altLang="ko-KR" sz="1500" dirty="0"/>
               <a:t>&gt;</a:t>
             </a:r>
             <a:r>
-              <a:rPr kumimoji="1" lang="ko-KR" altLang="en-US" dirty="0"/>
+              <a:rPr kumimoji="1" lang="ko-KR" altLang="en-US" sz="1500" dirty="0"/>
               <a:t> </a:t>
             </a:r>
             <a:r>
-              <a:rPr kumimoji="1" lang="en-US" altLang="ko-KR" dirty="0"/>
+              <a:rPr kumimoji="1" lang="en-US" altLang="ko-KR" sz="1500" dirty="0"/>
               <a:t>1)</a:t>
             </a:r>
           </a:p>
@@ -14187,7 +12027,89 @@
             <a:pPr marL="342900" indent="-342900">
               <a:buAutoNum type="arabicPeriod"/>
             </a:pPr>
-            <a:endParaRPr kumimoji="1" lang="en-US" altLang="ko-KR" dirty="0"/>
+            <a:endParaRPr kumimoji="1" lang="en-US" altLang="ko-KR" sz="1500" dirty="0"/>
+          </a:p>
+          <a:p>
+            <a:pPr marL="342900" indent="-342900">
+              <a:buAutoNum type="arabicPeriod"/>
+            </a:pPr>
+            <a:r>
+              <a:rPr kumimoji="1" lang="ko-KR" altLang="en-US" sz="1500" dirty="0"/>
+              <a:t>대여정보 변경 시</a:t>
+            </a:r>
+            <a:r>
+              <a:rPr kumimoji="1" lang="en-US" altLang="ko-KR" sz="1500" dirty="0"/>
+              <a:t>, </a:t>
+            </a:r>
+            <a:r>
+              <a:rPr kumimoji="1" lang="ko-KR" altLang="en-US" sz="1500" dirty="0"/>
+              <a:t>고객에게 알림 전송함</a:t>
+            </a:r>
+            <a:r>
+              <a:rPr kumimoji="1" lang="en-US" altLang="ko-KR" sz="1500" dirty="0"/>
+              <a:t>(</a:t>
+            </a:r>
+            <a:r>
+              <a:rPr kumimoji="1" lang="ko-KR" altLang="en-US" sz="1500" dirty="0"/>
+              <a:t>성능 </a:t>
+            </a:r>
+            <a:r>
+              <a:rPr kumimoji="1" lang="en-US" altLang="ko-KR" sz="1500" dirty="0"/>
+              <a:t>&gt; 2)</a:t>
+            </a:r>
+          </a:p>
+        </p:txBody>
+      </p:sp>
+      <p:sp>
+        <p:nvSpPr>
+          <p:cNvPr id="11" name="타원 10">
+            <a:extLst>
+              <a:ext uri="{FF2B5EF4-FFF2-40B4-BE49-F238E27FC236}">
+                <a16:creationId xmlns:a16="http://schemas.microsoft.com/office/drawing/2014/main" id="{5209F147-61BE-4524-B87B-0C7169BBD694}"/>
+              </a:ext>
+            </a:extLst>
+          </p:cNvPr>
+          <p:cNvSpPr/>
+          <p:nvPr/>
+        </p:nvSpPr>
+        <p:spPr>
+          <a:xfrm>
+            <a:off x="9587220" y="4155936"/>
+            <a:ext cx="247973" cy="263471"/>
+          </a:xfrm>
+          <a:prstGeom prst="ellipse">
+            <a:avLst/>
+          </a:prstGeom>
+          <a:solidFill>
+            <a:srgbClr val="FF0000"/>
+          </a:solidFill>
+        </p:spPr>
+        <p:style>
+          <a:lnRef idx="2">
+            <a:schemeClr val="accent1">
+              <a:shade val="50000"/>
+            </a:schemeClr>
+          </a:lnRef>
+          <a:fillRef idx="1">
+            <a:schemeClr val="accent1"/>
+          </a:fillRef>
+          <a:effectRef idx="0">
+            <a:schemeClr val="accent1"/>
+          </a:effectRef>
+          <a:fontRef idx="minor">
+            <a:schemeClr val="lt1"/>
+          </a:fontRef>
+        </p:style>
+        <p:txBody>
+          <a:bodyPr rtlCol="0" anchor="ctr"/>
+          <a:lstStyle/>
+          <a:p>
+            <a:pPr algn="ctr"/>
+            <a:r>
+              <a:rPr kumimoji="1" lang="en-US" altLang="ko-KR" dirty="0"/>
+              <a:t>4</a:t>
+            </a:r>
+            <a:endParaRPr kumimoji="1" lang="ko-KR" altLang="en-US" dirty="0"/>
           </a:p>
         </p:txBody>
       </p:sp>
@@ -14235,7 +12157,7 @@
         </p:nvGrpSpPr>
         <p:grpSpPr>
           <a:xfrm>
-            <a:off x="9782692" y="2529224"/>
+            <a:off x="8350595" y="2719956"/>
             <a:ext cx="1960702" cy="2401839"/>
             <a:chOff x="9868052" y="2529224"/>
             <a:chExt cx="1960702" cy="2401839"/>
@@ -14530,7 +12452,7 @@
         </p:nvGrpSpPr>
         <p:grpSpPr>
           <a:xfrm>
-            <a:off x="7536327" y="4169833"/>
+            <a:off x="6356985" y="4185073"/>
             <a:ext cx="1962000" cy="2413630"/>
             <a:chOff x="7548591" y="4169833"/>
             <a:chExt cx="1962000" cy="2413630"/>
@@ -14843,7 +12765,7 @@
         </p:nvGrpSpPr>
         <p:grpSpPr>
           <a:xfrm>
-            <a:off x="5289962" y="2529223"/>
+            <a:off x="4308740" y="2536843"/>
             <a:ext cx="1962000" cy="2401840"/>
             <a:chOff x="5332742" y="2510315"/>
             <a:chExt cx="1962000" cy="2401840"/>
@@ -15126,10 +13048,10 @@
         </p:nvGrpSpPr>
         <p:grpSpPr>
           <a:xfrm>
-            <a:off x="730253" y="2529223"/>
+            <a:off x="335771" y="2536843"/>
             <a:ext cx="2087384" cy="2401840"/>
             <a:chOff x="815613" y="2529223"/>
-            <a:chExt cx="2087384" cy="2401840"/>
+            <a:chExt cx="2087385" cy="2401840"/>
           </a:xfrm>
         </p:grpSpPr>
         <p:grpSp>
@@ -15261,6 +13183,7 @@
           <p:nvCxnSpPr>
             <p:cNvPr id="47" name="꺾인 연결선[E] 46"/>
             <p:cNvCxnSpPr>
+              <a:cxnSpLocks/>
               <a:stCxn id="53" idx="3"/>
               <a:endCxn id="16" idx="1"/>
             </p:cNvCxnSpPr>
@@ -15268,14 +13191,14 @@
           </p:nvCxnSpPr>
           <p:spPr>
             <a:xfrm flipH="1">
-              <a:off x="2870724" y="3933332"/>
-              <a:ext cx="32273" cy="606984"/>
+              <a:off x="2672605" y="3933332"/>
+              <a:ext cx="230393" cy="606984"/>
             </a:xfrm>
             <a:prstGeom prst="bentConnector5">
               <a:avLst>
-                <a:gd name="adj1" fmla="val -708332"/>
+                <a:gd name="adj1" fmla="val -99222"/>
                 <a:gd name="adj2" fmla="val 50000"/>
-                <a:gd name="adj3" fmla="val 808332"/>
+                <a:gd name="adj3" fmla="val 199222"/>
               </a:avLst>
             </a:prstGeom>
             <a:ln w="28575">
@@ -15468,7 +13391,7 @@
         </p:nvSpPr>
         <p:spPr>
           <a:xfrm rot="5400000">
-            <a:off x="5855368" y="-4096072"/>
+            <a:off x="5849506" y="-4096072"/>
             <a:ext cx="481263" cy="11573525"/>
           </a:xfrm>
           <a:prstGeom prst="can">
@@ -15508,7 +13431,7 @@
         </p:nvSpPr>
         <p:spPr>
           <a:xfrm>
-            <a:off x="4307276" y="1488434"/>
+            <a:off x="4301414" y="1488434"/>
             <a:ext cx="3414567" cy="369332"/>
           </a:xfrm>
           <a:prstGeom prst="rect">
@@ -15560,7 +13483,7 @@
         </p:nvGrpSpPr>
         <p:grpSpPr>
           <a:xfrm>
-            <a:off x="3035373" y="4181624"/>
+            <a:off x="2442771" y="4189244"/>
             <a:ext cx="1962000" cy="1652400"/>
             <a:chOff x="3886924" y="2529224"/>
             <a:chExt cx="1962000" cy="1652400"/>
@@ -15679,7 +13602,7 @@
         </p:nvSpPr>
         <p:spPr>
           <a:xfrm>
-            <a:off x="2785364" y="4360316"/>
+            <a:off x="2192762" y="4367936"/>
             <a:ext cx="720000" cy="360000"/>
           </a:xfrm>
           <a:prstGeom prst="rect">
@@ -15727,7 +13650,7 @@
         </p:nvSpPr>
         <p:spPr>
           <a:xfrm>
-            <a:off x="4474377" y="4875974"/>
+            <a:off x="3637935" y="4400701"/>
             <a:ext cx="720000" cy="360000"/>
           </a:xfrm>
           <a:prstGeom prst="rect">
@@ -15784,7 +13707,7 @@
         </p:nvSpPr>
         <p:spPr>
           <a:xfrm>
-            <a:off x="309238" y="3124101"/>
+            <a:off x="205573" y="3708176"/>
             <a:ext cx="720000" cy="360000"/>
           </a:xfrm>
           <a:prstGeom prst="rect">
@@ -15844,7 +13767,7 @@
         </p:nvSpPr>
         <p:spPr>
           <a:xfrm>
-            <a:off x="446224" y="2624041"/>
+            <a:off x="384998" y="2631661"/>
             <a:ext cx="720000" cy="360000"/>
           </a:xfrm>
           <a:prstGeom prst="rect">
@@ -15907,7 +13830,7 @@
         </p:nvSpPr>
         <p:spPr>
           <a:xfrm>
-            <a:off x="2164363" y="3241044"/>
+            <a:off x="1769881" y="3248664"/>
             <a:ext cx="720000" cy="360000"/>
           </a:xfrm>
           <a:prstGeom prst="rect">
@@ -15976,7 +13899,7 @@
         </p:nvCxnSpPr>
         <p:spPr>
           <a:xfrm flipV="1">
-            <a:off x="2524363" y="1931320"/>
+            <a:off x="2129881" y="1938940"/>
             <a:ext cx="0" cy="1309724"/>
           </a:xfrm>
           <a:prstGeom prst="straightConnector1">
@@ -16016,7 +13939,7 @@
         </p:nvCxnSpPr>
         <p:spPr>
           <a:xfrm>
-            <a:off x="806224" y="1931320"/>
+            <a:off x="744998" y="1938940"/>
             <a:ext cx="0" cy="692721"/>
           </a:xfrm>
           <a:prstGeom prst="straightConnector1">
@@ -16047,13 +13970,13 @@
       </p:cxnSp>
       <p:sp>
         <p:nvSpPr>
-          <p:cNvPr id="40" name="직사각형 39"/>
+          <p:cNvPr id="22" name="직사각형 21"/>
           <p:cNvSpPr/>
           <p:nvPr/>
         </p:nvSpPr>
         <p:spPr>
           <a:xfrm>
-            <a:off x="9546175" y="2942010"/>
+            <a:off x="4086875" y="2712528"/>
             <a:ext cx="720000" cy="360000"/>
           </a:xfrm>
           <a:prstGeom prst="rect">
@@ -16085,51 +14008,33 @@
           <a:p>
             <a:pPr algn="ctr"/>
             <a:r>
-              <a:rPr kumimoji="1" lang="ko-KR" altLang="en-US" sz="1000" dirty="0">
+              <a:rPr kumimoji="1" lang="en-US" altLang="ko-KR" sz="1000" dirty="0">
                 <a:solidFill>
                   <a:schemeClr val="tx1"/>
                 </a:solidFill>
                 <a:latin typeface="+mj-lt"/>
               </a:rPr>
-              <a:t>이벤트 </a:t>
-            </a:r>
-            <a:endParaRPr kumimoji="1" lang="en-US" altLang="ko-KR" sz="1000" dirty="0">
-              <a:solidFill>
-                <a:schemeClr val="tx1"/>
-              </a:solidFill>
-              <a:latin typeface="+mj-lt"/>
-            </a:endParaRPr>
-          </a:p>
-          <a:p>
-            <a:pPr algn="ctr"/>
-            <a:r>
-              <a:rPr kumimoji="1" lang="ko-KR" altLang="en-US" sz="1000" dirty="0">
-                <a:solidFill>
-                  <a:schemeClr val="tx1"/>
-                </a:solidFill>
-                <a:latin typeface="+mj-lt"/>
-              </a:rPr>
-              <a:t>리스너</a:t>
-            </a:r>
-          </a:p>
-        </p:txBody>
-      </p:sp>
-      <p:sp>
-        <p:nvSpPr>
-          <p:cNvPr id="22" name="직사각형 21"/>
+              <a:t>Kafka Listener</a:t>
+            </a:r>
+          </a:p>
+        </p:txBody>
+      </p:sp>
+      <p:sp>
+        <p:nvSpPr>
+          <p:cNvPr id="41" name="직사각형 40"/>
           <p:cNvSpPr/>
           <p:nvPr/>
         </p:nvSpPr>
         <p:spPr>
           <a:xfrm>
-            <a:off x="5068097" y="2704908"/>
+            <a:off x="5729471" y="3076620"/>
             <a:ext cx="720000" cy="360000"/>
           </a:xfrm>
           <a:prstGeom prst="rect">
             <a:avLst/>
           </a:prstGeom>
           <a:solidFill>
-            <a:srgbClr val="D4A2C1"/>
+            <a:srgbClr val="FFC000"/>
           </a:solidFill>
         </p:spPr>
         <p:style>
@@ -16160,27 +14065,33 @@
                 </a:solidFill>
                 <a:latin typeface="+mj-lt"/>
               </a:rPr>
-              <a:t>Kafka Listener</a:t>
-            </a:r>
-          </a:p>
-        </p:txBody>
-      </p:sp>
-      <p:sp>
-        <p:nvSpPr>
-          <p:cNvPr id="41" name="직사각형 40"/>
+              <a:t>Kafka Publisher</a:t>
+            </a:r>
+            <a:endParaRPr kumimoji="1" lang="ko-KR" altLang="en-US" sz="1000" dirty="0">
+              <a:solidFill>
+                <a:schemeClr val="tx1"/>
+              </a:solidFill>
+              <a:latin typeface="+mj-lt"/>
+            </a:endParaRPr>
+          </a:p>
+        </p:txBody>
+      </p:sp>
+      <p:sp>
+        <p:nvSpPr>
+          <p:cNvPr id="53" name="직사각형 52"/>
           <p:cNvSpPr/>
           <p:nvPr/>
         </p:nvSpPr>
         <p:spPr>
           <a:xfrm>
-            <a:off x="6690975" y="3061382"/>
+            <a:off x="1703155" y="3760952"/>
             <a:ext cx="720000" cy="360000"/>
           </a:xfrm>
           <a:prstGeom prst="rect">
             <a:avLst/>
           </a:prstGeom>
           <a:solidFill>
-            <a:srgbClr val="FFC000"/>
+            <a:schemeClr val="accent1"/>
           </a:solidFill>
         </p:spPr>
         <p:style>
@@ -16211,63 +14122,6 @@
                 </a:solidFill>
                 <a:latin typeface="+mj-lt"/>
               </a:rPr>
-              <a:t>Kafka Publisher</a:t>
-            </a:r>
-            <a:endParaRPr kumimoji="1" lang="ko-KR" altLang="en-US" sz="1000" dirty="0">
-              <a:solidFill>
-                <a:schemeClr val="tx1"/>
-              </a:solidFill>
-              <a:latin typeface="+mj-lt"/>
-            </a:endParaRPr>
-          </a:p>
-        </p:txBody>
-      </p:sp>
-      <p:sp>
-        <p:nvSpPr>
-          <p:cNvPr id="53" name="직사각형 52"/>
-          <p:cNvSpPr/>
-          <p:nvPr/>
-        </p:nvSpPr>
-        <p:spPr>
-          <a:xfrm>
-            <a:off x="2097637" y="3753332"/>
-            <a:ext cx="720000" cy="360000"/>
-          </a:xfrm>
-          <a:prstGeom prst="rect">
-            <a:avLst/>
-          </a:prstGeom>
-          <a:solidFill>
-            <a:schemeClr val="accent1"/>
-          </a:solidFill>
-        </p:spPr>
-        <p:style>
-          <a:lnRef idx="2">
-            <a:schemeClr val="accent1">
-              <a:shade val="50000"/>
-            </a:schemeClr>
-          </a:lnRef>
-          <a:fillRef idx="1">
-            <a:schemeClr val="accent1"/>
-          </a:fillRef>
-          <a:effectRef idx="0">
-            <a:schemeClr val="accent1"/>
-          </a:effectRef>
-          <a:fontRef idx="minor">
-            <a:schemeClr val="lt1"/>
-          </a:fontRef>
-        </p:style>
-        <p:txBody>
-          <a:bodyPr rtlCol="0" anchor="ctr"/>
-          <a:lstStyle/>
-          <a:p>
-            <a:pPr algn="ctr"/>
-            <a:r>
-              <a:rPr kumimoji="1" lang="en-US" altLang="ko-KR" sz="1000" dirty="0">
-                <a:solidFill>
-                  <a:schemeClr val="tx1"/>
-                </a:solidFill>
-                <a:latin typeface="+mj-lt"/>
-              </a:rPr>
               <a:t>REST Invoker</a:t>
             </a:r>
           </a:p>
@@ -16278,14 +14132,13 @@
           <p:cNvPr id="56" name="직선 화살표 연결선 55"/>
           <p:cNvCxnSpPr>
             <a:cxnSpLocks/>
-            <a:stCxn id="19" idx="0"/>
           </p:cNvCxnSpPr>
           <p:nvPr/>
         </p:nvCxnSpPr>
         <p:spPr>
           <a:xfrm flipV="1">
-            <a:off x="4834377" y="1931320"/>
-            <a:ext cx="0" cy="2944654"/>
+            <a:off x="3997935" y="1938940"/>
+            <a:ext cx="0" cy="2459366"/>
           </a:xfrm>
           <a:prstGeom prst="straightConnector1">
             <a:avLst/>
@@ -16324,7 +14177,7 @@
         </p:nvCxnSpPr>
         <p:spPr>
           <a:xfrm>
-            <a:off x="5428097" y="1946153"/>
+            <a:off x="4446875" y="1953773"/>
             <a:ext cx="0" cy="758755"/>
           </a:xfrm>
           <a:prstGeom prst="straightConnector1">
@@ -16358,13 +14211,12 @@
           <p:cNvPr id="63" name="직선 화살표 연결선 62"/>
           <p:cNvCxnSpPr>
             <a:cxnSpLocks/>
-            <a:endCxn id="40" idx="0"/>
           </p:cNvCxnSpPr>
           <p:nvPr/>
         </p:nvCxnSpPr>
         <p:spPr>
           <a:xfrm>
-            <a:off x="9906175" y="1946153"/>
+            <a:off x="8543953" y="1938533"/>
             <a:ext cx="0" cy="995857"/>
           </a:xfrm>
           <a:prstGeom prst="straightConnector1">
@@ -16398,13 +14250,12 @@
           <p:cNvPr id="64" name="직선 화살표 연결선 63"/>
           <p:cNvCxnSpPr>
             <a:cxnSpLocks/>
-            <a:stCxn id="41" idx="0"/>
           </p:cNvCxnSpPr>
           <p:nvPr/>
         </p:nvCxnSpPr>
         <p:spPr>
           <a:xfrm flipV="1">
-            <a:off x="7050975" y="1931320"/>
+            <a:off x="6069753" y="1938940"/>
             <a:ext cx="0" cy="1130062"/>
           </a:xfrm>
           <a:prstGeom prst="straightConnector1">
@@ -16441,7 +14292,7 @@
         </p:nvSpPr>
         <p:spPr>
           <a:xfrm>
-            <a:off x="3518099" y="6134284"/>
+            <a:off x="2925497" y="6141904"/>
             <a:ext cx="996548" cy="449179"/>
           </a:xfrm>
           <a:prstGeom prst="can">
@@ -16489,7 +14340,7 @@
         </p:nvSpPr>
         <p:spPr>
           <a:xfrm>
-            <a:off x="3673254" y="5692577"/>
+            <a:off x="3080652" y="5700197"/>
             <a:ext cx="686239" cy="259312"/>
           </a:xfrm>
           <a:prstGeom prst="rect">
@@ -16540,7 +14391,7 @@
         </p:nvCxnSpPr>
         <p:spPr>
           <a:xfrm rot="5400000">
-            <a:off x="3925177" y="6043086"/>
+            <a:off x="3332575" y="6050706"/>
             <a:ext cx="182395" cy="1"/>
           </a:xfrm>
           <a:prstGeom prst="bentConnector3">
@@ -16584,7 +14435,7 @@
         </p:nvSpPr>
         <p:spPr>
           <a:xfrm>
-            <a:off x="7335483" y="4299489"/>
+            <a:off x="6262821" y="4314729"/>
             <a:ext cx="720000" cy="360000"/>
           </a:xfrm>
           <a:prstGeom prst="rect">
@@ -16638,13 +14489,12 @@
           </p:cNvPr>
           <p:cNvCxnSpPr>
             <a:cxnSpLocks/>
-            <a:endCxn id="110" idx="0"/>
           </p:cNvCxnSpPr>
           <p:nvPr/>
         </p:nvCxnSpPr>
         <p:spPr>
           <a:xfrm>
-            <a:off x="7695483" y="1946153"/>
+            <a:off x="6622821" y="1953773"/>
             <a:ext cx="0" cy="2353336"/>
           </a:xfrm>
           <a:prstGeom prst="straightConnector1">
@@ -16687,7 +14537,7 @@
         </p:nvSpPr>
         <p:spPr>
           <a:xfrm>
-            <a:off x="8957058" y="4720316"/>
+            <a:off x="7614790" y="4252477"/>
             <a:ext cx="720000" cy="360000"/>
           </a:xfrm>
           <a:prstGeom prst="rect">
@@ -16747,14 +14597,593 @@
           </p:cNvPr>
           <p:cNvCxnSpPr>
             <a:cxnSpLocks/>
-            <a:stCxn id="113" idx="0"/>
           </p:cNvCxnSpPr>
           <p:nvPr/>
         </p:nvCxnSpPr>
         <p:spPr>
           <a:xfrm flipV="1">
-            <a:off x="9317058" y="1946153"/>
-            <a:ext cx="0" cy="2774163"/>
+            <a:off x="8038656" y="1947859"/>
+            <a:ext cx="0" cy="2283050"/>
+          </a:xfrm>
+          <a:prstGeom prst="straightConnector1">
+            <a:avLst/>
+          </a:prstGeom>
+          <a:ln w="38100">
+            <a:solidFill>
+              <a:schemeClr val="tx1"/>
+            </a:solidFill>
+            <a:prstDash val="sysDash"/>
+            <a:tailEnd type="triangle"/>
+          </a:ln>
+        </p:spPr>
+        <p:style>
+          <a:lnRef idx="1">
+            <a:schemeClr val="accent1"/>
+          </a:lnRef>
+          <a:fillRef idx="0">
+            <a:schemeClr val="accent1"/>
+          </a:fillRef>
+          <a:effectRef idx="0">
+            <a:schemeClr val="accent1"/>
+          </a:effectRef>
+          <a:fontRef idx="minor">
+            <a:schemeClr val="tx1"/>
+          </a:fontRef>
+        </p:style>
+      </p:cxnSp>
+      <p:grpSp>
+        <p:nvGrpSpPr>
+          <p:cNvPr id="65" name="그룹 64">
+            <a:extLst>
+              <a:ext uri="{FF2B5EF4-FFF2-40B4-BE49-F238E27FC236}">
+                <a16:creationId xmlns:a16="http://schemas.microsoft.com/office/drawing/2014/main" id="{B74C6719-36E9-45CF-87ED-882E72237438}"/>
+              </a:ext>
+            </a:extLst>
+          </p:cNvPr>
+          <p:cNvGrpSpPr/>
+          <p:nvPr/>
+        </p:nvGrpSpPr>
+        <p:grpSpPr>
+          <a:xfrm>
+            <a:off x="10030712" y="4282190"/>
+            <a:ext cx="1962000" cy="2413630"/>
+            <a:chOff x="7548591" y="4169833"/>
+            <a:chExt cx="1962000" cy="2413630"/>
+          </a:xfrm>
+        </p:grpSpPr>
+        <p:grpSp>
+          <p:nvGrpSpPr>
+            <p:cNvPr id="66" name="그룹 65">
+              <a:extLst>
+                <a:ext uri="{FF2B5EF4-FFF2-40B4-BE49-F238E27FC236}">
+                  <a16:creationId xmlns:a16="http://schemas.microsoft.com/office/drawing/2014/main" id="{C3776FFA-90BF-40D3-AFAB-219DE93E0CBB}"/>
+                </a:ext>
+              </a:extLst>
+            </p:cNvPr>
+            <p:cNvGrpSpPr/>
+            <p:nvPr/>
+          </p:nvGrpSpPr>
+          <p:grpSpPr>
+            <a:xfrm>
+              <a:off x="7548591" y="4169833"/>
+              <a:ext cx="1962000" cy="1652400"/>
+              <a:chOff x="5514151" y="4781315"/>
+              <a:chExt cx="1962000" cy="1652400"/>
+            </a:xfrm>
+          </p:grpSpPr>
+          <p:sp>
+            <p:nvSpPr>
+              <p:cNvPr id="77" name="육각형[H] 7">
+                <a:extLst>
+                  <a:ext uri="{FF2B5EF4-FFF2-40B4-BE49-F238E27FC236}">
+                    <a16:creationId xmlns:a16="http://schemas.microsoft.com/office/drawing/2014/main" id="{767FBFAB-CD90-48FB-89AE-455BD71C23B7}"/>
+                  </a:ext>
+                </a:extLst>
+              </p:cNvPr>
+              <p:cNvSpPr/>
+              <p:nvPr/>
+            </p:nvSpPr>
+            <p:spPr>
+              <a:xfrm>
+                <a:off x="5514151" y="4781315"/>
+                <a:ext cx="1962000" cy="1652400"/>
+              </a:xfrm>
+              <a:prstGeom prst="hexagon">
+                <a:avLst/>
+              </a:prstGeom>
+              <a:solidFill>
+                <a:schemeClr val="accent6"/>
+              </a:solidFill>
+            </p:spPr>
+            <p:style>
+              <a:lnRef idx="2">
+                <a:schemeClr val="accent1">
+                  <a:shade val="50000"/>
+                </a:schemeClr>
+              </a:lnRef>
+              <a:fillRef idx="1">
+                <a:schemeClr val="accent1"/>
+              </a:fillRef>
+              <a:effectRef idx="0">
+                <a:schemeClr val="accent1"/>
+              </a:effectRef>
+              <a:fontRef idx="minor">
+                <a:schemeClr val="lt1"/>
+              </a:fontRef>
+            </p:style>
+            <p:txBody>
+              <a:bodyPr rtlCol="0" anchor="ctr"/>
+              <a:lstStyle/>
+              <a:p>
+                <a:pPr algn="ctr"/>
+                <a:r>
+                  <a:rPr kumimoji="1" lang="en-US" altLang="ko-KR" dirty="0"/>
+                  <a:t>store</a:t>
+                </a:r>
+                <a:endParaRPr kumimoji="1" lang="ko-KR" altLang="en-US" dirty="0"/>
+              </a:p>
+            </p:txBody>
+          </p:sp>
+          <p:sp>
+            <p:nvSpPr>
+              <p:cNvPr id="80" name="육각형[H] 11">
+                <a:extLst>
+                  <a:ext uri="{FF2B5EF4-FFF2-40B4-BE49-F238E27FC236}">
+                    <a16:creationId xmlns:a16="http://schemas.microsoft.com/office/drawing/2014/main" id="{07E3E239-4AD0-4594-AAFF-31D4909DB043}"/>
+                  </a:ext>
+                </a:extLst>
+              </p:cNvPr>
+              <p:cNvSpPr/>
+              <p:nvPr/>
+            </p:nvSpPr>
+            <p:spPr>
+              <a:xfrm>
+                <a:off x="5946151" y="5117915"/>
+                <a:ext cx="1098000" cy="979200"/>
+              </a:xfrm>
+              <a:prstGeom prst="hexagon">
+                <a:avLst/>
+              </a:prstGeom>
+              <a:solidFill>
+                <a:srgbClr val="FFFF00"/>
+              </a:solidFill>
+            </p:spPr>
+            <p:style>
+              <a:lnRef idx="2">
+                <a:schemeClr val="accent1">
+                  <a:shade val="50000"/>
+                </a:schemeClr>
+              </a:lnRef>
+              <a:fillRef idx="1">
+                <a:schemeClr val="accent1"/>
+              </a:fillRef>
+              <a:effectRef idx="0">
+                <a:schemeClr val="accent1"/>
+              </a:effectRef>
+              <a:fontRef idx="minor">
+                <a:schemeClr val="lt1"/>
+              </a:fontRef>
+            </p:style>
+            <p:txBody>
+              <a:bodyPr lIns="0" tIns="72000" rIns="0" bIns="72000" rtlCol="0" anchor="ctr"/>
+              <a:lstStyle/>
+              <a:p>
+                <a:pPr algn="ctr"/>
+                <a:r>
+                  <a:rPr kumimoji="1" lang="en-US" altLang="ko-KR" sz="1200" dirty="0">
+                    <a:solidFill>
+                      <a:schemeClr val="tx1"/>
+                    </a:solidFill>
+                    <a:latin typeface="+mj-lt"/>
+                  </a:rPr>
+                  <a:t>Sender</a:t>
+                </a:r>
+                <a:endParaRPr kumimoji="1" lang="ko-KR" altLang="en-US" sz="1200" dirty="0">
+                  <a:solidFill>
+                    <a:schemeClr val="tx1"/>
+                  </a:solidFill>
+                  <a:latin typeface="+mj-lt"/>
+                </a:endParaRPr>
+              </a:p>
+            </p:txBody>
+          </p:sp>
+        </p:grpSp>
+        <p:sp>
+          <p:nvSpPr>
+            <p:cNvPr id="67" name="원통[C] 69">
+              <a:extLst>
+                <a:ext uri="{FF2B5EF4-FFF2-40B4-BE49-F238E27FC236}">
+                  <a16:creationId xmlns:a16="http://schemas.microsoft.com/office/drawing/2014/main" id="{7345B759-8464-41DA-BD3C-B3E79152E71F}"/>
+                </a:ext>
+              </a:extLst>
+            </p:cNvPr>
+            <p:cNvSpPr/>
+            <p:nvPr/>
+          </p:nvSpPr>
+          <p:spPr>
+            <a:xfrm>
+              <a:off x="8031317" y="6134284"/>
+              <a:ext cx="996548" cy="449179"/>
+            </a:xfrm>
+            <a:prstGeom prst="can">
+              <a:avLst/>
+            </a:prstGeom>
+          </p:spPr>
+          <p:style>
+            <a:lnRef idx="2">
+              <a:schemeClr val="accent1">
+                <a:shade val="50000"/>
+              </a:schemeClr>
+            </a:lnRef>
+            <a:fillRef idx="1">
+              <a:schemeClr val="accent1"/>
+            </a:fillRef>
+            <a:effectRef idx="0">
+              <a:schemeClr val="accent1"/>
+            </a:effectRef>
+            <a:fontRef idx="minor">
+              <a:schemeClr val="lt1"/>
+            </a:fontRef>
+          </p:style>
+          <p:txBody>
+            <a:bodyPr rtlCol="0" anchor="ctr"/>
+            <a:lstStyle/>
+            <a:p>
+              <a:pPr algn="ctr"/>
+              <a:r>
+                <a:rPr kumimoji="1" lang="en-US" altLang="ko-KR" sz="1200" dirty="0">
+                  <a:latin typeface="+mj-lt"/>
+                </a:rPr>
+                <a:t>H2</a:t>
+              </a:r>
+              <a:endParaRPr kumimoji="1" lang="ko-KR" altLang="en-US" sz="1200" dirty="0">
+                <a:latin typeface="+mj-lt"/>
+              </a:endParaRPr>
+            </a:p>
+          </p:txBody>
+        </p:sp>
+        <p:sp>
+          <p:nvSpPr>
+            <p:cNvPr id="73" name="직사각형 72">
+              <a:extLst>
+                <a:ext uri="{FF2B5EF4-FFF2-40B4-BE49-F238E27FC236}">
+                  <a16:creationId xmlns:a16="http://schemas.microsoft.com/office/drawing/2014/main" id="{D28D5DEC-EABE-475D-988D-4A271E17CD07}"/>
+                </a:ext>
+              </a:extLst>
+            </p:cNvPr>
+            <p:cNvSpPr/>
+            <p:nvPr/>
+          </p:nvSpPr>
+          <p:spPr>
+            <a:xfrm>
+              <a:off x="8186472" y="5692577"/>
+              <a:ext cx="686239" cy="259312"/>
+            </a:xfrm>
+            <a:prstGeom prst="rect">
+              <a:avLst/>
+            </a:prstGeom>
+            <a:solidFill>
+              <a:schemeClr val="tx1"/>
+            </a:solidFill>
+          </p:spPr>
+          <p:style>
+            <a:lnRef idx="2">
+              <a:schemeClr val="accent1">
+                <a:shade val="50000"/>
+              </a:schemeClr>
+            </a:lnRef>
+            <a:fillRef idx="1">
+              <a:schemeClr val="accent1"/>
+            </a:fillRef>
+            <a:effectRef idx="0">
+              <a:schemeClr val="accent1"/>
+            </a:effectRef>
+            <a:fontRef idx="minor">
+              <a:schemeClr val="lt1"/>
+            </a:fontRef>
+          </p:style>
+          <p:txBody>
+            <a:bodyPr rtlCol="0" anchor="ctr"/>
+            <a:lstStyle/>
+            <a:p>
+              <a:pPr algn="ctr"/>
+              <a:r>
+                <a:rPr kumimoji="1" lang="en-US" altLang="ko-KR" sz="1000"/>
+                <a:t>JPA</a:t>
+              </a:r>
+              <a:endParaRPr kumimoji="1" lang="ko-KR" altLang="en-US" sz="1000" dirty="0"/>
+            </a:p>
+          </p:txBody>
+        </p:sp>
+        <p:cxnSp>
+          <p:nvCxnSpPr>
+            <p:cNvPr id="74" name="꺾인 연결선[E] 78">
+              <a:extLst>
+                <a:ext uri="{FF2B5EF4-FFF2-40B4-BE49-F238E27FC236}">
+                  <a16:creationId xmlns:a16="http://schemas.microsoft.com/office/drawing/2014/main" id="{95F19CDA-D761-481E-B3D2-E46931938463}"/>
+                </a:ext>
+              </a:extLst>
+            </p:cNvPr>
+            <p:cNvCxnSpPr>
+              <a:cxnSpLocks/>
+              <a:stCxn id="73" idx="2"/>
+              <a:endCxn id="67" idx="1"/>
+            </p:cNvCxnSpPr>
+            <p:nvPr/>
+          </p:nvCxnSpPr>
+          <p:spPr>
+            <a:xfrm rot="5400000">
+              <a:off x="8438395" y="6043086"/>
+              <a:ext cx="182395" cy="1"/>
+            </a:xfrm>
+            <a:prstGeom prst="bentConnector3">
+              <a:avLst>
+                <a:gd name="adj1" fmla="val 50000"/>
+              </a:avLst>
+            </a:prstGeom>
+            <a:ln w="28575">
+              <a:solidFill>
+                <a:schemeClr val="tx1"/>
+              </a:solidFill>
+              <a:tailEnd type="triangle"/>
+            </a:ln>
+          </p:spPr>
+          <p:style>
+            <a:lnRef idx="1">
+              <a:schemeClr val="accent1"/>
+            </a:lnRef>
+            <a:fillRef idx="0">
+              <a:schemeClr val="accent1"/>
+            </a:fillRef>
+            <a:effectRef idx="0">
+              <a:schemeClr val="accent1"/>
+            </a:effectRef>
+            <a:fontRef idx="minor">
+              <a:schemeClr val="tx1"/>
+            </a:fontRef>
+          </p:style>
+        </p:cxnSp>
+      </p:grpSp>
+      <p:sp>
+        <p:nvSpPr>
+          <p:cNvPr id="81" name="직사각형 80">
+            <a:extLst>
+              <a:ext uri="{FF2B5EF4-FFF2-40B4-BE49-F238E27FC236}">
+                <a16:creationId xmlns:a16="http://schemas.microsoft.com/office/drawing/2014/main" id="{0A21CDFE-2BB9-4DD0-83F0-250B76EFA03D}"/>
+              </a:ext>
+            </a:extLst>
+          </p:cNvPr>
+          <p:cNvSpPr/>
+          <p:nvPr/>
+        </p:nvSpPr>
+        <p:spPr>
+          <a:xfrm>
+            <a:off x="8159364" y="2941601"/>
+            <a:ext cx="720000" cy="360000"/>
+          </a:xfrm>
+          <a:prstGeom prst="rect">
+            <a:avLst/>
+          </a:prstGeom>
+          <a:solidFill>
+            <a:srgbClr val="D4A2C1"/>
+          </a:solidFill>
+        </p:spPr>
+        <p:style>
+          <a:lnRef idx="2">
+            <a:schemeClr val="accent1">
+              <a:shade val="50000"/>
+            </a:schemeClr>
+          </a:lnRef>
+          <a:fillRef idx="1">
+            <a:schemeClr val="accent1"/>
+          </a:fillRef>
+          <a:effectRef idx="0">
+            <a:schemeClr val="accent1"/>
+          </a:effectRef>
+          <a:fontRef idx="minor">
+            <a:schemeClr val="lt1"/>
+          </a:fontRef>
+        </p:style>
+        <p:txBody>
+          <a:bodyPr rtlCol="0" anchor="ctr"/>
+          <a:lstStyle/>
+          <a:p>
+            <a:pPr algn="ctr"/>
+            <a:r>
+              <a:rPr kumimoji="1" lang="en-US" altLang="ko-KR" sz="1000" dirty="0">
+                <a:solidFill>
+                  <a:schemeClr val="tx1"/>
+                </a:solidFill>
+                <a:latin typeface="+mj-lt"/>
+              </a:rPr>
+              <a:t>Kafka Listener</a:t>
+            </a:r>
+          </a:p>
+        </p:txBody>
+      </p:sp>
+      <p:sp>
+        <p:nvSpPr>
+          <p:cNvPr id="82" name="직사각형 81">
+            <a:extLst>
+              <a:ext uri="{FF2B5EF4-FFF2-40B4-BE49-F238E27FC236}">
+                <a16:creationId xmlns:a16="http://schemas.microsoft.com/office/drawing/2014/main" id="{FC479AF4-C5C9-4D0E-B172-FB42903BBDFD}"/>
+              </a:ext>
+            </a:extLst>
+          </p:cNvPr>
+          <p:cNvSpPr/>
+          <p:nvPr/>
+        </p:nvSpPr>
+        <p:spPr>
+          <a:xfrm>
+            <a:off x="10102712" y="4333567"/>
+            <a:ext cx="720000" cy="360000"/>
+          </a:xfrm>
+          <a:prstGeom prst="rect">
+            <a:avLst/>
+          </a:prstGeom>
+          <a:solidFill>
+            <a:srgbClr val="D4A2C1"/>
+          </a:solidFill>
+        </p:spPr>
+        <p:style>
+          <a:lnRef idx="2">
+            <a:schemeClr val="accent1">
+              <a:shade val="50000"/>
+            </a:schemeClr>
+          </a:lnRef>
+          <a:fillRef idx="1">
+            <a:schemeClr val="accent1"/>
+          </a:fillRef>
+          <a:effectRef idx="0">
+            <a:schemeClr val="accent1"/>
+          </a:effectRef>
+          <a:fontRef idx="minor">
+            <a:schemeClr val="lt1"/>
+          </a:fontRef>
+        </p:style>
+        <p:txBody>
+          <a:bodyPr rtlCol="0" anchor="ctr"/>
+          <a:lstStyle/>
+          <a:p>
+            <a:pPr algn="ctr"/>
+            <a:r>
+              <a:rPr kumimoji="1" lang="en-US" altLang="ko-KR" sz="1000" dirty="0">
+                <a:solidFill>
+                  <a:schemeClr val="tx1"/>
+                </a:solidFill>
+                <a:latin typeface="+mj-lt"/>
+              </a:rPr>
+              <a:t>Kafka Listener</a:t>
+            </a:r>
+          </a:p>
+        </p:txBody>
+      </p:sp>
+      <p:cxnSp>
+        <p:nvCxnSpPr>
+          <p:cNvPr id="83" name="직선 화살표 연결선 82">
+            <a:extLst>
+              <a:ext uri="{FF2B5EF4-FFF2-40B4-BE49-F238E27FC236}">
+                <a16:creationId xmlns:a16="http://schemas.microsoft.com/office/drawing/2014/main" id="{F4B158D0-66BF-4A9D-823E-F3A18E4C1F37}"/>
+              </a:ext>
+            </a:extLst>
+          </p:cNvPr>
+          <p:cNvCxnSpPr>
+            <a:cxnSpLocks/>
+          </p:cNvCxnSpPr>
+          <p:nvPr/>
+        </p:nvCxnSpPr>
+        <p:spPr>
+          <a:xfrm>
+            <a:off x="10462712" y="1972611"/>
+            <a:ext cx="0" cy="2353336"/>
+          </a:xfrm>
+          <a:prstGeom prst="straightConnector1">
+            <a:avLst/>
+          </a:prstGeom>
+          <a:ln w="38100">
+            <a:solidFill>
+              <a:schemeClr val="tx1"/>
+            </a:solidFill>
+            <a:prstDash val="sysDash"/>
+            <a:tailEnd type="triangle"/>
+          </a:ln>
+        </p:spPr>
+        <p:style>
+          <a:lnRef idx="1">
+            <a:schemeClr val="accent1"/>
+          </a:lnRef>
+          <a:fillRef idx="0">
+            <a:schemeClr val="accent1"/>
+          </a:fillRef>
+          <a:effectRef idx="0">
+            <a:schemeClr val="accent1"/>
+          </a:effectRef>
+          <a:fontRef idx="minor">
+            <a:schemeClr val="tx1"/>
+          </a:fontRef>
+        </p:style>
+      </p:cxnSp>
+      <p:sp>
+        <p:nvSpPr>
+          <p:cNvPr id="84" name="직사각형 83">
+            <a:extLst>
+              <a:ext uri="{FF2B5EF4-FFF2-40B4-BE49-F238E27FC236}">
+                <a16:creationId xmlns:a16="http://schemas.microsoft.com/office/drawing/2014/main" id="{A51B8A56-84E9-4E42-ADC8-83E27428B819}"/>
+              </a:ext>
+            </a:extLst>
+          </p:cNvPr>
+          <p:cNvSpPr/>
+          <p:nvPr/>
+        </p:nvSpPr>
+        <p:spPr>
+          <a:xfrm>
+            <a:off x="11149986" y="4242467"/>
+            <a:ext cx="720000" cy="360000"/>
+          </a:xfrm>
+          <a:prstGeom prst="rect">
+            <a:avLst/>
+          </a:prstGeom>
+          <a:solidFill>
+            <a:srgbClr val="FFC000"/>
+          </a:solidFill>
+        </p:spPr>
+        <p:style>
+          <a:lnRef idx="2">
+            <a:schemeClr val="accent1">
+              <a:shade val="50000"/>
+            </a:schemeClr>
+          </a:lnRef>
+          <a:fillRef idx="1">
+            <a:schemeClr val="accent1"/>
+          </a:fillRef>
+          <a:effectRef idx="0">
+            <a:schemeClr val="accent1"/>
+          </a:effectRef>
+          <a:fontRef idx="minor">
+            <a:schemeClr val="lt1"/>
+          </a:fontRef>
+        </p:style>
+        <p:txBody>
+          <a:bodyPr rtlCol="0" anchor="ctr"/>
+          <a:lstStyle/>
+          <a:p>
+            <a:pPr algn="ctr"/>
+            <a:r>
+              <a:rPr kumimoji="1" lang="en-US" altLang="ko-KR" sz="1000" dirty="0">
+                <a:solidFill>
+                  <a:schemeClr val="tx1"/>
+                </a:solidFill>
+                <a:latin typeface="+mj-lt"/>
+              </a:rPr>
+              <a:t>Kafka Publisher</a:t>
+            </a:r>
+            <a:endParaRPr kumimoji="1" lang="ko-KR" altLang="en-US" sz="1000" dirty="0">
+              <a:solidFill>
+                <a:schemeClr val="tx1"/>
+              </a:solidFill>
+              <a:latin typeface="+mj-lt"/>
+            </a:endParaRPr>
+          </a:p>
+        </p:txBody>
+      </p:sp>
+      <p:cxnSp>
+        <p:nvCxnSpPr>
+          <p:cNvPr id="85" name="직선 화살표 연결선 84">
+            <a:extLst>
+              <a:ext uri="{FF2B5EF4-FFF2-40B4-BE49-F238E27FC236}">
+                <a16:creationId xmlns:a16="http://schemas.microsoft.com/office/drawing/2014/main" id="{B76E8B72-9842-48A7-99D9-670565E67C37}"/>
+              </a:ext>
+            </a:extLst>
+          </p:cNvPr>
+          <p:cNvCxnSpPr>
+            <a:cxnSpLocks/>
+          </p:cNvCxnSpPr>
+          <p:nvPr/>
+        </p:nvCxnSpPr>
+        <p:spPr>
+          <a:xfrm flipV="1">
+            <a:off x="11573852" y="1937849"/>
+            <a:ext cx="0" cy="2283050"/>
           </a:xfrm>
           <a:prstGeom prst="straightConnector1">
             <a:avLst/>
@@ -18686,7 +17115,7 @@
             </a:pPr>
             <a:r>
               <a:rPr kumimoji="1" lang="ko-KR" altLang="en-US" dirty="0"/>
-              <a:t>예약상태에 따라 카톡 등으로 알림을 줄 수 있어야 한다 </a:t>
+              <a:t>대여상태에 따라 카톡 등으로 알림을 줄 수 있어야 한다 </a:t>
             </a:r>
             <a:r>
               <a:rPr kumimoji="1" lang="ko-KR" altLang="en-US" dirty="0">
@@ -19588,6 +18017,78 @@
           </a:p>
         </p:txBody>
       </p:sp>
+      <p:sp>
+        <p:nvSpPr>
+          <p:cNvPr id="23" name="직사각형 22">
+            <a:extLst>
+              <a:ext uri="{FF2B5EF4-FFF2-40B4-BE49-F238E27FC236}">
+                <a16:creationId xmlns:a16="http://schemas.microsoft.com/office/drawing/2014/main" id="{EA4B7C47-1F0D-4277-99CC-DEE48A9CE1FA}"/>
+              </a:ext>
+            </a:extLst>
+          </p:cNvPr>
+          <p:cNvSpPr/>
+          <p:nvPr/>
+        </p:nvSpPr>
+        <p:spPr>
+          <a:xfrm>
+            <a:off x="9910180" y="2001113"/>
+            <a:ext cx="1300163" cy="1257300"/>
+          </a:xfrm>
+          <a:prstGeom prst="rect">
+            <a:avLst/>
+          </a:prstGeom>
+          <a:solidFill>
+            <a:srgbClr val="F1A746"/>
+          </a:solidFill>
+          <a:ln>
+            <a:noFill/>
+          </a:ln>
+        </p:spPr>
+        <p:style>
+          <a:lnRef idx="2">
+            <a:schemeClr val="accent1">
+              <a:shade val="50000"/>
+            </a:schemeClr>
+          </a:lnRef>
+          <a:fillRef idx="1">
+            <a:schemeClr val="accent1"/>
+          </a:fillRef>
+          <a:effectRef idx="0">
+            <a:schemeClr val="accent1"/>
+          </a:effectRef>
+          <a:fontRef idx="minor">
+            <a:schemeClr val="lt1"/>
+          </a:fontRef>
+        </p:style>
+        <p:txBody>
+          <a:bodyPr rtlCol="0" anchor="ctr"/>
+          <a:lstStyle/>
+          <a:p>
+            <a:pPr algn="ctr"/>
+            <a:r>
+              <a:rPr kumimoji="1" lang="ko-KR" altLang="en-US" sz="1200" b="1" dirty="0">
+                <a:solidFill>
+                  <a:schemeClr val="tx1"/>
+                </a:solidFill>
+              </a:rPr>
+              <a:t>예약정보 </a:t>
+            </a:r>
+            <a:r>
+              <a:rPr kumimoji="1" lang="ko-KR" altLang="en-US" sz="1200" b="1" dirty="0" err="1">
+                <a:solidFill>
+                  <a:schemeClr val="tx1"/>
+                </a:solidFill>
+              </a:rPr>
+              <a:t>알림됨</a:t>
+            </a:r>
+            <a:endParaRPr kumimoji="1" lang="ko-KR" altLang="en-US" sz="1200" b="1" dirty="0">
+              <a:solidFill>
+                <a:schemeClr val="tx1"/>
+              </a:solidFill>
+            </a:endParaRPr>
+          </a:p>
+        </p:txBody>
+      </p:sp>
     </p:spTree>
     <p:extLst>
       <p:ext uri="{BB962C8B-B14F-4D97-AF65-F5344CB8AC3E}">
@@ -20467,6 +18968,78 @@
           </a:p>
         </p:txBody>
       </p:sp>
+      <p:sp>
+        <p:nvSpPr>
+          <p:cNvPr id="23" name="직사각형 22">
+            <a:extLst>
+              <a:ext uri="{FF2B5EF4-FFF2-40B4-BE49-F238E27FC236}">
+                <a16:creationId xmlns:a16="http://schemas.microsoft.com/office/drawing/2014/main" id="{48C2E5DC-A1AC-4029-A108-219CA92E384D}"/>
+              </a:ext>
+            </a:extLst>
+          </p:cNvPr>
+          <p:cNvSpPr/>
+          <p:nvPr/>
+        </p:nvSpPr>
+        <p:spPr>
+          <a:xfrm>
+            <a:off x="9910180" y="2001113"/>
+            <a:ext cx="1300163" cy="1257300"/>
+          </a:xfrm>
+          <a:prstGeom prst="rect">
+            <a:avLst/>
+          </a:prstGeom>
+          <a:solidFill>
+            <a:srgbClr val="F1A746"/>
+          </a:solidFill>
+          <a:ln>
+            <a:noFill/>
+          </a:ln>
+        </p:spPr>
+        <p:style>
+          <a:lnRef idx="2">
+            <a:schemeClr val="accent1">
+              <a:shade val="50000"/>
+            </a:schemeClr>
+          </a:lnRef>
+          <a:fillRef idx="1">
+            <a:schemeClr val="accent1"/>
+          </a:fillRef>
+          <a:effectRef idx="0">
+            <a:schemeClr val="accent1"/>
+          </a:effectRef>
+          <a:fontRef idx="minor">
+            <a:schemeClr val="lt1"/>
+          </a:fontRef>
+        </p:style>
+        <p:txBody>
+          <a:bodyPr rtlCol="0" anchor="ctr"/>
+          <a:lstStyle/>
+          <a:p>
+            <a:pPr algn="ctr"/>
+            <a:r>
+              <a:rPr kumimoji="1" lang="ko-KR" altLang="en-US" sz="1200" b="1" dirty="0">
+                <a:solidFill>
+                  <a:schemeClr val="tx1"/>
+                </a:solidFill>
+              </a:rPr>
+              <a:t>예약정보 </a:t>
+            </a:r>
+            <a:r>
+              <a:rPr kumimoji="1" lang="ko-KR" altLang="en-US" sz="1200" b="1" dirty="0" err="1">
+                <a:solidFill>
+                  <a:schemeClr val="tx1"/>
+                </a:solidFill>
+              </a:rPr>
+              <a:t>알림됨</a:t>
+            </a:r>
+            <a:endParaRPr kumimoji="1" lang="ko-KR" altLang="en-US" sz="1200" b="1" dirty="0">
+              <a:solidFill>
+                <a:schemeClr val="tx1"/>
+              </a:solidFill>
+            </a:endParaRPr>
+          </a:p>
+        </p:txBody>
+      </p:sp>
     </p:spTree>
     <p:extLst>
       <p:ext uri="{BB962C8B-B14F-4D97-AF65-F5344CB8AC3E}">
@@ -20728,7 +19301,7 @@
         </p:nvSpPr>
         <p:spPr>
           <a:xfrm>
-            <a:off x="4486575" y="4912133"/>
+            <a:off x="3372897" y="4979987"/>
             <a:ext cx="1300163" cy="1257300"/>
           </a:xfrm>
           <a:prstGeom prst="rect">
@@ -20846,7 +19419,7 @@
         </p:nvSpPr>
         <p:spPr>
           <a:xfrm>
-            <a:off x="1798123" y="5116707"/>
+            <a:off x="684445" y="5184561"/>
             <a:ext cx="1300163" cy="1257300"/>
           </a:xfrm>
           <a:prstGeom prst="rect">
@@ -20905,7 +19478,7 @@
         </p:nvSpPr>
         <p:spPr>
           <a:xfrm>
-            <a:off x="9910180" y="5156155"/>
+            <a:off x="8146420" y="5150390"/>
             <a:ext cx="1300163" cy="1257300"/>
           </a:xfrm>
           <a:prstGeom prst="rect">
@@ -20964,7 +19537,7 @@
         </p:nvSpPr>
         <p:spPr>
           <a:xfrm>
-            <a:off x="7402921" y="5099511"/>
+            <a:off x="5820320" y="5167365"/>
             <a:ext cx="1300163" cy="1257300"/>
           </a:xfrm>
           <a:prstGeom prst="rect">
@@ -22555,6 +21128,78 @@
           </p:style>
         </p:cxnSp>
       </p:grpSp>
+      <p:sp>
+        <p:nvSpPr>
+          <p:cNvPr id="78" name="직사각형 77">
+            <a:extLst>
+              <a:ext uri="{FF2B5EF4-FFF2-40B4-BE49-F238E27FC236}">
+                <a16:creationId xmlns:a16="http://schemas.microsoft.com/office/drawing/2014/main" id="{52D89306-C55D-4134-851F-1DA822F4ADEE}"/>
+              </a:ext>
+            </a:extLst>
+          </p:cNvPr>
+          <p:cNvSpPr/>
+          <p:nvPr/>
+        </p:nvSpPr>
+        <p:spPr>
+          <a:xfrm>
+            <a:off x="10398181" y="5097027"/>
+            <a:ext cx="1300163" cy="1257300"/>
+          </a:xfrm>
+          <a:prstGeom prst="rect">
+            <a:avLst/>
+          </a:prstGeom>
+          <a:solidFill>
+            <a:srgbClr val="F1A746"/>
+          </a:solidFill>
+          <a:ln>
+            <a:noFill/>
+          </a:ln>
+        </p:spPr>
+        <p:style>
+          <a:lnRef idx="2">
+            <a:schemeClr val="accent1">
+              <a:shade val="50000"/>
+            </a:schemeClr>
+          </a:lnRef>
+          <a:fillRef idx="1">
+            <a:schemeClr val="accent1"/>
+          </a:fillRef>
+          <a:effectRef idx="0">
+            <a:schemeClr val="accent1"/>
+          </a:effectRef>
+          <a:fontRef idx="minor">
+            <a:schemeClr val="lt1"/>
+          </a:fontRef>
+        </p:style>
+        <p:txBody>
+          <a:bodyPr rtlCol="0" anchor="ctr"/>
+          <a:lstStyle/>
+          <a:p>
+            <a:pPr algn="ctr"/>
+            <a:r>
+              <a:rPr kumimoji="1" lang="ko-KR" altLang="en-US" sz="1200" b="1" dirty="0">
+                <a:solidFill>
+                  <a:schemeClr val="tx1"/>
+                </a:solidFill>
+              </a:rPr>
+              <a:t>예약정보 </a:t>
+            </a:r>
+            <a:r>
+              <a:rPr kumimoji="1" lang="ko-KR" altLang="en-US" sz="1200" b="1" dirty="0" err="1">
+                <a:solidFill>
+                  <a:schemeClr val="tx1"/>
+                </a:solidFill>
+              </a:rPr>
+              <a:t>알림됨</a:t>
+            </a:r>
+            <a:endParaRPr kumimoji="1" lang="ko-KR" altLang="en-US" sz="1200" b="1" dirty="0">
+              <a:solidFill>
+                <a:schemeClr val="tx1"/>
+              </a:solidFill>
+            </a:endParaRPr>
+          </a:p>
+        </p:txBody>
+      </p:sp>
     </p:spTree>
     <p:extLst>
       <p:ext uri="{BB962C8B-B14F-4D97-AF65-F5344CB8AC3E}">
@@ -23350,7 +21995,7 @@
         </p:nvSpPr>
         <p:spPr>
           <a:xfrm>
-            <a:off x="6378366" y="3907977"/>
+            <a:off x="6096000" y="3907977"/>
             <a:ext cx="1300163" cy="1257300"/>
           </a:xfrm>
           <a:prstGeom prst="rect">
@@ -23409,7 +22054,7 @@
         </p:nvSpPr>
         <p:spPr>
           <a:xfrm>
-            <a:off x="4645277" y="4284632"/>
+            <a:off x="4362911" y="4284632"/>
             <a:ext cx="1300163" cy="1257300"/>
           </a:xfrm>
           <a:prstGeom prst="rect">
@@ -23468,7 +22113,7 @@
         </p:nvSpPr>
         <p:spPr>
           <a:xfrm>
-            <a:off x="8588601" y="1519730"/>
+            <a:off x="8024017" y="1503995"/>
             <a:ext cx="1300163" cy="1257300"/>
           </a:xfrm>
           <a:prstGeom prst="rect">
@@ -23527,7 +22172,7 @@
         </p:nvSpPr>
         <p:spPr>
           <a:xfrm>
-            <a:off x="6758147" y="2202889"/>
+            <a:off x="6193563" y="2187154"/>
             <a:ext cx="1300163" cy="1257300"/>
           </a:xfrm>
           <a:prstGeom prst="rect">
@@ -23586,7 +22231,7 @@
         </p:nvGrpSpPr>
         <p:grpSpPr>
           <a:xfrm>
-            <a:off x="6107888" y="1857933"/>
+            <a:off x="5543304" y="1842198"/>
             <a:ext cx="814952" cy="1257300"/>
             <a:chOff x="194792" y="1921761"/>
             <a:chExt cx="1300163" cy="1257300"/>
@@ -23884,7 +22529,7 @@
         </p:nvSpPr>
         <p:spPr>
           <a:xfrm>
-            <a:off x="8588601" y="2965758"/>
+            <a:off x="8024017" y="2950023"/>
             <a:ext cx="1300163" cy="1257300"/>
           </a:xfrm>
           <a:prstGeom prst="rect">
@@ -23943,7 +22588,7 @@
         </p:nvSpPr>
         <p:spPr>
           <a:xfrm>
-            <a:off x="7794582" y="2333723"/>
+            <a:off x="7229998" y="2317988"/>
             <a:ext cx="1066972" cy="1257300"/>
           </a:xfrm>
           <a:prstGeom prst="rect">
@@ -24018,7 +22663,7 @@
         </p:nvSpPr>
         <p:spPr>
           <a:xfrm>
-            <a:off x="6421588" y="5284719"/>
+            <a:off x="6139222" y="5284719"/>
             <a:ext cx="1300163" cy="1257300"/>
           </a:xfrm>
           <a:prstGeom prst="rect">
@@ -24077,7 +22722,7 @@
         </p:nvSpPr>
         <p:spPr>
           <a:xfrm>
-            <a:off x="5571772" y="4498721"/>
+            <a:off x="5289406" y="4498721"/>
             <a:ext cx="1066972" cy="1257300"/>
           </a:xfrm>
           <a:prstGeom prst="rect">
@@ -24152,7 +22797,7 @@
         </p:nvSpPr>
         <p:spPr>
           <a:xfrm>
-            <a:off x="10404312" y="5240316"/>
+            <a:off x="9754230" y="5272656"/>
             <a:ext cx="1300163" cy="1257300"/>
           </a:xfrm>
           <a:prstGeom prst="rect">
@@ -24211,7 +22856,7 @@
         </p:nvSpPr>
         <p:spPr>
           <a:xfrm>
-            <a:off x="10404312" y="3708550"/>
+            <a:off x="9754230" y="3740890"/>
             <a:ext cx="1300163" cy="1257300"/>
           </a:xfrm>
           <a:prstGeom prst="rect">
@@ -24270,7 +22915,7 @@
         </p:nvSpPr>
         <p:spPr>
           <a:xfrm>
-            <a:off x="9593770" y="4568546"/>
+            <a:off x="8943688" y="4600886"/>
             <a:ext cx="1066972" cy="1257300"/>
           </a:xfrm>
           <a:prstGeom prst="rect">
@@ -24311,6 +22956,137 @@
                 </a:solidFill>
               </a:rPr>
               <a:t>재고</a:t>
+            </a:r>
+          </a:p>
+        </p:txBody>
+      </p:sp>
+      <p:sp>
+        <p:nvSpPr>
+          <p:cNvPr id="35" name="직사각형 34">
+            <a:extLst>
+              <a:ext uri="{FF2B5EF4-FFF2-40B4-BE49-F238E27FC236}">
+                <a16:creationId xmlns:a16="http://schemas.microsoft.com/office/drawing/2014/main" id="{DADB86D8-04C8-4B8E-A65F-EEDBBA3E87ED}"/>
+              </a:ext>
+            </a:extLst>
+          </p:cNvPr>
+          <p:cNvSpPr/>
+          <p:nvPr/>
+        </p:nvSpPr>
+        <p:spPr>
+          <a:xfrm>
+            <a:off x="10691360" y="1516159"/>
+            <a:ext cx="1300163" cy="1257300"/>
+          </a:xfrm>
+          <a:prstGeom prst="rect">
+            <a:avLst/>
+          </a:prstGeom>
+          <a:solidFill>
+            <a:srgbClr val="F1A746"/>
+          </a:solidFill>
+          <a:ln>
+            <a:noFill/>
+          </a:ln>
+        </p:spPr>
+        <p:style>
+          <a:lnRef idx="2">
+            <a:schemeClr val="accent1">
+              <a:shade val="50000"/>
+            </a:schemeClr>
+          </a:lnRef>
+          <a:fillRef idx="1">
+            <a:schemeClr val="accent1"/>
+          </a:fillRef>
+          <a:effectRef idx="0">
+            <a:schemeClr val="accent1"/>
+          </a:effectRef>
+          <a:fontRef idx="minor">
+            <a:schemeClr val="lt1"/>
+          </a:fontRef>
+        </p:style>
+        <p:txBody>
+          <a:bodyPr rtlCol="0" anchor="ctr"/>
+          <a:lstStyle/>
+          <a:p>
+            <a:pPr algn="ctr"/>
+            <a:r>
+              <a:rPr kumimoji="1" lang="ko-KR" altLang="en-US" sz="1200" b="1" dirty="0">
+                <a:solidFill>
+                  <a:schemeClr val="tx1"/>
+                </a:solidFill>
+              </a:rPr>
+              <a:t>예약정보 </a:t>
+            </a:r>
+            <a:r>
+              <a:rPr kumimoji="1" lang="ko-KR" altLang="en-US" sz="1200" b="1" dirty="0" err="1">
+                <a:solidFill>
+                  <a:schemeClr val="tx1"/>
+                </a:solidFill>
+              </a:rPr>
+              <a:t>알림됨</a:t>
+            </a:r>
+            <a:endParaRPr kumimoji="1" lang="ko-KR" altLang="en-US" sz="1200" b="1" dirty="0">
+              <a:solidFill>
+                <a:schemeClr val="tx1"/>
+              </a:solidFill>
+            </a:endParaRPr>
+          </a:p>
+        </p:txBody>
+      </p:sp>
+      <p:sp>
+        <p:nvSpPr>
+          <p:cNvPr id="43" name="직사각형 42">
+            <a:extLst>
+              <a:ext uri="{FF2B5EF4-FFF2-40B4-BE49-F238E27FC236}">
+                <a16:creationId xmlns:a16="http://schemas.microsoft.com/office/drawing/2014/main" id="{71D9C3CD-F92C-41ED-9882-1B35DF0346E7}"/>
+              </a:ext>
+            </a:extLst>
+          </p:cNvPr>
+          <p:cNvSpPr/>
+          <p:nvPr/>
+        </p:nvSpPr>
+        <p:spPr>
+          <a:xfrm>
+            <a:off x="9754230" y="1940678"/>
+            <a:ext cx="1066972" cy="1257300"/>
+          </a:xfrm>
+          <a:prstGeom prst="rect">
+            <a:avLst/>
+          </a:prstGeom>
+          <a:solidFill>
+            <a:srgbClr val="FFFF00"/>
+          </a:solidFill>
+          <a:ln>
+            <a:noFill/>
+          </a:ln>
+        </p:spPr>
+        <p:style>
+          <a:lnRef idx="2">
+            <a:schemeClr val="accent1">
+              <a:shade val="50000"/>
+            </a:schemeClr>
+          </a:lnRef>
+          <a:fillRef idx="1">
+            <a:schemeClr val="accent1"/>
+          </a:fillRef>
+          <a:effectRef idx="0">
+            <a:schemeClr val="accent1"/>
+          </a:effectRef>
+          <a:fontRef idx="minor">
+            <a:schemeClr val="lt1"/>
+          </a:fontRef>
+        </p:style>
+        <p:txBody>
+          <a:bodyPr rtlCol="0" anchor="ctr"/>
+          <a:lstStyle/>
+          <a:p>
+            <a:pPr algn="ctr"/>
+            <a:r>
+              <a:rPr kumimoji="1" lang="ko-KR" altLang="en-US" dirty="0">
+                <a:solidFill>
+                  <a:sysClr val="windowText" lastClr="000000"/>
+                </a:solidFill>
+              </a:rPr>
+              <a:t>알림</a:t>
             </a:r>
           </a:p>
         </p:txBody>
